--- a/paper/figs/figures.pptx
+++ b/paper/figs/figures.pptx
@@ -6,10 +6,11 @@
   </p:sldMasterIdLst>
   <p:sldIdLst>
     <p:sldId id="257" r:id="rId2"/>
-    <p:sldId id="264" r:id="rId3"/>
-    <p:sldId id="265" r:id="rId4"/>
-    <p:sldId id="266" r:id="rId5"/>
-    <p:sldId id="267" r:id="rId6"/>
+    <p:sldId id="268" r:id="rId3"/>
+    <p:sldId id="264" r:id="rId4"/>
+    <p:sldId id="265" r:id="rId5"/>
+    <p:sldId id="266" r:id="rId6"/>
+    <p:sldId id="267" r:id="rId7"/>
   </p:sldIdLst>
   <p:sldSz cx="12192000" cy="6858000"/>
   <p:notesSz cx="7772400" cy="10058400"/>
@@ -2897,25 +2898,19 @@
       </p:grpSpPr>
       <p:pic>
         <p:nvPicPr>
-          <p:cNvPr id="58" name="Picture 2">
-            <a:extLst>
-              <a:ext uri="{FF2B5EF4-FFF2-40B4-BE49-F238E27FC236}">
-                <a16:creationId xmlns:a16="http://schemas.microsoft.com/office/drawing/2014/main" id="{EB06F401-D348-084D-9C48-599A9F88E8B6}"/>
-              </a:ext>
-            </a:extLst>
-          </p:cNvPr>
+          <p:cNvPr id="55" name="Picture 5"/>
           <p:cNvPicPr/>
           <p:nvPr/>
         </p:nvPicPr>
         <p:blipFill>
           <a:blip r:embed="rId2"/>
-          <a:srcRect t="2095" r="1571" b="22935"/>
+          <a:srcRect l="25801" t="3943" r="38787" b="51447"/>
           <a:stretch/>
         </p:blipFill>
         <p:spPr>
-          <a:xfrm>
-            <a:off x="1107206" y="1046261"/>
-            <a:ext cx="9694115" cy="6493464"/>
+          <a:xfrm rot="5400000">
+            <a:off x="6414583" y="1005480"/>
+            <a:ext cx="4021920" cy="4297320"/>
           </a:xfrm>
           <a:prstGeom prst="rect">
             <a:avLst/>
@@ -2927,14 +2922,14 @@
       </p:pic>
       <p:sp>
         <p:nvSpPr>
-          <p:cNvPr id="150" name="CustomShape 13"/>
-          <p:cNvSpPr/>
-          <p:nvPr/>
-        </p:nvSpPr>
-        <p:spPr>
-          <a:xfrm>
-            <a:off x="4357108" y="1052508"/>
-            <a:ext cx="3200400" cy="3200400"/>
+          <p:cNvPr id="56" name="CustomShape 1"/>
+          <p:cNvSpPr/>
+          <p:nvPr/>
+        </p:nvSpPr>
+        <p:spPr>
+          <a:xfrm rot="5400000">
+            <a:off x="7038463" y="1858680"/>
+            <a:ext cx="2799000" cy="2799000"/>
           </a:xfrm>
           <a:prstGeom prst="rect">
             <a:avLst/>
@@ -2962,27 +2957,50 @@
           <a:fontRef idx="minor"/>
         </p:style>
       </p:sp>
-      <p:sp>
-        <p:nvSpPr>
-          <p:cNvPr id="152" name="CustomShape 15"/>
-          <p:cNvSpPr/>
-          <p:nvPr/>
-        </p:nvSpPr>
-        <p:spPr>
-          <a:xfrm>
-            <a:off x="3901193" y="1046763"/>
-            <a:ext cx="457200" cy="3657600"/>
-          </a:xfrm>
-          <a:prstGeom prst="rect">
-            <a:avLst/>
-          </a:prstGeom>
-          <a:solidFill>
-            <a:srgbClr val="F37B70">
-              <a:alpha val="20000"/>
-            </a:srgbClr>
-          </a:solidFill>
+      <p:pic>
+        <p:nvPicPr>
+          <p:cNvPr id="57" name="Picture 2"/>
+          <p:cNvPicPr/>
+          <p:nvPr/>
+        </p:nvPicPr>
+        <p:blipFill>
+          <a:blip r:embed="rId3"/>
+          <a:srcRect l="6481" t="2095" r="45743" b="39696"/>
+          <a:stretch/>
+        </p:blipFill>
+        <p:spPr>
+          <a:xfrm rot="5400000">
+            <a:off x="2016103" y="1014840"/>
+            <a:ext cx="4040640" cy="4297320"/>
+          </a:xfrm>
+          <a:prstGeom prst="rect">
+            <a:avLst/>
+          </a:prstGeom>
           <a:ln>
             <a:noFill/>
+          </a:ln>
+        </p:spPr>
+      </p:pic>
+      <p:sp>
+        <p:nvSpPr>
+          <p:cNvPr id="58" name="CustomShape 2"/>
+          <p:cNvSpPr/>
+          <p:nvPr/>
+        </p:nvSpPr>
+        <p:spPr>
+          <a:xfrm rot="5400000">
+            <a:off x="2651143" y="1859040"/>
+            <a:ext cx="2744280" cy="2741760"/>
+          </a:xfrm>
+          <a:prstGeom prst="rect">
+            <a:avLst/>
+          </a:prstGeom>
+          <a:noFill/>
+          <a:ln w="36720">
+            <a:solidFill>
+              <a:srgbClr val="F37B70"/>
+            </a:solidFill>
+            <a:round/>
           </a:ln>
         </p:spPr>
         <p:style>
@@ -3000,50 +3018,564 @@
           <a:fontRef idx="minor"/>
         </p:style>
       </p:sp>
-      <p:sp>
-        <p:nvSpPr>
-          <p:cNvPr id="155" name="CustomShape 18"/>
-          <p:cNvSpPr/>
-          <p:nvPr/>
-        </p:nvSpPr>
-        <p:spPr>
-          <a:xfrm>
-            <a:off x="4356954" y="4250091"/>
-            <a:ext cx="3200400" cy="457200"/>
-          </a:xfrm>
-          <a:prstGeom prst="rect">
-            <a:avLst/>
-          </a:prstGeom>
-          <a:solidFill>
-            <a:srgbClr val="F37B70">
-              <a:alpha val="20000"/>
-            </a:srgbClr>
-          </a:solidFill>
+      <p:grpSp>
+        <p:nvGrpSpPr>
+          <p:cNvPr id="59" name="Group 3"/>
+          <p:cNvGrpSpPr/>
+          <p:nvPr/>
+        </p:nvGrpSpPr>
+        <p:grpSpPr>
+          <a:xfrm>
+            <a:off x="2309863" y="1514880"/>
+            <a:ext cx="3427560" cy="3429360"/>
+            <a:chOff x="3714120" y="371880"/>
+            <a:chExt cx="3427560" cy="3429360"/>
+          </a:xfrm>
+        </p:grpSpPr>
+        <p:sp>
+          <p:nvSpPr>
+            <p:cNvPr id="60" name="CustomShape 4"/>
+            <p:cNvSpPr/>
+            <p:nvPr/>
+          </p:nvSpPr>
+          <p:spPr>
+            <a:xfrm rot="5400000">
+              <a:off x="5257440" y="-1171440"/>
+              <a:ext cx="340920" cy="3427560"/>
+            </a:xfrm>
+            <a:prstGeom prst="rect">
+              <a:avLst/>
+            </a:prstGeom>
+            <a:solidFill>
+              <a:srgbClr val="F37B70">
+                <a:alpha val="20000"/>
+              </a:srgbClr>
+            </a:solidFill>
+            <a:ln>
+              <a:noFill/>
+            </a:ln>
+          </p:spPr>
+          <p:style>
+            <a:lnRef idx="2">
+              <a:schemeClr val="accent1">
+                <a:shade val="50000"/>
+              </a:schemeClr>
+            </a:lnRef>
+            <a:fillRef idx="1">
+              <a:schemeClr val="accent1"/>
+            </a:fillRef>
+            <a:effectRef idx="0">
+              <a:schemeClr val="accent1"/>
+            </a:effectRef>
+            <a:fontRef idx="minor"/>
+          </p:style>
+        </p:sp>
+        <p:sp>
+          <p:nvSpPr>
+            <p:cNvPr id="61" name="CustomShape 5"/>
+            <p:cNvSpPr/>
+            <p:nvPr/>
+          </p:nvSpPr>
+          <p:spPr>
+            <a:xfrm rot="5400000">
+              <a:off x="5257440" y="1916640"/>
+              <a:ext cx="340920" cy="3427560"/>
+            </a:xfrm>
+            <a:prstGeom prst="rect">
+              <a:avLst/>
+            </a:prstGeom>
+            <a:solidFill>
+              <a:srgbClr val="F37B70">
+                <a:alpha val="20000"/>
+              </a:srgbClr>
+            </a:solidFill>
+            <a:ln>
+              <a:noFill/>
+            </a:ln>
+          </p:spPr>
+          <p:style>
+            <a:lnRef idx="2">
+              <a:schemeClr val="accent1">
+                <a:shade val="50000"/>
+              </a:schemeClr>
+            </a:lnRef>
+            <a:fillRef idx="1">
+              <a:schemeClr val="accent1"/>
+            </a:fillRef>
+            <a:effectRef idx="0">
+              <a:schemeClr val="accent1"/>
+            </a:effectRef>
+            <a:fontRef idx="minor"/>
+          </p:style>
+        </p:sp>
+        <p:sp>
+          <p:nvSpPr>
+            <p:cNvPr id="62" name="CustomShape 6"/>
+            <p:cNvSpPr/>
+            <p:nvPr/>
+          </p:nvSpPr>
+          <p:spPr>
+            <a:xfrm rot="5400000">
+              <a:off x="5599080" y="1916640"/>
+              <a:ext cx="2744280" cy="340920"/>
+            </a:xfrm>
+            <a:prstGeom prst="rect">
+              <a:avLst/>
+            </a:prstGeom>
+            <a:solidFill>
+              <a:srgbClr val="F37B70">
+                <a:alpha val="20000"/>
+              </a:srgbClr>
+            </a:solidFill>
+            <a:ln>
+              <a:noFill/>
+            </a:ln>
+          </p:spPr>
+          <p:style>
+            <a:lnRef idx="2">
+              <a:schemeClr val="accent1">
+                <a:shade val="50000"/>
+              </a:schemeClr>
+            </a:lnRef>
+            <a:fillRef idx="1">
+              <a:schemeClr val="accent1"/>
+            </a:fillRef>
+            <a:effectRef idx="0">
+              <a:schemeClr val="accent1"/>
+            </a:effectRef>
+            <a:fontRef idx="minor"/>
+          </p:style>
+        </p:sp>
+        <p:sp>
+          <p:nvSpPr>
+            <p:cNvPr id="63" name="CustomShape 7"/>
+            <p:cNvSpPr/>
+            <p:nvPr/>
+          </p:nvSpPr>
+          <p:spPr>
+            <a:xfrm rot="5400000">
+              <a:off x="2512080" y="1916640"/>
+              <a:ext cx="2744280" cy="340560"/>
+            </a:xfrm>
+            <a:prstGeom prst="rect">
+              <a:avLst/>
+            </a:prstGeom>
+            <a:solidFill>
+              <a:srgbClr val="F37B70">
+                <a:alpha val="20000"/>
+              </a:srgbClr>
+            </a:solidFill>
+            <a:ln>
+              <a:noFill/>
+            </a:ln>
+          </p:spPr>
+          <p:style>
+            <a:lnRef idx="2">
+              <a:schemeClr val="accent1">
+                <a:shade val="50000"/>
+              </a:schemeClr>
+            </a:lnRef>
+            <a:fillRef idx="1">
+              <a:schemeClr val="accent1"/>
+            </a:fillRef>
+            <a:effectRef idx="0">
+              <a:schemeClr val="accent1"/>
+            </a:effectRef>
+            <a:fontRef idx="minor"/>
+          </p:style>
+        </p:sp>
+      </p:grpSp>
+      <p:sp>
+        <p:nvSpPr>
+          <p:cNvPr id="64" name="CustomShape 8"/>
+          <p:cNvSpPr/>
+          <p:nvPr/>
+        </p:nvSpPr>
+        <p:spPr>
+          <a:xfrm rot="5400000">
+            <a:off x="5187343" y="4781880"/>
+            <a:ext cx="326160" cy="360"/>
+          </a:xfrm>
+          <a:custGeom>
+            <a:avLst/>
+            <a:gdLst/>
+            <a:ahLst/>
+            <a:cxnLst/>
+            <a:rect l="l" t="t" r="r" b="b"/>
+            <a:pathLst>
+              <a:path w="21600" h="21600">
+                <a:moveTo>
+                  <a:pt x="0" y="0"/>
+                </a:moveTo>
+                <a:lnTo>
+                  <a:pt x="21600" y="21600"/>
+                </a:lnTo>
+              </a:path>
+            </a:pathLst>
+          </a:custGeom>
+          <a:noFill/>
+          <a:ln w="36720">
+            <a:solidFill>
+              <a:schemeClr val="bg1"/>
+            </a:solidFill>
+            <a:round/>
+            <a:headEnd type="triangle" w="med" len="med"/>
+            <a:tailEnd type="triangle" w="med" len="med"/>
+          </a:ln>
+        </p:spPr>
+        <p:style>
+          <a:lnRef idx="1">
+            <a:schemeClr val="accent1"/>
+          </a:lnRef>
+          <a:fillRef idx="0">
+            <a:schemeClr val="accent1"/>
+          </a:fillRef>
+          <a:effectRef idx="0">
+            <a:schemeClr val="accent1"/>
+          </a:effectRef>
+          <a:fontRef idx="minor"/>
+        </p:style>
+      </p:sp>
+      <p:sp>
+        <p:nvSpPr>
+          <p:cNvPr id="65" name="CustomShape 9"/>
+          <p:cNvSpPr/>
+          <p:nvPr/>
+        </p:nvSpPr>
+        <p:spPr>
+          <a:xfrm rot="10800000">
+            <a:off x="5409495" y="3886200"/>
+            <a:ext cx="326160" cy="360"/>
+          </a:xfrm>
+          <a:custGeom>
+            <a:avLst/>
+            <a:gdLst/>
+            <a:ahLst/>
+            <a:cxnLst/>
+            <a:rect l="l" t="t" r="r" b="b"/>
+            <a:pathLst>
+              <a:path w="21600" h="21600">
+                <a:moveTo>
+                  <a:pt x="0" y="0"/>
+                </a:moveTo>
+                <a:lnTo>
+                  <a:pt x="21600" y="21600"/>
+                </a:lnTo>
+              </a:path>
+            </a:pathLst>
+          </a:custGeom>
+          <a:noFill/>
+          <a:ln w="36720">
+            <a:solidFill>
+              <a:schemeClr val="bg1"/>
+            </a:solidFill>
+            <a:round/>
+            <a:headEnd type="triangle" w="med" len="med"/>
+            <a:tailEnd type="triangle" w="med" len="med"/>
+          </a:ln>
+        </p:spPr>
+        <p:style>
+          <a:lnRef idx="1">
+            <a:schemeClr val="accent1"/>
+          </a:lnRef>
+          <a:fillRef idx="0">
+            <a:schemeClr val="accent1"/>
+          </a:fillRef>
+          <a:effectRef idx="0">
+            <a:schemeClr val="accent1"/>
+          </a:effectRef>
+          <a:fontRef idx="minor"/>
+        </p:style>
+      </p:sp>
+      <p:sp>
+        <p:nvSpPr>
+          <p:cNvPr id="66" name="CustomShape 10"/>
+          <p:cNvSpPr/>
+          <p:nvPr/>
+        </p:nvSpPr>
+        <p:spPr>
+          <a:xfrm rot="150600">
+            <a:off x="5337103" y="4664160"/>
+            <a:ext cx="219960" cy="214920"/>
+          </a:xfrm>
+          <a:prstGeom prst="rect">
+            <a:avLst/>
+          </a:prstGeom>
+          <a:noFill/>
           <a:ln>
             <a:noFill/>
           </a:ln>
         </p:spPr>
         <p:style>
-          <a:lnRef idx="2">
-            <a:schemeClr val="accent1">
-              <a:shade val="50000"/>
-            </a:schemeClr>
-          </a:lnRef>
-          <a:fillRef idx="1">
+          <a:lnRef idx="0">
+            <a:scrgbClr r="0" g="0" b="0"/>
+          </a:lnRef>
+          <a:fillRef idx="0">
+            <a:scrgbClr r="0" g="0" b="0"/>
+          </a:fillRef>
+          <a:effectRef idx="0">
+            <a:scrgbClr r="0" g="0" b="0"/>
+          </a:effectRef>
+          <a:fontRef idx="minor"/>
+        </p:style>
+      </p:sp>
+      <p:sp>
+        <p:nvSpPr>
+          <p:cNvPr id="67" name="CustomShape 11"/>
+          <p:cNvSpPr/>
+          <p:nvPr/>
+        </p:nvSpPr>
+        <p:spPr>
+          <a:xfrm rot="12000">
+            <a:off x="3791623" y="2975040"/>
+            <a:ext cx="374400" cy="214920"/>
+          </a:xfrm>
+          <a:prstGeom prst="rect">
+            <a:avLst/>
+          </a:prstGeom>
+          <a:noFill/>
+          <a:ln>
+            <a:noFill/>
+          </a:ln>
+        </p:spPr>
+        <p:style>
+          <a:lnRef idx="0">
+            <a:scrgbClr r="0" g="0" b="0"/>
+          </a:lnRef>
+          <a:fillRef idx="0">
+            <a:scrgbClr r="0" g="0" b="0"/>
+          </a:fillRef>
+          <a:effectRef idx="0">
+            <a:scrgbClr r="0" g="0" b="0"/>
+          </a:effectRef>
+          <a:fontRef idx="minor"/>
+        </p:style>
+      </p:sp>
+      <p:sp>
+        <p:nvSpPr>
+          <p:cNvPr id="68" name="CustomShape 12"/>
+          <p:cNvSpPr/>
+          <p:nvPr/>
+        </p:nvSpPr>
+        <p:spPr>
+          <a:xfrm rot="8400">
+            <a:off x="2313278" y="3227064"/>
+            <a:ext cx="3429000" cy="360"/>
+          </a:xfrm>
+          <a:custGeom>
+            <a:avLst/>
+            <a:gdLst/>
+            <a:ahLst/>
+            <a:cxnLst/>
+            <a:rect l="l" t="t" r="r" b="b"/>
+            <a:pathLst>
+              <a:path w="21600" h="21600">
+                <a:moveTo>
+                  <a:pt x="0" y="0"/>
+                </a:moveTo>
+                <a:lnTo>
+                  <a:pt x="21600" y="21600"/>
+                </a:lnTo>
+              </a:path>
+            </a:pathLst>
+          </a:custGeom>
+          <a:noFill/>
+          <a:ln w="36720">
+            <a:solidFill>
+              <a:schemeClr val="bg1"/>
+            </a:solidFill>
+            <a:round/>
+            <a:headEnd type="triangle" w="med" len="med"/>
+            <a:tailEnd type="triangle" w="med" len="med"/>
+          </a:ln>
+        </p:spPr>
+        <p:style>
+          <a:lnRef idx="1">
             <a:schemeClr val="accent1"/>
-          </a:fillRef>
-          <a:effectRef idx="0">
+          </a:lnRef>
+          <a:fillRef idx="0">
             <a:schemeClr val="accent1"/>
-          </a:effectRef>
-          <a:fontRef idx="minor"/>
-        </p:style>
-      </p:sp>
-      <p:sp>
-        <p:nvSpPr>
-          <p:cNvPr id="29" name="CustomShape 18">
+          </a:fillRef>
+          <a:effectRef idx="0">
+            <a:schemeClr val="accent1"/>
+          </a:effectRef>
+          <a:fontRef idx="minor"/>
+        </p:style>
+      </p:sp>
+      <p:sp>
+        <p:nvSpPr>
+          <p:cNvPr id="69" name="CustomShape 13"/>
+          <p:cNvSpPr/>
+          <p:nvPr/>
+        </p:nvSpPr>
+        <p:spPr>
+          <a:xfrm>
+            <a:off x="5326303" y="3484440"/>
+            <a:ext cx="548640" cy="362880"/>
+          </a:xfrm>
+          <a:prstGeom prst="rect">
+            <a:avLst/>
+          </a:prstGeom>
+          <a:noFill/>
+          <a:ln>
+            <a:noFill/>
+          </a:ln>
+        </p:spPr>
+        <p:style>
+          <a:lnRef idx="0">
+            <a:scrgbClr r="0" g="0" b="0"/>
+          </a:lnRef>
+          <a:fillRef idx="0">
+            <a:scrgbClr r="0" g="0" b="0"/>
+          </a:fillRef>
+          <a:effectRef idx="0">
+            <a:scrgbClr r="0" g="0" b="0"/>
+          </a:effectRef>
+          <a:fontRef idx="minor"/>
+        </p:style>
+        <p:txBody>
+          <a:bodyPr lIns="90000" tIns="45000" rIns="90000" bIns="45000"/>
+          <a:lstStyle/>
+          <a:p>
+            <a:pPr>
+              <a:lnSpc>
+                <a:spcPct val="100000"/>
+              </a:lnSpc>
+            </a:pPr>
+            <a:r>
+              <a:rPr lang="en-US" sz="2200" b="0" strike="noStrike" spc="-1">
+                <a:solidFill>
+                  <a:srgbClr val="FFFFFF"/>
+                </a:solidFill>
+                <a:latin typeface="Arial"/>
+                <a:ea typeface="DejaVu Sans"/>
+              </a:rPr>
+              <a:t>96</a:t>
+            </a:r>
+            <a:endParaRPr lang="en-US" sz="2200" b="0" strike="noStrike" spc="-1">
+              <a:latin typeface="Arial"/>
+            </a:endParaRPr>
+          </a:p>
+        </p:txBody>
+      </p:sp>
+      <p:sp>
+        <p:nvSpPr>
+          <p:cNvPr id="70" name="CustomShape 14"/>
+          <p:cNvSpPr/>
+          <p:nvPr/>
+        </p:nvSpPr>
+        <p:spPr>
+          <a:xfrm>
+            <a:off x="3717463" y="2808360"/>
+            <a:ext cx="913320" cy="345240"/>
+          </a:xfrm>
+          <a:prstGeom prst="rect">
+            <a:avLst/>
+          </a:prstGeom>
+          <a:noFill/>
+          <a:ln>
+            <a:noFill/>
+          </a:ln>
+        </p:spPr>
+        <p:style>
+          <a:lnRef idx="0">
+            <a:scrgbClr r="0" g="0" b="0"/>
+          </a:lnRef>
+          <a:fillRef idx="0">
+            <a:scrgbClr r="0" g="0" b="0"/>
+          </a:fillRef>
+          <a:effectRef idx="0">
+            <a:scrgbClr r="0" g="0" b="0"/>
+          </a:effectRef>
+          <a:fontRef idx="minor"/>
+        </p:style>
+        <p:txBody>
+          <a:bodyPr lIns="90000" tIns="45000" rIns="90000" bIns="45000"/>
+          <a:lstStyle/>
+          <a:p>
+            <a:pPr>
+              <a:lnSpc>
+                <a:spcPct val="100000"/>
+              </a:lnSpc>
+            </a:pPr>
+            <a:r>
+              <a:rPr lang="en-US" sz="2200" b="0" strike="noStrike" spc="-1" dirty="0">
+                <a:solidFill>
+                  <a:srgbClr val="FFFFFF"/>
+                </a:solidFill>
+                <a:latin typeface="Arial"/>
+                <a:ea typeface="DejaVu Sans"/>
+              </a:rPr>
+              <a:t>1024</a:t>
+            </a:r>
+            <a:endParaRPr lang="en-US" sz="2200" b="0" strike="noStrike" spc="-1" dirty="0">
+              <a:latin typeface="Arial"/>
+            </a:endParaRPr>
+          </a:p>
+        </p:txBody>
+      </p:sp>
+      <p:sp>
+        <p:nvSpPr>
+          <p:cNvPr id="71" name="CustomShape 15"/>
+          <p:cNvSpPr/>
+          <p:nvPr/>
+        </p:nvSpPr>
+        <p:spPr>
+          <a:xfrm>
+            <a:off x="5326303" y="4565160"/>
+            <a:ext cx="548640" cy="362880"/>
+          </a:xfrm>
+          <a:prstGeom prst="rect">
+            <a:avLst/>
+          </a:prstGeom>
+          <a:noFill/>
+          <a:ln>
+            <a:noFill/>
+          </a:ln>
+        </p:spPr>
+        <p:style>
+          <a:lnRef idx="0">
+            <a:scrgbClr r="0" g="0" b="0"/>
+          </a:lnRef>
+          <a:fillRef idx="0">
+            <a:scrgbClr r="0" g="0" b="0"/>
+          </a:fillRef>
+          <a:effectRef idx="0">
+            <a:scrgbClr r="0" g="0" b="0"/>
+          </a:effectRef>
+          <a:fontRef idx="minor"/>
+        </p:style>
+        <p:txBody>
+          <a:bodyPr lIns="90000" tIns="45000" rIns="90000" bIns="45000"/>
+          <a:lstStyle/>
+          <a:p>
+            <a:pPr>
+              <a:lnSpc>
+                <a:spcPct val="100000"/>
+              </a:lnSpc>
+            </a:pPr>
+            <a:r>
+              <a:rPr lang="en-US" sz="2200" b="0" strike="noStrike" spc="-1">
+                <a:solidFill>
+                  <a:srgbClr val="FFFFFF"/>
+                </a:solidFill>
+                <a:latin typeface="Arial"/>
+                <a:ea typeface="DejaVu Sans"/>
+              </a:rPr>
+              <a:t>96</a:t>
+            </a:r>
+            <a:endParaRPr lang="en-US" sz="2200" b="0" strike="noStrike" spc="-1">
+              <a:latin typeface="Arial"/>
+            </a:endParaRPr>
+          </a:p>
+        </p:txBody>
+      </p:sp>
+      <p:sp>
+        <p:nvSpPr>
+          <p:cNvPr id="19" name="CustomShape 12">
             <a:extLst>
               <a:ext uri="{FF2B5EF4-FFF2-40B4-BE49-F238E27FC236}">
-                <a16:creationId xmlns:a16="http://schemas.microsoft.com/office/drawing/2014/main" id="{F7F41300-7194-0549-91C1-684BE8345ECA}"/>
+                <a16:creationId xmlns:a16="http://schemas.microsoft.com/office/drawing/2014/main" id="{8FD3BA31-8601-3046-B870-5ED7256948E3}"/>
               </a:ext>
             </a:extLst>
           </p:cNvPr>
@@ -3051,43 +3583,56 @@
           <p:nvPr/>
         </p:nvSpPr>
         <p:spPr>
-          <a:xfrm>
-            <a:off x="3901192" y="591463"/>
-            <a:ext cx="4113361" cy="457200"/>
-          </a:xfrm>
-          <a:prstGeom prst="rect">
-            <a:avLst/>
-          </a:prstGeom>
-          <a:solidFill>
-            <a:srgbClr val="F37B70">
-              <a:alpha val="20000"/>
-            </a:srgbClr>
-          </a:solidFill>
-          <a:ln>
-            <a:noFill/>
-          </a:ln>
-        </p:spPr>
-        <p:style>
-          <a:lnRef idx="2">
-            <a:schemeClr val="accent1">
-              <a:shade val="50000"/>
-            </a:schemeClr>
-          </a:lnRef>
-          <a:fillRef idx="1">
+          <a:xfrm rot="8400">
+            <a:off x="7064585" y="3211252"/>
+            <a:ext cx="2741760" cy="360"/>
+          </a:xfrm>
+          <a:custGeom>
+            <a:avLst/>
+            <a:gdLst/>
+            <a:ahLst/>
+            <a:cxnLst/>
+            <a:rect l="l" t="t" r="r" b="b"/>
+            <a:pathLst>
+              <a:path w="21600" h="21600">
+                <a:moveTo>
+                  <a:pt x="0" y="0"/>
+                </a:moveTo>
+                <a:lnTo>
+                  <a:pt x="21600" y="21600"/>
+                </a:lnTo>
+              </a:path>
+            </a:pathLst>
+          </a:custGeom>
+          <a:noFill/>
+          <a:ln w="36720">
+            <a:solidFill>
+              <a:schemeClr val="bg1"/>
+            </a:solidFill>
+            <a:round/>
+            <a:headEnd type="triangle" w="med" len="med"/>
+            <a:tailEnd type="triangle" w="med" len="med"/>
+          </a:ln>
+        </p:spPr>
+        <p:style>
+          <a:lnRef idx="1">
             <a:schemeClr val="accent1"/>
-          </a:fillRef>
-          <a:effectRef idx="0">
+          </a:lnRef>
+          <a:fillRef idx="0">
             <a:schemeClr val="accent1"/>
-          </a:effectRef>
-          <a:fontRef idx="minor"/>
-        </p:style>
-      </p:sp>
-      <p:sp>
-        <p:nvSpPr>
-          <p:cNvPr id="30" name="CustomShape 15">
+          </a:fillRef>
+          <a:effectRef idx="0">
+            <a:schemeClr val="accent1"/>
+          </a:effectRef>
+          <a:fontRef idx="minor"/>
+        </p:style>
+      </p:sp>
+      <p:sp>
+        <p:nvSpPr>
+          <p:cNvPr id="20" name="CustomShape 14">
             <a:extLst>
               <a:ext uri="{FF2B5EF4-FFF2-40B4-BE49-F238E27FC236}">
-                <a16:creationId xmlns:a16="http://schemas.microsoft.com/office/drawing/2014/main" id="{9D5A0733-3041-3A42-94C5-5ADA5919C467}"/>
+                <a16:creationId xmlns:a16="http://schemas.microsoft.com/office/drawing/2014/main" id="{4B55CEEC-28D8-E74A-B0EF-1DE96A23BA0F}"/>
               </a:ext>
             </a:extLst>
           </p:cNvPr>
@@ -3096,1200 +3641,58 @@
         </p:nvSpPr>
         <p:spPr>
           <a:xfrm>
-            <a:off x="7557354" y="1048663"/>
-            <a:ext cx="457200" cy="3657600"/>
-          </a:xfrm>
-          <a:prstGeom prst="rect">
-            <a:avLst/>
-          </a:prstGeom>
-          <a:solidFill>
-            <a:srgbClr val="F37B70">
-              <a:alpha val="20000"/>
-            </a:srgbClr>
-          </a:solidFill>
+            <a:off x="8134865" y="2788252"/>
+            <a:ext cx="913320" cy="345240"/>
+          </a:xfrm>
+          <a:prstGeom prst="rect">
+            <a:avLst/>
+          </a:prstGeom>
+          <a:noFill/>
           <a:ln>
             <a:noFill/>
           </a:ln>
         </p:spPr>
         <p:style>
-          <a:lnRef idx="2">
-            <a:schemeClr val="accent1">
-              <a:shade val="50000"/>
-            </a:schemeClr>
-          </a:lnRef>
-          <a:fillRef idx="1">
-            <a:schemeClr val="accent1"/>
-          </a:fillRef>
-          <a:effectRef idx="0">
-            <a:schemeClr val="accent1"/>
-          </a:effectRef>
-          <a:fontRef idx="minor"/>
-        </p:style>
-      </p:sp>
-      <p:sp>
-        <p:nvSpPr>
-          <p:cNvPr id="31" name="CustomShape 13">
-            <a:extLst>
-              <a:ext uri="{FF2B5EF4-FFF2-40B4-BE49-F238E27FC236}">
-                <a16:creationId xmlns:a16="http://schemas.microsoft.com/office/drawing/2014/main" id="{1D956FE9-F1AA-E643-BCA8-B2D86607409E}"/>
-              </a:ext>
-            </a:extLst>
-          </p:cNvPr>
-          <p:cNvSpPr/>
-          <p:nvPr/>
-        </p:nvSpPr>
-        <p:spPr>
-          <a:xfrm>
-            <a:off x="1119490" y="1055183"/>
-            <a:ext cx="3200400" cy="3200400"/>
-          </a:xfrm>
-          <a:prstGeom prst="rect">
-            <a:avLst/>
-          </a:prstGeom>
-          <a:noFill/>
-          <a:ln w="36720">
-            <a:solidFill>
-              <a:schemeClr val="accent1">
-                <a:lumMod val="60000"/>
-                <a:lumOff val="40000"/>
-              </a:schemeClr>
-            </a:solidFill>
-            <a:round/>
-          </a:ln>
-        </p:spPr>
-        <p:style>
-          <a:lnRef idx="2">
-            <a:schemeClr val="accent1">
-              <a:shade val="50000"/>
-            </a:schemeClr>
-          </a:lnRef>
-          <a:fillRef idx="1">
-            <a:schemeClr val="accent1"/>
-          </a:fillRef>
-          <a:effectRef idx="0">
-            <a:schemeClr val="accent1"/>
-          </a:effectRef>
-          <a:fontRef idx="minor"/>
-        </p:style>
-      </p:sp>
-      <p:sp>
-        <p:nvSpPr>
-          <p:cNvPr id="32" name="CustomShape 15">
-            <a:extLst>
-              <a:ext uri="{FF2B5EF4-FFF2-40B4-BE49-F238E27FC236}">
-                <a16:creationId xmlns:a16="http://schemas.microsoft.com/office/drawing/2014/main" id="{B8CDEC77-74B9-4342-83CC-09E45FAB4FA8}"/>
-              </a:ext>
-            </a:extLst>
-          </p:cNvPr>
-          <p:cNvSpPr/>
-          <p:nvPr/>
-        </p:nvSpPr>
-        <p:spPr>
-          <a:xfrm>
-            <a:off x="663575" y="1059486"/>
-            <a:ext cx="457200" cy="3657600"/>
-          </a:xfrm>
-          <a:prstGeom prst="rect">
-            <a:avLst/>
-          </a:prstGeom>
-          <a:solidFill>
-            <a:schemeClr val="accent1">
-              <a:lumMod val="60000"/>
-              <a:lumOff val="40000"/>
-              <a:alpha val="20000"/>
-            </a:schemeClr>
-          </a:solidFill>
-          <a:ln>
-            <a:noFill/>
-          </a:ln>
-        </p:spPr>
-        <p:style>
-          <a:lnRef idx="2">
-            <a:schemeClr val="accent1">
-              <a:shade val="50000"/>
-            </a:schemeClr>
-          </a:lnRef>
-          <a:fillRef idx="1">
-            <a:schemeClr val="accent1"/>
-          </a:fillRef>
-          <a:effectRef idx="0">
-            <a:schemeClr val="accent1"/>
-          </a:effectRef>
-          <a:fontRef idx="minor"/>
-        </p:style>
-      </p:sp>
-      <p:sp>
-        <p:nvSpPr>
-          <p:cNvPr id="33" name="CustomShape 18">
-            <a:extLst>
-              <a:ext uri="{FF2B5EF4-FFF2-40B4-BE49-F238E27FC236}">
-                <a16:creationId xmlns:a16="http://schemas.microsoft.com/office/drawing/2014/main" id="{C996D42B-8D4A-AC40-935A-859B6BD1511B}"/>
-              </a:ext>
-            </a:extLst>
-          </p:cNvPr>
-          <p:cNvSpPr/>
-          <p:nvPr/>
-        </p:nvSpPr>
-        <p:spPr>
-          <a:xfrm>
-            <a:off x="1119336" y="4252766"/>
-            <a:ext cx="3200400" cy="457200"/>
-          </a:xfrm>
-          <a:prstGeom prst="rect">
-            <a:avLst/>
-          </a:prstGeom>
-          <a:solidFill>
-            <a:schemeClr val="accent1">
-              <a:lumMod val="60000"/>
-              <a:lumOff val="40000"/>
-              <a:alpha val="20000"/>
-            </a:schemeClr>
-          </a:solidFill>
-          <a:ln>
-            <a:noFill/>
-          </a:ln>
-        </p:spPr>
-        <p:style>
-          <a:lnRef idx="2">
-            <a:schemeClr val="accent1">
-              <a:shade val="50000"/>
-            </a:schemeClr>
-          </a:lnRef>
-          <a:fillRef idx="1">
-            <a:schemeClr val="accent1"/>
-          </a:fillRef>
-          <a:effectRef idx="0">
-            <a:schemeClr val="accent1"/>
-          </a:effectRef>
-          <a:fontRef idx="minor"/>
-        </p:style>
-      </p:sp>
-      <p:sp>
-        <p:nvSpPr>
-          <p:cNvPr id="34" name="CustomShape 18">
-            <a:extLst>
-              <a:ext uri="{FF2B5EF4-FFF2-40B4-BE49-F238E27FC236}">
-                <a16:creationId xmlns:a16="http://schemas.microsoft.com/office/drawing/2014/main" id="{9D5C7B2F-6822-3E48-8AD7-782976E3BC97}"/>
-              </a:ext>
-            </a:extLst>
-          </p:cNvPr>
-          <p:cNvSpPr/>
-          <p:nvPr/>
-        </p:nvSpPr>
-        <p:spPr>
-          <a:xfrm>
-            <a:off x="663574" y="594138"/>
-            <a:ext cx="4113361" cy="457200"/>
-          </a:xfrm>
-          <a:prstGeom prst="rect">
-            <a:avLst/>
-          </a:prstGeom>
-          <a:solidFill>
-            <a:schemeClr val="accent1">
-              <a:lumMod val="60000"/>
-              <a:lumOff val="40000"/>
-              <a:alpha val="20000"/>
-            </a:schemeClr>
-          </a:solidFill>
-          <a:ln>
-            <a:noFill/>
-          </a:ln>
-        </p:spPr>
-        <p:style>
-          <a:lnRef idx="2">
-            <a:schemeClr val="accent1">
-              <a:shade val="50000"/>
-            </a:schemeClr>
-          </a:lnRef>
-          <a:fillRef idx="1">
-            <a:schemeClr val="accent1"/>
-          </a:fillRef>
-          <a:effectRef idx="0">
-            <a:schemeClr val="accent1"/>
-          </a:effectRef>
-          <a:fontRef idx="minor"/>
-        </p:style>
-      </p:sp>
-      <p:sp>
-        <p:nvSpPr>
-          <p:cNvPr id="35" name="CustomShape 15">
-            <a:extLst>
-              <a:ext uri="{FF2B5EF4-FFF2-40B4-BE49-F238E27FC236}">
-                <a16:creationId xmlns:a16="http://schemas.microsoft.com/office/drawing/2014/main" id="{1E587E13-35C3-FD45-9620-845A251E400E}"/>
-              </a:ext>
-            </a:extLst>
-          </p:cNvPr>
-          <p:cNvSpPr/>
-          <p:nvPr/>
-        </p:nvSpPr>
-        <p:spPr>
-          <a:xfrm>
-            <a:off x="4319736" y="1051338"/>
-            <a:ext cx="457200" cy="3657600"/>
-          </a:xfrm>
-          <a:prstGeom prst="rect">
-            <a:avLst/>
-          </a:prstGeom>
-          <a:solidFill>
-            <a:schemeClr val="accent1">
-              <a:lumMod val="60000"/>
-              <a:lumOff val="40000"/>
-              <a:alpha val="20000"/>
-            </a:schemeClr>
-          </a:solidFill>
-          <a:ln>
-            <a:noFill/>
-          </a:ln>
-        </p:spPr>
-        <p:style>
-          <a:lnRef idx="2">
-            <a:schemeClr val="accent1">
-              <a:shade val="50000"/>
-            </a:schemeClr>
-          </a:lnRef>
-          <a:fillRef idx="1">
-            <a:schemeClr val="accent1"/>
-          </a:fillRef>
-          <a:effectRef idx="0">
-            <a:schemeClr val="accent1"/>
-          </a:effectRef>
-          <a:fontRef idx="minor"/>
-        </p:style>
-      </p:sp>
-      <p:sp>
-        <p:nvSpPr>
-          <p:cNvPr id="36" name="CustomShape 13">
-            <a:extLst>
-              <a:ext uri="{FF2B5EF4-FFF2-40B4-BE49-F238E27FC236}">
-                <a16:creationId xmlns:a16="http://schemas.microsoft.com/office/drawing/2014/main" id="{FF0E7B72-008F-4F4C-81F3-C301EC6A4DA2}"/>
-              </a:ext>
-            </a:extLst>
-          </p:cNvPr>
-          <p:cNvSpPr/>
-          <p:nvPr/>
-        </p:nvSpPr>
-        <p:spPr>
-          <a:xfrm>
-            <a:off x="4354533" y="4302302"/>
-            <a:ext cx="3200400" cy="3200400"/>
-          </a:xfrm>
-          <a:prstGeom prst="rect">
-            <a:avLst/>
-          </a:prstGeom>
-          <a:noFill/>
-          <a:ln w="36720">
-            <a:solidFill>
-              <a:schemeClr val="accent1">
-                <a:lumMod val="60000"/>
-                <a:lumOff val="40000"/>
-              </a:schemeClr>
-            </a:solidFill>
-            <a:round/>
-          </a:ln>
-        </p:spPr>
-        <p:style>
-          <a:lnRef idx="2">
-            <a:schemeClr val="accent1">
-              <a:shade val="50000"/>
-            </a:schemeClr>
-          </a:lnRef>
-          <a:fillRef idx="1">
-            <a:schemeClr val="accent1"/>
-          </a:fillRef>
-          <a:effectRef idx="0">
-            <a:schemeClr val="accent1"/>
-          </a:effectRef>
-          <a:fontRef idx="minor"/>
-        </p:style>
-      </p:sp>
-      <p:sp>
-        <p:nvSpPr>
-          <p:cNvPr id="37" name="CustomShape 15">
-            <a:extLst>
-              <a:ext uri="{FF2B5EF4-FFF2-40B4-BE49-F238E27FC236}">
-                <a16:creationId xmlns:a16="http://schemas.microsoft.com/office/drawing/2014/main" id="{66CE3EA8-3CEA-3D45-AF63-398D05C78974}"/>
-              </a:ext>
-            </a:extLst>
-          </p:cNvPr>
-          <p:cNvSpPr/>
-          <p:nvPr/>
-        </p:nvSpPr>
-        <p:spPr>
-          <a:xfrm>
-            <a:off x="3891992" y="4299979"/>
-            <a:ext cx="457200" cy="3657600"/>
-          </a:xfrm>
-          <a:prstGeom prst="rect">
-            <a:avLst/>
-          </a:prstGeom>
-          <a:solidFill>
-            <a:schemeClr val="accent1">
-              <a:lumMod val="60000"/>
-              <a:lumOff val="40000"/>
-              <a:alpha val="20000"/>
-            </a:schemeClr>
-          </a:solidFill>
-          <a:ln>
-            <a:noFill/>
-          </a:ln>
-        </p:spPr>
-        <p:style>
-          <a:lnRef idx="2">
-            <a:schemeClr val="accent1">
-              <a:shade val="50000"/>
-            </a:schemeClr>
-          </a:lnRef>
-          <a:fillRef idx="1">
-            <a:schemeClr val="accent1"/>
-          </a:fillRef>
-          <a:effectRef idx="0">
-            <a:schemeClr val="accent1"/>
-          </a:effectRef>
-          <a:fontRef idx="minor"/>
-        </p:style>
-      </p:sp>
-      <p:sp>
-        <p:nvSpPr>
-          <p:cNvPr id="38" name="CustomShape 18">
-            <a:extLst>
-              <a:ext uri="{FF2B5EF4-FFF2-40B4-BE49-F238E27FC236}">
-                <a16:creationId xmlns:a16="http://schemas.microsoft.com/office/drawing/2014/main" id="{9AA15FDB-9749-7B4D-8BAF-4EA8F1A0B03E}"/>
-              </a:ext>
-            </a:extLst>
-          </p:cNvPr>
-          <p:cNvSpPr/>
-          <p:nvPr/>
-        </p:nvSpPr>
-        <p:spPr>
-          <a:xfrm>
-            <a:off x="4347753" y="7493259"/>
-            <a:ext cx="3200400" cy="457200"/>
-          </a:xfrm>
-          <a:prstGeom prst="rect">
-            <a:avLst/>
-          </a:prstGeom>
-          <a:solidFill>
-            <a:schemeClr val="accent1">
-              <a:lumMod val="60000"/>
-              <a:lumOff val="40000"/>
-              <a:alpha val="20000"/>
-            </a:schemeClr>
-          </a:solidFill>
-          <a:ln>
-            <a:noFill/>
-          </a:ln>
-        </p:spPr>
-        <p:style>
-          <a:lnRef idx="2">
-            <a:schemeClr val="accent1">
-              <a:shade val="50000"/>
-            </a:schemeClr>
-          </a:lnRef>
-          <a:fillRef idx="1">
-            <a:schemeClr val="accent1"/>
-          </a:fillRef>
-          <a:effectRef idx="0">
-            <a:schemeClr val="accent1"/>
-          </a:effectRef>
-          <a:fontRef idx="minor"/>
-        </p:style>
-      </p:sp>
-      <p:sp>
-        <p:nvSpPr>
-          <p:cNvPr id="39" name="CustomShape 18">
-            <a:extLst>
-              <a:ext uri="{FF2B5EF4-FFF2-40B4-BE49-F238E27FC236}">
-                <a16:creationId xmlns:a16="http://schemas.microsoft.com/office/drawing/2014/main" id="{95831441-2950-AF40-9AB7-3F7725F0592C}"/>
-              </a:ext>
-            </a:extLst>
-          </p:cNvPr>
-          <p:cNvSpPr/>
-          <p:nvPr/>
-        </p:nvSpPr>
-        <p:spPr>
-          <a:xfrm>
-            <a:off x="3891991" y="3834631"/>
-            <a:ext cx="4113361" cy="457200"/>
-          </a:xfrm>
-          <a:prstGeom prst="rect">
-            <a:avLst/>
-          </a:prstGeom>
-          <a:solidFill>
-            <a:schemeClr val="accent1">
-              <a:lumMod val="60000"/>
-              <a:lumOff val="40000"/>
-              <a:alpha val="20000"/>
-            </a:schemeClr>
-          </a:solidFill>
-          <a:ln>
-            <a:noFill/>
-          </a:ln>
-        </p:spPr>
-        <p:style>
-          <a:lnRef idx="2">
-            <a:schemeClr val="accent1">
-              <a:shade val="50000"/>
-            </a:schemeClr>
-          </a:lnRef>
-          <a:fillRef idx="1">
-            <a:schemeClr val="accent1"/>
-          </a:fillRef>
-          <a:effectRef idx="0">
-            <a:schemeClr val="accent1"/>
-          </a:effectRef>
-          <a:fontRef idx="minor"/>
-        </p:style>
-      </p:sp>
-      <p:sp>
-        <p:nvSpPr>
-          <p:cNvPr id="40" name="CustomShape 15">
-            <a:extLst>
-              <a:ext uri="{FF2B5EF4-FFF2-40B4-BE49-F238E27FC236}">
-                <a16:creationId xmlns:a16="http://schemas.microsoft.com/office/drawing/2014/main" id="{24AB155B-C692-F447-83E1-87D57B43024B}"/>
-              </a:ext>
-            </a:extLst>
-          </p:cNvPr>
-          <p:cNvSpPr/>
-          <p:nvPr/>
-        </p:nvSpPr>
-        <p:spPr>
-          <a:xfrm>
-            <a:off x="7548153" y="4291831"/>
-            <a:ext cx="457200" cy="3657600"/>
-          </a:xfrm>
-          <a:prstGeom prst="rect">
-            <a:avLst/>
-          </a:prstGeom>
-          <a:solidFill>
-            <a:schemeClr val="accent1">
-              <a:lumMod val="60000"/>
-              <a:lumOff val="40000"/>
-              <a:alpha val="20000"/>
-            </a:schemeClr>
-          </a:solidFill>
-          <a:ln>
-            <a:noFill/>
-          </a:ln>
-        </p:spPr>
-        <p:style>
-          <a:lnRef idx="2">
-            <a:schemeClr val="accent1">
-              <a:shade val="50000"/>
-            </a:schemeClr>
-          </a:lnRef>
-          <a:fillRef idx="1">
-            <a:schemeClr val="accent1"/>
-          </a:fillRef>
-          <a:effectRef idx="0">
-            <a:schemeClr val="accent1"/>
-          </a:effectRef>
-          <a:fontRef idx="minor"/>
-        </p:style>
-      </p:sp>
-      <p:sp>
-        <p:nvSpPr>
-          <p:cNvPr id="42" name="CustomShape 13">
-            <a:extLst>
-              <a:ext uri="{FF2B5EF4-FFF2-40B4-BE49-F238E27FC236}">
-                <a16:creationId xmlns:a16="http://schemas.microsoft.com/office/drawing/2014/main" id="{CED41D2A-B79D-5747-A35F-64EE342BCC36}"/>
-              </a:ext>
-            </a:extLst>
-          </p:cNvPr>
-          <p:cNvSpPr/>
-          <p:nvPr/>
-        </p:nvSpPr>
-        <p:spPr>
-          <a:xfrm>
-            <a:off x="7601076" y="4295676"/>
-            <a:ext cx="3200400" cy="3200400"/>
-          </a:xfrm>
-          <a:prstGeom prst="rect">
-            <a:avLst/>
-          </a:prstGeom>
-          <a:noFill/>
-          <a:ln w="36720">
-            <a:solidFill>
-              <a:srgbClr val="F37B70"/>
-            </a:solidFill>
-            <a:round/>
-          </a:ln>
-        </p:spPr>
-        <p:style>
-          <a:lnRef idx="2">
-            <a:schemeClr val="accent1">
-              <a:shade val="50000"/>
-            </a:schemeClr>
-          </a:lnRef>
-          <a:fillRef idx="1">
-            <a:schemeClr val="accent1"/>
-          </a:fillRef>
-          <a:effectRef idx="0">
-            <a:schemeClr val="accent1"/>
-          </a:effectRef>
-          <a:fontRef idx="minor"/>
-        </p:style>
-      </p:sp>
-      <p:sp>
-        <p:nvSpPr>
-          <p:cNvPr id="43" name="CustomShape 15">
-            <a:extLst>
-              <a:ext uri="{FF2B5EF4-FFF2-40B4-BE49-F238E27FC236}">
-                <a16:creationId xmlns:a16="http://schemas.microsoft.com/office/drawing/2014/main" id="{4AB25969-7AA2-7941-97D8-E8908B70CEDB}"/>
-              </a:ext>
-            </a:extLst>
-          </p:cNvPr>
-          <p:cNvSpPr/>
-          <p:nvPr/>
-        </p:nvSpPr>
-        <p:spPr>
-          <a:xfrm>
-            <a:off x="7145161" y="4289931"/>
-            <a:ext cx="457200" cy="3657600"/>
-          </a:xfrm>
-          <a:prstGeom prst="rect">
-            <a:avLst/>
-          </a:prstGeom>
-          <a:solidFill>
-            <a:srgbClr val="F37B70">
-              <a:alpha val="20000"/>
-            </a:srgbClr>
-          </a:solidFill>
-          <a:ln>
-            <a:noFill/>
-          </a:ln>
-        </p:spPr>
-        <p:style>
-          <a:lnRef idx="2">
-            <a:schemeClr val="accent1">
-              <a:shade val="50000"/>
-            </a:schemeClr>
-          </a:lnRef>
-          <a:fillRef idx="1">
-            <a:schemeClr val="accent1"/>
-          </a:fillRef>
-          <a:effectRef idx="0">
-            <a:schemeClr val="accent1"/>
-          </a:effectRef>
-          <a:fontRef idx="minor"/>
-        </p:style>
-      </p:sp>
-      <p:sp>
-        <p:nvSpPr>
-          <p:cNvPr id="44" name="CustomShape 18">
-            <a:extLst>
-              <a:ext uri="{FF2B5EF4-FFF2-40B4-BE49-F238E27FC236}">
-                <a16:creationId xmlns:a16="http://schemas.microsoft.com/office/drawing/2014/main" id="{1EC46591-C1BD-764C-9E44-FD70AD94F593}"/>
-              </a:ext>
-            </a:extLst>
-          </p:cNvPr>
-          <p:cNvSpPr/>
-          <p:nvPr/>
-        </p:nvSpPr>
-        <p:spPr>
-          <a:xfrm>
-            <a:off x="7600922" y="7493259"/>
-            <a:ext cx="3200400" cy="457200"/>
-          </a:xfrm>
-          <a:prstGeom prst="rect">
-            <a:avLst/>
-          </a:prstGeom>
-          <a:solidFill>
-            <a:srgbClr val="F37B70">
-              <a:alpha val="20000"/>
-            </a:srgbClr>
-          </a:solidFill>
-          <a:ln>
-            <a:noFill/>
-          </a:ln>
-        </p:spPr>
-        <p:style>
-          <a:lnRef idx="2">
-            <a:schemeClr val="accent1">
-              <a:shade val="50000"/>
-            </a:schemeClr>
-          </a:lnRef>
-          <a:fillRef idx="1">
-            <a:schemeClr val="accent1"/>
-          </a:fillRef>
-          <a:effectRef idx="0">
-            <a:schemeClr val="accent1"/>
-          </a:effectRef>
-          <a:fontRef idx="minor"/>
-        </p:style>
-      </p:sp>
-      <p:sp>
-        <p:nvSpPr>
-          <p:cNvPr id="45" name="CustomShape 18">
-            <a:extLst>
-              <a:ext uri="{FF2B5EF4-FFF2-40B4-BE49-F238E27FC236}">
-                <a16:creationId xmlns:a16="http://schemas.microsoft.com/office/drawing/2014/main" id="{EA46CC43-2C46-D543-BC8F-4F51F5483641}"/>
-              </a:ext>
-            </a:extLst>
-          </p:cNvPr>
-          <p:cNvSpPr/>
-          <p:nvPr/>
-        </p:nvSpPr>
-        <p:spPr>
-          <a:xfrm>
-            <a:off x="7145160" y="3834631"/>
-            <a:ext cx="4113361" cy="457200"/>
-          </a:xfrm>
-          <a:prstGeom prst="rect">
-            <a:avLst/>
-          </a:prstGeom>
-          <a:solidFill>
-            <a:srgbClr val="F37B70">
-              <a:alpha val="20000"/>
-            </a:srgbClr>
-          </a:solidFill>
-          <a:ln>
-            <a:noFill/>
-          </a:ln>
-        </p:spPr>
-        <p:style>
-          <a:lnRef idx="2">
-            <a:schemeClr val="accent1">
-              <a:shade val="50000"/>
-            </a:schemeClr>
-          </a:lnRef>
-          <a:fillRef idx="1">
-            <a:schemeClr val="accent1"/>
-          </a:fillRef>
-          <a:effectRef idx="0">
-            <a:schemeClr val="accent1"/>
-          </a:effectRef>
-          <a:fontRef idx="minor"/>
-        </p:style>
-      </p:sp>
-      <p:sp>
-        <p:nvSpPr>
-          <p:cNvPr id="46" name="CustomShape 15">
-            <a:extLst>
-              <a:ext uri="{FF2B5EF4-FFF2-40B4-BE49-F238E27FC236}">
-                <a16:creationId xmlns:a16="http://schemas.microsoft.com/office/drawing/2014/main" id="{B5AF2042-FE36-A347-8330-B9A9BD883F03}"/>
-              </a:ext>
-            </a:extLst>
-          </p:cNvPr>
-          <p:cNvSpPr/>
-          <p:nvPr/>
-        </p:nvSpPr>
-        <p:spPr>
-          <a:xfrm>
-            <a:off x="10801322" y="4291831"/>
-            <a:ext cx="457200" cy="3657600"/>
-          </a:xfrm>
-          <a:prstGeom prst="rect">
-            <a:avLst/>
-          </a:prstGeom>
-          <a:solidFill>
-            <a:srgbClr val="F37B70">
-              <a:alpha val="20000"/>
-            </a:srgbClr>
-          </a:solidFill>
-          <a:ln>
-            <a:noFill/>
-          </a:ln>
-        </p:spPr>
-        <p:style>
-          <a:lnRef idx="2">
-            <a:schemeClr val="accent1">
-              <a:shade val="50000"/>
-            </a:schemeClr>
-          </a:lnRef>
-          <a:fillRef idx="1">
-            <a:schemeClr val="accent1"/>
-          </a:fillRef>
-          <a:effectRef idx="0">
-            <a:schemeClr val="accent1"/>
-          </a:effectRef>
-          <a:fontRef idx="minor"/>
-        </p:style>
-      </p:sp>
-      <p:sp>
-        <p:nvSpPr>
-          <p:cNvPr id="47" name="TextBox 46">
-            <a:extLst>
-              <a:ext uri="{FF2B5EF4-FFF2-40B4-BE49-F238E27FC236}">
-                <a16:creationId xmlns:a16="http://schemas.microsoft.com/office/drawing/2014/main" id="{7C351096-A796-F949-8387-5B854292A0B7}"/>
-              </a:ext>
-            </a:extLst>
-          </p:cNvPr>
-          <p:cNvSpPr txBox="1"/>
-          <p:nvPr/>
-        </p:nvSpPr>
-        <p:spPr>
-          <a:xfrm>
-            <a:off x="10520888" y="4586752"/>
-            <a:ext cx="184731" cy="369332"/>
-          </a:xfrm>
-          <a:prstGeom prst="rect">
-            <a:avLst/>
-          </a:prstGeom>
-          <a:noFill/>
-        </p:spPr>
-        <p:txBody>
-          <a:bodyPr wrap="none" rtlCol="0">
-            <a:spAutoFit/>
-          </a:bodyPr>
-          <a:lstStyle/>
-          <a:p>
-            <a:endParaRPr lang="en-US" dirty="0"/>
-          </a:p>
-        </p:txBody>
-      </p:sp>
-      <p:sp>
-        <p:nvSpPr>
-          <p:cNvPr id="48" name="CustomShape 13">
-            <a:extLst>
-              <a:ext uri="{FF2B5EF4-FFF2-40B4-BE49-F238E27FC236}">
-                <a16:creationId xmlns:a16="http://schemas.microsoft.com/office/drawing/2014/main" id="{F6C28F05-511D-4244-88CD-9F7573C660C2}"/>
-              </a:ext>
-            </a:extLst>
-          </p:cNvPr>
-          <p:cNvSpPr/>
-          <p:nvPr/>
-        </p:nvSpPr>
-        <p:spPr>
-          <a:xfrm>
-            <a:off x="7597655" y="1050106"/>
-            <a:ext cx="3200400" cy="3200400"/>
-          </a:xfrm>
-          <a:prstGeom prst="rect">
-            <a:avLst/>
-          </a:prstGeom>
-          <a:noFill/>
-          <a:ln w="36720">
-            <a:solidFill>
-              <a:schemeClr val="accent1">
-                <a:lumMod val="60000"/>
-                <a:lumOff val="40000"/>
-              </a:schemeClr>
-            </a:solidFill>
-            <a:round/>
-          </a:ln>
-        </p:spPr>
-        <p:style>
-          <a:lnRef idx="2">
-            <a:schemeClr val="accent1">
-              <a:shade val="50000"/>
-            </a:schemeClr>
-          </a:lnRef>
-          <a:fillRef idx="1">
-            <a:schemeClr val="accent1"/>
-          </a:fillRef>
-          <a:effectRef idx="0">
-            <a:schemeClr val="accent1"/>
-          </a:effectRef>
-          <a:fontRef idx="minor"/>
-        </p:style>
-      </p:sp>
-      <p:sp>
-        <p:nvSpPr>
-          <p:cNvPr id="49" name="CustomShape 15">
-            <a:extLst>
-              <a:ext uri="{FF2B5EF4-FFF2-40B4-BE49-F238E27FC236}">
-                <a16:creationId xmlns:a16="http://schemas.microsoft.com/office/drawing/2014/main" id="{B0CD4056-6B3F-024C-86C1-0BF6089E5ADD}"/>
-              </a:ext>
-            </a:extLst>
-          </p:cNvPr>
-          <p:cNvSpPr/>
-          <p:nvPr/>
-        </p:nvSpPr>
-        <p:spPr>
-          <a:xfrm>
-            <a:off x="7141740" y="1054409"/>
-            <a:ext cx="457200" cy="3657600"/>
-          </a:xfrm>
-          <a:prstGeom prst="rect">
-            <a:avLst/>
-          </a:prstGeom>
-          <a:solidFill>
-            <a:schemeClr val="accent1">
-              <a:lumMod val="60000"/>
-              <a:lumOff val="40000"/>
-              <a:alpha val="20000"/>
-            </a:schemeClr>
-          </a:solidFill>
-          <a:ln>
-            <a:noFill/>
-          </a:ln>
-        </p:spPr>
-        <p:style>
-          <a:lnRef idx="2">
-            <a:schemeClr val="accent1">
-              <a:shade val="50000"/>
-            </a:schemeClr>
-          </a:lnRef>
-          <a:fillRef idx="1">
-            <a:schemeClr val="accent1"/>
-          </a:fillRef>
-          <a:effectRef idx="0">
-            <a:schemeClr val="accent1"/>
-          </a:effectRef>
-          <a:fontRef idx="minor"/>
-        </p:style>
-      </p:sp>
-      <p:sp>
-        <p:nvSpPr>
-          <p:cNvPr id="50" name="CustomShape 18">
-            <a:extLst>
-              <a:ext uri="{FF2B5EF4-FFF2-40B4-BE49-F238E27FC236}">
-                <a16:creationId xmlns:a16="http://schemas.microsoft.com/office/drawing/2014/main" id="{6F1B822D-7B4D-6C44-9A15-812BFFCED776}"/>
-              </a:ext>
-            </a:extLst>
-          </p:cNvPr>
-          <p:cNvSpPr/>
-          <p:nvPr/>
-        </p:nvSpPr>
-        <p:spPr>
-          <a:xfrm>
-            <a:off x="7597501" y="4247689"/>
-            <a:ext cx="3200400" cy="457200"/>
-          </a:xfrm>
-          <a:prstGeom prst="rect">
-            <a:avLst/>
-          </a:prstGeom>
-          <a:solidFill>
-            <a:schemeClr val="accent1">
-              <a:lumMod val="60000"/>
-              <a:lumOff val="40000"/>
-              <a:alpha val="20000"/>
-            </a:schemeClr>
-          </a:solidFill>
-          <a:ln>
-            <a:noFill/>
-          </a:ln>
-        </p:spPr>
-        <p:style>
-          <a:lnRef idx="2">
-            <a:schemeClr val="accent1">
-              <a:shade val="50000"/>
-            </a:schemeClr>
-          </a:lnRef>
-          <a:fillRef idx="1">
-            <a:schemeClr val="accent1"/>
-          </a:fillRef>
-          <a:effectRef idx="0">
-            <a:schemeClr val="accent1"/>
-          </a:effectRef>
-          <a:fontRef idx="minor"/>
-        </p:style>
-      </p:sp>
-      <p:sp>
-        <p:nvSpPr>
-          <p:cNvPr id="51" name="CustomShape 18">
-            <a:extLst>
-              <a:ext uri="{FF2B5EF4-FFF2-40B4-BE49-F238E27FC236}">
-                <a16:creationId xmlns:a16="http://schemas.microsoft.com/office/drawing/2014/main" id="{01ACF60D-3D03-CE43-BB94-3A3A03EF89CF}"/>
-              </a:ext>
-            </a:extLst>
-          </p:cNvPr>
-          <p:cNvSpPr/>
-          <p:nvPr/>
-        </p:nvSpPr>
-        <p:spPr>
-          <a:xfrm>
-            <a:off x="7141739" y="589061"/>
-            <a:ext cx="4113361" cy="457200"/>
-          </a:xfrm>
-          <a:prstGeom prst="rect">
-            <a:avLst/>
-          </a:prstGeom>
-          <a:solidFill>
-            <a:schemeClr val="accent1">
-              <a:lumMod val="60000"/>
-              <a:lumOff val="40000"/>
-              <a:alpha val="20000"/>
-            </a:schemeClr>
-          </a:solidFill>
-          <a:ln>
-            <a:noFill/>
-          </a:ln>
-        </p:spPr>
-        <p:style>
-          <a:lnRef idx="2">
-            <a:schemeClr val="accent1">
-              <a:shade val="50000"/>
-            </a:schemeClr>
-          </a:lnRef>
-          <a:fillRef idx="1">
-            <a:schemeClr val="accent1"/>
-          </a:fillRef>
-          <a:effectRef idx="0">
-            <a:schemeClr val="accent1"/>
-          </a:effectRef>
-          <a:fontRef idx="minor"/>
-        </p:style>
-      </p:sp>
-      <p:sp>
-        <p:nvSpPr>
-          <p:cNvPr id="52" name="CustomShape 15">
-            <a:extLst>
-              <a:ext uri="{FF2B5EF4-FFF2-40B4-BE49-F238E27FC236}">
-                <a16:creationId xmlns:a16="http://schemas.microsoft.com/office/drawing/2014/main" id="{BC71B32C-F14D-D948-BEC6-30912107983A}"/>
-              </a:ext>
-            </a:extLst>
-          </p:cNvPr>
-          <p:cNvSpPr/>
-          <p:nvPr/>
-        </p:nvSpPr>
-        <p:spPr>
-          <a:xfrm>
-            <a:off x="10797901" y="1046261"/>
-            <a:ext cx="457200" cy="3657600"/>
-          </a:xfrm>
-          <a:prstGeom prst="rect">
-            <a:avLst/>
-          </a:prstGeom>
-          <a:solidFill>
-            <a:schemeClr val="accent1">
-              <a:lumMod val="60000"/>
-              <a:lumOff val="40000"/>
-              <a:alpha val="20000"/>
-            </a:schemeClr>
-          </a:solidFill>
-          <a:ln>
-            <a:noFill/>
-          </a:ln>
-        </p:spPr>
-        <p:style>
-          <a:lnRef idx="2">
-            <a:schemeClr val="accent1">
-              <a:shade val="50000"/>
-            </a:schemeClr>
-          </a:lnRef>
-          <a:fillRef idx="1">
-            <a:schemeClr val="accent1"/>
-          </a:fillRef>
-          <a:effectRef idx="0">
-            <a:schemeClr val="accent1"/>
-          </a:effectRef>
-          <a:fontRef idx="minor"/>
-        </p:style>
-      </p:sp>
-      <p:sp>
-        <p:nvSpPr>
-          <p:cNvPr id="53" name="CustomShape 13">
-            <a:extLst>
-              <a:ext uri="{FF2B5EF4-FFF2-40B4-BE49-F238E27FC236}">
-                <a16:creationId xmlns:a16="http://schemas.microsoft.com/office/drawing/2014/main" id="{B8AA3F0C-329E-AC4B-86BE-D48F330058B5}"/>
-              </a:ext>
-            </a:extLst>
-          </p:cNvPr>
-          <p:cNvSpPr/>
-          <p:nvPr/>
-        </p:nvSpPr>
-        <p:spPr>
-          <a:xfrm>
-            <a:off x="1107361" y="4303824"/>
-            <a:ext cx="3200400" cy="3200400"/>
-          </a:xfrm>
-          <a:prstGeom prst="rect">
-            <a:avLst/>
-          </a:prstGeom>
-          <a:noFill/>
-          <a:ln w="36720">
-            <a:solidFill>
-              <a:srgbClr val="F37B70"/>
-            </a:solidFill>
-            <a:round/>
-          </a:ln>
-        </p:spPr>
-        <p:style>
-          <a:lnRef idx="2">
-            <a:schemeClr val="accent1">
-              <a:shade val="50000"/>
-            </a:schemeClr>
-          </a:lnRef>
-          <a:fillRef idx="1">
-            <a:schemeClr val="accent1"/>
-          </a:fillRef>
-          <a:effectRef idx="0">
-            <a:schemeClr val="accent1"/>
-          </a:effectRef>
-          <a:fontRef idx="minor"/>
-        </p:style>
-      </p:sp>
-      <p:sp>
-        <p:nvSpPr>
-          <p:cNvPr id="54" name="CustomShape 15">
-            <a:extLst>
-              <a:ext uri="{FF2B5EF4-FFF2-40B4-BE49-F238E27FC236}">
-                <a16:creationId xmlns:a16="http://schemas.microsoft.com/office/drawing/2014/main" id="{65FAFF12-8930-2943-BE43-7FC1A7D0BACB}"/>
-              </a:ext>
-            </a:extLst>
-          </p:cNvPr>
-          <p:cNvSpPr/>
-          <p:nvPr/>
-        </p:nvSpPr>
-        <p:spPr>
-          <a:xfrm>
-            <a:off x="651446" y="4298079"/>
-            <a:ext cx="457200" cy="3657600"/>
-          </a:xfrm>
-          <a:prstGeom prst="rect">
-            <a:avLst/>
-          </a:prstGeom>
-          <a:solidFill>
-            <a:srgbClr val="F37B70">
-              <a:alpha val="20000"/>
-            </a:srgbClr>
-          </a:solidFill>
-          <a:ln>
-            <a:noFill/>
-          </a:ln>
-        </p:spPr>
-        <p:style>
-          <a:lnRef idx="2">
-            <a:schemeClr val="accent1">
-              <a:shade val="50000"/>
-            </a:schemeClr>
-          </a:lnRef>
-          <a:fillRef idx="1">
-            <a:schemeClr val="accent1"/>
-          </a:fillRef>
-          <a:effectRef idx="0">
-            <a:schemeClr val="accent1"/>
-          </a:effectRef>
-          <a:fontRef idx="minor"/>
-        </p:style>
-      </p:sp>
-      <p:sp>
-        <p:nvSpPr>
-          <p:cNvPr id="55" name="CustomShape 18">
-            <a:extLst>
-              <a:ext uri="{FF2B5EF4-FFF2-40B4-BE49-F238E27FC236}">
-                <a16:creationId xmlns:a16="http://schemas.microsoft.com/office/drawing/2014/main" id="{D75F8741-4BD7-4240-B319-23678B03B3E2}"/>
-              </a:ext>
-            </a:extLst>
-          </p:cNvPr>
-          <p:cNvSpPr/>
-          <p:nvPr/>
-        </p:nvSpPr>
-        <p:spPr>
-          <a:xfrm>
-            <a:off x="1107207" y="7501407"/>
-            <a:ext cx="3200400" cy="457200"/>
-          </a:xfrm>
-          <a:prstGeom prst="rect">
-            <a:avLst/>
-          </a:prstGeom>
-          <a:solidFill>
-            <a:srgbClr val="F37B70">
-              <a:alpha val="20000"/>
-            </a:srgbClr>
-          </a:solidFill>
-          <a:ln>
-            <a:noFill/>
-          </a:ln>
-        </p:spPr>
-        <p:style>
-          <a:lnRef idx="2">
-            <a:schemeClr val="accent1">
-              <a:shade val="50000"/>
-            </a:schemeClr>
-          </a:lnRef>
-          <a:fillRef idx="1">
-            <a:schemeClr val="accent1"/>
-          </a:fillRef>
-          <a:effectRef idx="0">
-            <a:schemeClr val="accent1"/>
-          </a:effectRef>
-          <a:fontRef idx="minor"/>
-        </p:style>
-      </p:sp>
-      <p:sp>
-        <p:nvSpPr>
-          <p:cNvPr id="56" name="CustomShape 18">
-            <a:extLst>
-              <a:ext uri="{FF2B5EF4-FFF2-40B4-BE49-F238E27FC236}">
-                <a16:creationId xmlns:a16="http://schemas.microsoft.com/office/drawing/2014/main" id="{642804C0-D8FD-894F-9009-F8C346F03DCF}"/>
-              </a:ext>
-            </a:extLst>
-          </p:cNvPr>
-          <p:cNvSpPr/>
-          <p:nvPr/>
-        </p:nvSpPr>
-        <p:spPr>
-          <a:xfrm>
-            <a:off x="651445" y="3842779"/>
-            <a:ext cx="4113361" cy="457200"/>
-          </a:xfrm>
-          <a:prstGeom prst="rect">
-            <a:avLst/>
-          </a:prstGeom>
-          <a:solidFill>
-            <a:srgbClr val="F37B70">
-              <a:alpha val="20000"/>
-            </a:srgbClr>
-          </a:solidFill>
-          <a:ln>
-            <a:noFill/>
-          </a:ln>
-        </p:spPr>
-        <p:style>
-          <a:lnRef idx="2">
-            <a:schemeClr val="accent1">
-              <a:shade val="50000"/>
-            </a:schemeClr>
-          </a:lnRef>
-          <a:fillRef idx="1">
-            <a:schemeClr val="accent1"/>
-          </a:fillRef>
-          <a:effectRef idx="0">
-            <a:schemeClr val="accent1"/>
-          </a:effectRef>
-          <a:fontRef idx="minor"/>
-        </p:style>
-      </p:sp>
-      <p:sp>
-        <p:nvSpPr>
-          <p:cNvPr id="57" name="CustomShape 15">
-            <a:extLst>
-              <a:ext uri="{FF2B5EF4-FFF2-40B4-BE49-F238E27FC236}">
-                <a16:creationId xmlns:a16="http://schemas.microsoft.com/office/drawing/2014/main" id="{2B14487F-8174-F345-B5E2-B9A80E445B48}"/>
-              </a:ext>
-            </a:extLst>
-          </p:cNvPr>
-          <p:cNvSpPr/>
-          <p:nvPr/>
-        </p:nvSpPr>
-        <p:spPr>
-          <a:xfrm>
-            <a:off x="4307607" y="4299979"/>
-            <a:ext cx="457200" cy="3657600"/>
-          </a:xfrm>
-          <a:prstGeom prst="rect">
-            <a:avLst/>
-          </a:prstGeom>
-          <a:solidFill>
-            <a:srgbClr val="F37B70">
-              <a:alpha val="20000"/>
-            </a:srgbClr>
-          </a:solidFill>
-          <a:ln>
-            <a:noFill/>
-          </a:ln>
-        </p:spPr>
-        <p:style>
-          <a:lnRef idx="2">
-            <a:schemeClr val="accent1">
-              <a:shade val="50000"/>
-            </a:schemeClr>
-          </a:lnRef>
-          <a:fillRef idx="1">
-            <a:schemeClr val="accent1"/>
-          </a:fillRef>
-          <a:effectRef idx="0">
-            <a:schemeClr val="accent1"/>
-          </a:effectRef>
-          <a:fontRef idx="minor"/>
-        </p:style>
+          <a:lnRef idx="0">
+            <a:scrgbClr r="0" g="0" b="0"/>
+          </a:lnRef>
+          <a:fillRef idx="0">
+            <a:scrgbClr r="0" g="0" b="0"/>
+          </a:fillRef>
+          <a:effectRef idx="0">
+            <a:scrgbClr r="0" g="0" b="0"/>
+          </a:effectRef>
+          <a:fontRef idx="minor"/>
+        </p:style>
+        <p:txBody>
+          <a:bodyPr lIns="90000" tIns="45000" rIns="90000" bIns="45000"/>
+          <a:lstStyle/>
+          <a:p>
+            <a:pPr>
+              <a:lnSpc>
+                <a:spcPct val="100000"/>
+              </a:lnSpc>
+            </a:pPr>
+            <a:r>
+              <a:rPr lang="en-US" sz="2200" b="0" strike="noStrike" spc="-1">
+                <a:solidFill>
+                  <a:srgbClr val="FFFFFF"/>
+                </a:solidFill>
+                <a:latin typeface="Arial"/>
+                <a:ea typeface="DejaVu Sans"/>
+              </a:rPr>
+              <a:t>832</a:t>
+            </a:r>
+            <a:endParaRPr lang="en-US" sz="2200" b="0" strike="noStrike" spc="-1">
+              <a:latin typeface="Arial"/>
+            </a:endParaRPr>
+          </a:p>
+        </p:txBody>
       </p:sp>
     </p:spTree>
     <p:extLst>
       <p:ext uri="{BB962C8B-B14F-4D97-AF65-F5344CB8AC3E}">
-        <p14:creationId xmlns:p14="http://schemas.microsoft.com/office/powerpoint/2010/main" val="883058267"/>
+        <p14:creationId xmlns:p14="http://schemas.microsoft.com/office/powerpoint/2010/main" val="1526915406"/>
       </p:ext>
     </p:extLst>
   </p:cSld>
@@ -4343,1763 +3746,1393 @@
           <a:chExt cx="0" cy="0"/>
         </a:xfrm>
       </p:grpSpPr>
-      <p:sp>
-        <p:nvSpPr>
-          <p:cNvPr id="172" name="CustomShape 1"/>
-          <p:cNvSpPr/>
-          <p:nvPr/>
-        </p:nvSpPr>
-        <p:spPr>
-          <a:xfrm>
-            <a:off x="1646280" y="1280160"/>
-            <a:ext cx="363600" cy="363600"/>
-          </a:xfrm>
-          <a:prstGeom prst="rect">
-            <a:avLst/>
-          </a:prstGeom>
-          <a:noFill/>
-          <a:ln w="18360">
-            <a:solidFill>
-              <a:srgbClr val="000000"/>
-            </a:solidFill>
-            <a:round/>
-          </a:ln>
-        </p:spPr>
-        <p:style>
-          <a:lnRef idx="0">
-            <a:scrgbClr r="0" g="0" b="0"/>
-          </a:lnRef>
-          <a:fillRef idx="0">
-            <a:scrgbClr r="0" g="0" b="0"/>
-          </a:fillRef>
-          <a:effectRef idx="0">
-            <a:scrgbClr r="0" g="0" b="0"/>
-          </a:effectRef>
-          <a:fontRef idx="minor"/>
-        </p:style>
-        <p:txBody>
-          <a:bodyPr wrap="none" lIns="99360" tIns="54360" rIns="99360" bIns="54360" anchor="ctr"/>
-          <a:lstStyle/>
-          <a:p>
-            <a:pPr algn="ctr">
-              <a:lnSpc>
-                <a:spcPct val="100000"/>
-              </a:lnSpc>
-            </a:pPr>
-            <a:r>
-              <a:rPr lang="en-US" sz="1800" b="0" strike="noStrike" spc="-1">
-                <a:solidFill>
-                  <a:srgbClr val="000000"/>
-                </a:solidFill>
-                <a:latin typeface="Arial"/>
-                <a:ea typeface="DejaVu Sans"/>
-              </a:rPr>
-              <a:t>1</a:t>
-            </a:r>
-            <a:endParaRPr lang="en-US" sz="1800" b="0" strike="noStrike" spc="-1">
-              <a:latin typeface="Arial"/>
-            </a:endParaRPr>
-          </a:p>
-        </p:txBody>
-      </p:sp>
-      <p:sp>
-        <p:nvSpPr>
-          <p:cNvPr id="173" name="CustomShape 2"/>
-          <p:cNvSpPr/>
-          <p:nvPr/>
-        </p:nvSpPr>
-        <p:spPr>
-          <a:xfrm>
-            <a:off x="2012040" y="1280160"/>
-            <a:ext cx="363600" cy="363600"/>
-          </a:xfrm>
-          <a:prstGeom prst="rect">
-            <a:avLst/>
-          </a:prstGeom>
-          <a:noFill/>
-          <a:ln w="18360">
-            <a:solidFill>
-              <a:srgbClr val="000000"/>
-            </a:solidFill>
-            <a:round/>
-          </a:ln>
-        </p:spPr>
-        <p:style>
-          <a:lnRef idx="0">
-            <a:scrgbClr r="0" g="0" b="0"/>
-          </a:lnRef>
-          <a:fillRef idx="0">
-            <a:scrgbClr r="0" g="0" b="0"/>
-          </a:fillRef>
-          <a:effectRef idx="0">
-            <a:scrgbClr r="0" g="0" b="0"/>
-          </a:effectRef>
-          <a:fontRef idx="minor"/>
-        </p:style>
-        <p:txBody>
-          <a:bodyPr wrap="none" lIns="99360" tIns="54360" rIns="99360" bIns="54360" anchor="ctr"/>
-          <a:lstStyle/>
-          <a:p>
-            <a:pPr algn="ctr">
-              <a:lnSpc>
-                <a:spcPct val="100000"/>
-              </a:lnSpc>
-            </a:pPr>
-            <a:r>
-              <a:rPr lang="en-US" sz="1800" b="0" strike="noStrike" spc="-1">
-                <a:solidFill>
-                  <a:srgbClr val="000000"/>
-                </a:solidFill>
-                <a:latin typeface="Arial"/>
-                <a:ea typeface="DejaVu Sans"/>
-              </a:rPr>
-              <a:t>2</a:t>
-            </a:r>
-            <a:endParaRPr lang="en-US" sz="1800" b="0" strike="noStrike" spc="-1">
-              <a:latin typeface="Arial"/>
-            </a:endParaRPr>
-          </a:p>
-        </p:txBody>
-      </p:sp>
-      <p:sp>
-        <p:nvSpPr>
-          <p:cNvPr id="174" name="CustomShape 3"/>
-          <p:cNvSpPr/>
-          <p:nvPr/>
-        </p:nvSpPr>
-        <p:spPr>
-          <a:xfrm>
-            <a:off x="2377800" y="1280160"/>
-            <a:ext cx="363600" cy="363600"/>
-          </a:xfrm>
-          <a:prstGeom prst="rect">
-            <a:avLst/>
-          </a:prstGeom>
-          <a:noFill/>
-          <a:ln w="18360">
-            <a:solidFill>
-              <a:srgbClr val="000000"/>
-            </a:solidFill>
-            <a:round/>
-          </a:ln>
-        </p:spPr>
-        <p:style>
-          <a:lnRef idx="0">
-            <a:scrgbClr r="0" g="0" b="0"/>
-          </a:lnRef>
-          <a:fillRef idx="0">
-            <a:scrgbClr r="0" g="0" b="0"/>
-          </a:fillRef>
-          <a:effectRef idx="0">
-            <a:scrgbClr r="0" g="0" b="0"/>
-          </a:effectRef>
-          <a:fontRef idx="minor"/>
-        </p:style>
-        <p:txBody>
-          <a:bodyPr wrap="none" lIns="99360" tIns="54360" rIns="99360" bIns="54360" anchor="ctr"/>
-          <a:lstStyle/>
-          <a:p>
-            <a:pPr algn="ctr">
-              <a:lnSpc>
-                <a:spcPct val="100000"/>
-              </a:lnSpc>
-            </a:pPr>
-            <a:r>
-              <a:rPr lang="en-US" sz="1800" b="0" strike="noStrike" spc="-1">
-                <a:solidFill>
-                  <a:srgbClr val="000000"/>
-                </a:solidFill>
-                <a:latin typeface="Arial"/>
-                <a:ea typeface="DejaVu Sans"/>
-              </a:rPr>
-              <a:t>3</a:t>
-            </a:r>
-            <a:endParaRPr lang="en-US" sz="1800" b="0" strike="noStrike" spc="-1">
-              <a:latin typeface="Arial"/>
-            </a:endParaRPr>
-          </a:p>
-        </p:txBody>
-      </p:sp>
-      <p:sp>
-        <p:nvSpPr>
-          <p:cNvPr id="175" name="CustomShape 4"/>
-          <p:cNvSpPr/>
-          <p:nvPr/>
-        </p:nvSpPr>
-        <p:spPr>
-          <a:xfrm>
-            <a:off x="2743560" y="1280160"/>
-            <a:ext cx="363600" cy="363600"/>
-          </a:xfrm>
-          <a:prstGeom prst="rect">
-            <a:avLst/>
-          </a:prstGeom>
-          <a:noFill/>
-          <a:ln w="18360">
-            <a:solidFill>
-              <a:srgbClr val="000000"/>
-            </a:solidFill>
-            <a:round/>
-          </a:ln>
-        </p:spPr>
-        <p:style>
-          <a:lnRef idx="0">
-            <a:scrgbClr r="0" g="0" b="0"/>
-          </a:lnRef>
-          <a:fillRef idx="0">
-            <a:scrgbClr r="0" g="0" b="0"/>
-          </a:fillRef>
-          <a:effectRef idx="0">
-            <a:scrgbClr r="0" g="0" b="0"/>
-          </a:effectRef>
-          <a:fontRef idx="minor"/>
-        </p:style>
-        <p:txBody>
-          <a:bodyPr wrap="none" lIns="99360" tIns="54360" rIns="99360" bIns="54360" anchor="ctr"/>
-          <a:lstStyle/>
-          <a:p>
-            <a:pPr algn="ctr">
-              <a:lnSpc>
-                <a:spcPct val="100000"/>
-              </a:lnSpc>
-            </a:pPr>
-            <a:r>
-              <a:rPr lang="en-US" sz="1800" b="0" strike="noStrike" spc="-1">
-                <a:solidFill>
-                  <a:srgbClr val="000000"/>
-                </a:solidFill>
-                <a:latin typeface="Arial"/>
-                <a:ea typeface="DejaVu Sans"/>
-              </a:rPr>
-              <a:t>4</a:t>
-            </a:r>
-            <a:endParaRPr lang="en-US" sz="1800" b="0" strike="noStrike" spc="-1">
-              <a:latin typeface="Arial"/>
-            </a:endParaRPr>
-          </a:p>
-        </p:txBody>
-      </p:sp>
-      <p:sp>
-        <p:nvSpPr>
-          <p:cNvPr id="176" name="CustomShape 5"/>
-          <p:cNvSpPr/>
-          <p:nvPr/>
-        </p:nvSpPr>
-        <p:spPr>
-          <a:xfrm>
-            <a:off x="3109320" y="1280160"/>
-            <a:ext cx="363600" cy="363600"/>
-          </a:xfrm>
-          <a:prstGeom prst="rect">
-            <a:avLst/>
-          </a:prstGeom>
-          <a:noFill/>
-          <a:ln w="18360">
-            <a:solidFill>
-              <a:srgbClr val="000000"/>
-            </a:solidFill>
-            <a:round/>
-          </a:ln>
-        </p:spPr>
-        <p:style>
-          <a:lnRef idx="0">
-            <a:scrgbClr r="0" g="0" b="0"/>
-          </a:lnRef>
-          <a:fillRef idx="0">
-            <a:scrgbClr r="0" g="0" b="0"/>
-          </a:fillRef>
-          <a:effectRef idx="0">
-            <a:scrgbClr r="0" g="0" b="0"/>
-          </a:effectRef>
-          <a:fontRef idx="minor"/>
-        </p:style>
-        <p:txBody>
-          <a:bodyPr wrap="none" lIns="99360" tIns="54360" rIns="99360" bIns="54360" anchor="ctr"/>
-          <a:lstStyle/>
-          <a:p>
-            <a:pPr algn="ctr">
-              <a:lnSpc>
-                <a:spcPct val="100000"/>
-              </a:lnSpc>
-            </a:pPr>
-            <a:r>
-              <a:rPr lang="en-US" sz="1800" b="0" strike="noStrike" spc="-1">
-                <a:solidFill>
-                  <a:srgbClr val="000000"/>
-                </a:solidFill>
-                <a:latin typeface="Arial"/>
-                <a:ea typeface="DejaVu Sans"/>
-              </a:rPr>
-              <a:t>5</a:t>
-            </a:r>
-            <a:endParaRPr lang="en-US" sz="1800" b="0" strike="noStrike" spc="-1">
-              <a:latin typeface="Arial"/>
-            </a:endParaRPr>
-          </a:p>
-        </p:txBody>
-      </p:sp>
-      <p:sp>
-        <p:nvSpPr>
-          <p:cNvPr id="177" name="CustomShape 6"/>
-          <p:cNvSpPr/>
-          <p:nvPr/>
-        </p:nvSpPr>
-        <p:spPr>
-          <a:xfrm>
-            <a:off x="3475080" y="1280160"/>
-            <a:ext cx="363600" cy="363600"/>
-          </a:xfrm>
-          <a:prstGeom prst="rect">
-            <a:avLst/>
-          </a:prstGeom>
-          <a:noFill/>
-          <a:ln w="18360">
-            <a:solidFill>
-              <a:srgbClr val="000000"/>
-            </a:solidFill>
-            <a:round/>
-          </a:ln>
-        </p:spPr>
-        <p:style>
-          <a:lnRef idx="0">
-            <a:scrgbClr r="0" g="0" b="0"/>
-          </a:lnRef>
-          <a:fillRef idx="0">
-            <a:scrgbClr r="0" g="0" b="0"/>
-          </a:fillRef>
-          <a:effectRef idx="0">
-            <a:scrgbClr r="0" g="0" b="0"/>
-          </a:effectRef>
-          <a:fontRef idx="minor"/>
-        </p:style>
-        <p:txBody>
-          <a:bodyPr wrap="none" lIns="99360" tIns="54360" rIns="99360" bIns="54360" anchor="ctr"/>
-          <a:lstStyle/>
-          <a:p>
-            <a:pPr algn="ctr">
-              <a:lnSpc>
-                <a:spcPct val="100000"/>
-              </a:lnSpc>
-            </a:pPr>
-            <a:r>
-              <a:rPr lang="en-US" sz="1800" b="0" strike="noStrike" spc="-1">
-                <a:solidFill>
-                  <a:srgbClr val="000000"/>
-                </a:solidFill>
-                <a:latin typeface="Arial"/>
-                <a:ea typeface="DejaVu Sans"/>
-              </a:rPr>
-              <a:t>6</a:t>
-            </a:r>
-            <a:endParaRPr lang="en-US" sz="1800" b="0" strike="noStrike" spc="-1">
-              <a:latin typeface="Arial"/>
-            </a:endParaRPr>
-          </a:p>
-        </p:txBody>
-      </p:sp>
-      <p:sp>
-        <p:nvSpPr>
-          <p:cNvPr id="178" name="CustomShape 7"/>
-          <p:cNvSpPr/>
-          <p:nvPr/>
-        </p:nvSpPr>
-        <p:spPr>
-          <a:xfrm>
-            <a:off x="2012040" y="2286000"/>
-            <a:ext cx="363600" cy="363600"/>
-          </a:xfrm>
-          <a:prstGeom prst="rect">
-            <a:avLst/>
-          </a:prstGeom>
-          <a:noFill/>
-          <a:ln w="18360">
-            <a:solidFill>
-              <a:srgbClr val="000000"/>
-            </a:solidFill>
-            <a:round/>
-          </a:ln>
-        </p:spPr>
-        <p:style>
-          <a:lnRef idx="0">
-            <a:scrgbClr r="0" g="0" b="0"/>
-          </a:lnRef>
-          <a:fillRef idx="0">
-            <a:scrgbClr r="0" g="0" b="0"/>
-          </a:fillRef>
-          <a:effectRef idx="0">
-            <a:scrgbClr r="0" g="0" b="0"/>
-          </a:effectRef>
-          <a:fontRef idx="minor"/>
-        </p:style>
-        <p:txBody>
-          <a:bodyPr wrap="none" lIns="99360" tIns="54360" rIns="99360" bIns="54360" anchor="ctr"/>
-          <a:lstStyle/>
-          <a:p>
-            <a:pPr algn="ctr">
-              <a:lnSpc>
-                <a:spcPct val="100000"/>
-              </a:lnSpc>
-            </a:pPr>
-            <a:r>
-              <a:rPr lang="en-US" sz="1800" b="0" strike="noStrike" spc="-1">
-                <a:solidFill>
-                  <a:srgbClr val="000000"/>
-                </a:solidFill>
-                <a:latin typeface="Arial"/>
-                <a:ea typeface="DejaVu Sans"/>
-              </a:rPr>
-              <a:t>6</a:t>
-            </a:r>
-            <a:endParaRPr lang="en-US" sz="1800" b="0" strike="noStrike" spc="-1">
-              <a:latin typeface="Arial"/>
-            </a:endParaRPr>
-          </a:p>
-        </p:txBody>
-      </p:sp>
-      <p:sp>
-        <p:nvSpPr>
-          <p:cNvPr id="179" name="CustomShape 8"/>
-          <p:cNvSpPr/>
-          <p:nvPr/>
-        </p:nvSpPr>
-        <p:spPr>
-          <a:xfrm>
-            <a:off x="1645920" y="3017520"/>
-            <a:ext cx="363600" cy="363600"/>
-          </a:xfrm>
-          <a:prstGeom prst="rect">
-            <a:avLst/>
-          </a:prstGeom>
-          <a:noFill/>
-          <a:ln w="18360">
-            <a:solidFill>
-              <a:srgbClr val="000000"/>
-            </a:solidFill>
-            <a:round/>
-          </a:ln>
-        </p:spPr>
-        <p:style>
-          <a:lnRef idx="0">
-            <a:scrgbClr r="0" g="0" b="0"/>
-          </a:lnRef>
-          <a:fillRef idx="0">
-            <a:scrgbClr r="0" g="0" b="0"/>
-          </a:fillRef>
-          <a:effectRef idx="0">
-            <a:scrgbClr r="0" g="0" b="0"/>
-          </a:effectRef>
-          <a:fontRef idx="minor"/>
-        </p:style>
-        <p:txBody>
-          <a:bodyPr wrap="none" lIns="99360" tIns="54360" rIns="99360" bIns="54360" anchor="ctr"/>
-          <a:lstStyle/>
-          <a:p>
-            <a:pPr algn="ctr">
-              <a:lnSpc>
-                <a:spcPct val="100000"/>
-              </a:lnSpc>
-            </a:pPr>
-            <a:r>
-              <a:rPr lang="en-US" sz="1800" b="0" strike="noStrike" spc="-1">
-                <a:solidFill>
-                  <a:srgbClr val="000000"/>
-                </a:solidFill>
-                <a:latin typeface="Arial"/>
-                <a:ea typeface="DejaVu Sans"/>
-              </a:rPr>
-              <a:t>1</a:t>
-            </a:r>
-            <a:endParaRPr lang="en-US" sz="1800" b="0" strike="noStrike" spc="-1">
-              <a:latin typeface="Arial"/>
-            </a:endParaRPr>
-          </a:p>
-        </p:txBody>
-      </p:sp>
-      <p:sp>
-        <p:nvSpPr>
-          <p:cNvPr id="180" name="CustomShape 9"/>
-          <p:cNvSpPr/>
-          <p:nvPr/>
-        </p:nvSpPr>
-        <p:spPr>
-          <a:xfrm>
-            <a:off x="2011680" y="3017520"/>
-            <a:ext cx="363600" cy="363600"/>
-          </a:xfrm>
-          <a:prstGeom prst="rect">
-            <a:avLst/>
-          </a:prstGeom>
-          <a:noFill/>
-          <a:ln w="18360">
-            <a:solidFill>
-              <a:srgbClr val="000000"/>
-            </a:solidFill>
-            <a:round/>
-          </a:ln>
-        </p:spPr>
-        <p:style>
-          <a:lnRef idx="0">
-            <a:scrgbClr r="0" g="0" b="0"/>
-          </a:lnRef>
-          <a:fillRef idx="0">
-            <a:scrgbClr r="0" g="0" b="0"/>
-          </a:fillRef>
-          <a:effectRef idx="0">
-            <a:scrgbClr r="0" g="0" b="0"/>
-          </a:effectRef>
-          <a:fontRef idx="minor"/>
-        </p:style>
-        <p:txBody>
-          <a:bodyPr wrap="none" lIns="99360" tIns="54360" rIns="99360" bIns="54360" anchor="ctr"/>
-          <a:lstStyle/>
-          <a:p>
-            <a:pPr algn="ctr">
-              <a:lnSpc>
-                <a:spcPct val="100000"/>
-              </a:lnSpc>
-            </a:pPr>
-            <a:r>
-              <a:rPr lang="en-US" sz="1800" b="0" strike="noStrike" spc="-1">
-                <a:solidFill>
-                  <a:srgbClr val="000000"/>
-                </a:solidFill>
-                <a:latin typeface="Arial"/>
-                <a:ea typeface="DejaVu Sans"/>
-              </a:rPr>
-              <a:t>2</a:t>
-            </a:r>
-            <a:endParaRPr lang="en-US" sz="1800" b="0" strike="noStrike" spc="-1">
-              <a:latin typeface="Arial"/>
-            </a:endParaRPr>
-          </a:p>
-        </p:txBody>
-      </p:sp>
-      <p:sp>
-        <p:nvSpPr>
-          <p:cNvPr id="181" name="CustomShape 10"/>
-          <p:cNvSpPr/>
-          <p:nvPr/>
-        </p:nvSpPr>
-        <p:spPr>
-          <a:xfrm>
-            <a:off x="2377440" y="3017520"/>
-            <a:ext cx="363600" cy="363600"/>
-          </a:xfrm>
-          <a:prstGeom prst="rect">
-            <a:avLst/>
-          </a:prstGeom>
-          <a:noFill/>
-          <a:ln w="18360">
-            <a:solidFill>
-              <a:srgbClr val="000000"/>
-            </a:solidFill>
-            <a:round/>
-          </a:ln>
-        </p:spPr>
-        <p:style>
-          <a:lnRef idx="0">
-            <a:scrgbClr r="0" g="0" b="0"/>
-          </a:lnRef>
-          <a:fillRef idx="0">
-            <a:scrgbClr r="0" g="0" b="0"/>
-          </a:fillRef>
-          <a:effectRef idx="0">
-            <a:scrgbClr r="0" g="0" b="0"/>
-          </a:effectRef>
-          <a:fontRef idx="minor"/>
-        </p:style>
-        <p:txBody>
-          <a:bodyPr wrap="none" lIns="99360" tIns="54360" rIns="99360" bIns="54360" anchor="ctr"/>
-          <a:lstStyle/>
-          <a:p>
-            <a:pPr algn="ctr">
-              <a:lnSpc>
-                <a:spcPct val="100000"/>
-              </a:lnSpc>
-            </a:pPr>
-            <a:r>
-              <a:rPr lang="en-US" sz="1800" b="0" strike="noStrike" spc="-1">
-                <a:solidFill>
-                  <a:srgbClr val="000000"/>
-                </a:solidFill>
-                <a:latin typeface="Arial"/>
-                <a:ea typeface="DejaVu Sans"/>
-              </a:rPr>
-              <a:t>3</a:t>
-            </a:r>
-            <a:endParaRPr lang="en-US" sz="1800" b="0" strike="noStrike" spc="-1">
-              <a:latin typeface="Arial"/>
-            </a:endParaRPr>
-          </a:p>
-        </p:txBody>
-      </p:sp>
-      <p:sp>
-        <p:nvSpPr>
-          <p:cNvPr id="182" name="CustomShape 11"/>
-          <p:cNvSpPr/>
-          <p:nvPr/>
-        </p:nvSpPr>
-        <p:spPr>
-          <a:xfrm>
-            <a:off x="2743200" y="3017520"/>
-            <a:ext cx="363600" cy="363600"/>
-          </a:xfrm>
-          <a:prstGeom prst="rect">
-            <a:avLst/>
-          </a:prstGeom>
-          <a:noFill/>
-          <a:ln w="18360">
-            <a:solidFill>
-              <a:srgbClr val="000000"/>
-            </a:solidFill>
-            <a:round/>
-          </a:ln>
-        </p:spPr>
-        <p:style>
-          <a:lnRef idx="0">
-            <a:scrgbClr r="0" g="0" b="0"/>
-          </a:lnRef>
-          <a:fillRef idx="0">
-            <a:scrgbClr r="0" g="0" b="0"/>
-          </a:fillRef>
-          <a:effectRef idx="0">
-            <a:scrgbClr r="0" g="0" b="0"/>
-          </a:effectRef>
-          <a:fontRef idx="minor"/>
-        </p:style>
-        <p:txBody>
-          <a:bodyPr wrap="none" lIns="99360" tIns="54360" rIns="99360" bIns="54360" anchor="ctr"/>
-          <a:lstStyle/>
-          <a:p>
-            <a:pPr algn="ctr">
-              <a:lnSpc>
-                <a:spcPct val="100000"/>
-              </a:lnSpc>
-            </a:pPr>
-            <a:r>
-              <a:rPr lang="en-US" sz="1800" b="0" strike="noStrike" spc="-1">
-                <a:solidFill>
-                  <a:srgbClr val="000000"/>
-                </a:solidFill>
-                <a:latin typeface="Arial"/>
-                <a:ea typeface="DejaVu Sans"/>
-              </a:rPr>
-              <a:t>4</a:t>
-            </a:r>
-            <a:endParaRPr lang="en-US" sz="1800" b="0" strike="noStrike" spc="-1">
-              <a:latin typeface="Arial"/>
-            </a:endParaRPr>
-          </a:p>
-        </p:txBody>
-      </p:sp>
-      <p:sp>
-        <p:nvSpPr>
-          <p:cNvPr id="183" name="CustomShape 12"/>
-          <p:cNvSpPr/>
-          <p:nvPr/>
-        </p:nvSpPr>
-        <p:spPr>
-          <a:xfrm>
-            <a:off x="3108960" y="3017520"/>
-            <a:ext cx="363600" cy="363600"/>
-          </a:xfrm>
-          <a:prstGeom prst="rect">
-            <a:avLst/>
-          </a:prstGeom>
-          <a:noFill/>
-          <a:ln w="18360">
-            <a:solidFill>
-              <a:srgbClr val="000000"/>
-            </a:solidFill>
-            <a:round/>
-          </a:ln>
-        </p:spPr>
-        <p:style>
-          <a:lnRef idx="0">
-            <a:scrgbClr r="0" g="0" b="0"/>
-          </a:lnRef>
-          <a:fillRef idx="0">
-            <a:scrgbClr r="0" g="0" b="0"/>
-          </a:fillRef>
-          <a:effectRef idx="0">
-            <a:scrgbClr r="0" g="0" b="0"/>
-          </a:effectRef>
-          <a:fontRef idx="minor"/>
-        </p:style>
-        <p:txBody>
-          <a:bodyPr wrap="none" lIns="99360" tIns="54360" rIns="99360" bIns="54360" anchor="ctr"/>
-          <a:lstStyle/>
-          <a:p>
-            <a:pPr algn="ctr">
-              <a:lnSpc>
-                <a:spcPct val="100000"/>
-              </a:lnSpc>
-            </a:pPr>
-            <a:r>
-              <a:rPr lang="en-US" sz="1800" b="0" strike="noStrike" spc="-1">
-                <a:solidFill>
-                  <a:srgbClr val="000000"/>
-                </a:solidFill>
-                <a:latin typeface="Arial"/>
-                <a:ea typeface="DejaVu Sans"/>
-              </a:rPr>
-              <a:t>5</a:t>
-            </a:r>
-            <a:endParaRPr lang="en-US" sz="1800" b="0" strike="noStrike" spc="-1">
-              <a:latin typeface="Arial"/>
-            </a:endParaRPr>
-          </a:p>
-        </p:txBody>
-      </p:sp>
-      <p:sp>
-        <p:nvSpPr>
-          <p:cNvPr id="184" name="CustomShape 13"/>
-          <p:cNvSpPr/>
-          <p:nvPr/>
-        </p:nvSpPr>
-        <p:spPr>
-          <a:xfrm>
-            <a:off x="3474720" y="3017520"/>
-            <a:ext cx="363600" cy="363600"/>
-          </a:xfrm>
-          <a:prstGeom prst="rect">
-            <a:avLst/>
-          </a:prstGeom>
-          <a:noFill/>
-          <a:ln w="18360">
-            <a:solidFill>
-              <a:srgbClr val="000000"/>
-            </a:solidFill>
-            <a:round/>
-          </a:ln>
-        </p:spPr>
-        <p:style>
-          <a:lnRef idx="0">
-            <a:scrgbClr r="0" g="0" b="0"/>
-          </a:lnRef>
-          <a:fillRef idx="0">
-            <a:scrgbClr r="0" g="0" b="0"/>
-          </a:fillRef>
-          <a:effectRef idx="0">
-            <a:scrgbClr r="0" g="0" b="0"/>
-          </a:effectRef>
-          <a:fontRef idx="minor"/>
-        </p:style>
-        <p:txBody>
-          <a:bodyPr wrap="none" lIns="99360" tIns="54360" rIns="99360" bIns="54360" anchor="ctr"/>
-          <a:lstStyle/>
-          <a:p>
-            <a:pPr algn="ctr">
-              <a:lnSpc>
-                <a:spcPct val="100000"/>
-              </a:lnSpc>
-            </a:pPr>
-            <a:r>
-              <a:rPr lang="en-US" sz="1800" b="0" strike="noStrike" spc="-1">
-                <a:solidFill>
-                  <a:srgbClr val="000000"/>
-                </a:solidFill>
-                <a:latin typeface="Arial"/>
-                <a:ea typeface="DejaVu Sans"/>
-              </a:rPr>
-              <a:t>6</a:t>
-            </a:r>
-            <a:endParaRPr lang="en-US" sz="1800" b="0" strike="noStrike" spc="-1">
-              <a:latin typeface="Arial"/>
-            </a:endParaRPr>
-          </a:p>
-        </p:txBody>
-      </p:sp>
-      <p:sp>
-        <p:nvSpPr>
-          <p:cNvPr id="185" name="CustomShape 14"/>
-          <p:cNvSpPr/>
-          <p:nvPr/>
-        </p:nvSpPr>
-        <p:spPr>
-          <a:xfrm>
-            <a:off x="2377440" y="4023360"/>
-            <a:ext cx="363600" cy="363600"/>
-          </a:xfrm>
-          <a:prstGeom prst="rect">
-            <a:avLst/>
-          </a:prstGeom>
-          <a:noFill/>
-          <a:ln w="18360">
-            <a:solidFill>
-              <a:srgbClr val="000000"/>
-            </a:solidFill>
-            <a:round/>
-          </a:ln>
-        </p:spPr>
-        <p:style>
-          <a:lnRef idx="0">
-            <a:scrgbClr r="0" g="0" b="0"/>
-          </a:lnRef>
-          <a:fillRef idx="0">
-            <a:scrgbClr r="0" g="0" b="0"/>
-          </a:fillRef>
-          <a:effectRef idx="0">
-            <a:scrgbClr r="0" g="0" b="0"/>
-          </a:effectRef>
-          <a:fontRef idx="minor"/>
-        </p:style>
-        <p:txBody>
-          <a:bodyPr wrap="none" lIns="99360" tIns="54360" rIns="99360" bIns="54360" anchor="ctr"/>
-          <a:lstStyle/>
-          <a:p>
-            <a:pPr algn="ctr">
-              <a:lnSpc>
-                <a:spcPct val="100000"/>
-              </a:lnSpc>
-            </a:pPr>
-            <a:r>
-              <a:rPr lang="en-US" sz="1800" b="0" strike="noStrike" spc="-1">
-                <a:solidFill>
-                  <a:srgbClr val="000000"/>
-                </a:solidFill>
-                <a:latin typeface="Arial"/>
-                <a:ea typeface="DejaVu Sans"/>
-              </a:rPr>
-              <a:t>9</a:t>
-            </a:r>
-            <a:endParaRPr lang="en-US" sz="1800" b="0" strike="noStrike" spc="-1">
-              <a:latin typeface="Arial"/>
-            </a:endParaRPr>
-          </a:p>
-        </p:txBody>
-      </p:sp>
-      <p:sp>
-        <p:nvSpPr>
-          <p:cNvPr id="186" name="CustomShape 15"/>
-          <p:cNvSpPr/>
-          <p:nvPr/>
-        </p:nvSpPr>
-        <p:spPr>
-          <a:xfrm>
-            <a:off x="3474720" y="4023360"/>
-            <a:ext cx="363600" cy="363600"/>
-          </a:xfrm>
-          <a:prstGeom prst="rect">
-            <a:avLst/>
-          </a:prstGeom>
-          <a:noFill/>
-          <a:ln w="18360">
-            <a:solidFill>
-              <a:srgbClr val="000000"/>
-            </a:solidFill>
-            <a:round/>
-          </a:ln>
-        </p:spPr>
-        <p:style>
-          <a:lnRef idx="0">
-            <a:scrgbClr r="0" g="0" b="0"/>
-          </a:lnRef>
-          <a:fillRef idx="0">
-            <a:scrgbClr r="0" g="0" b="0"/>
-          </a:fillRef>
-          <a:effectRef idx="0">
-            <a:scrgbClr r="0" g="0" b="0"/>
-          </a:effectRef>
-          <a:fontRef idx="minor"/>
-        </p:style>
-        <p:txBody>
-          <a:bodyPr wrap="none" lIns="99360" tIns="54360" rIns="99360" bIns="54360" anchor="ctr"/>
-          <a:lstStyle/>
-          <a:p>
-            <a:pPr algn="ctr">
-              <a:lnSpc>
-                <a:spcPct val="100000"/>
-              </a:lnSpc>
-            </a:pPr>
-            <a:r>
-              <a:rPr lang="en-US" sz="1800" b="0" strike="noStrike" spc="-1" dirty="0">
-                <a:solidFill>
-                  <a:srgbClr val="000000"/>
-                </a:solidFill>
-                <a:latin typeface="Arial"/>
-                <a:ea typeface="DejaVu Sans"/>
-              </a:rPr>
-              <a:t>18</a:t>
-            </a:r>
-            <a:endParaRPr lang="en-US" sz="1800" b="0" strike="noStrike" spc="-1" dirty="0">
-              <a:latin typeface="Arial"/>
-            </a:endParaRPr>
-          </a:p>
-        </p:txBody>
-      </p:sp>
-      <p:sp>
-        <p:nvSpPr>
-          <p:cNvPr id="187" name="CustomShape 16"/>
-          <p:cNvSpPr/>
-          <p:nvPr/>
-        </p:nvSpPr>
-        <p:spPr>
-          <a:xfrm>
-            <a:off x="3840840" y="1280160"/>
-            <a:ext cx="363600" cy="363600"/>
-          </a:xfrm>
-          <a:prstGeom prst="rect">
-            <a:avLst/>
-          </a:prstGeom>
-          <a:noFill/>
-          <a:ln w="18360">
-            <a:solidFill>
-              <a:srgbClr val="000000"/>
-            </a:solidFill>
-            <a:round/>
-          </a:ln>
-        </p:spPr>
-        <p:style>
-          <a:lnRef idx="0">
-            <a:scrgbClr r="0" g="0" b="0"/>
-          </a:lnRef>
-          <a:fillRef idx="0">
-            <a:scrgbClr r="0" g="0" b="0"/>
-          </a:fillRef>
-          <a:effectRef idx="0">
-            <a:scrgbClr r="0" g="0" b="0"/>
-          </a:effectRef>
-          <a:fontRef idx="minor"/>
-        </p:style>
-        <p:txBody>
-          <a:bodyPr wrap="none" lIns="99360" tIns="54360" rIns="99360" bIns="54360" anchor="ctr"/>
-          <a:lstStyle/>
-          <a:p>
-            <a:pPr algn="ctr">
-              <a:lnSpc>
-                <a:spcPct val="100000"/>
-              </a:lnSpc>
-            </a:pPr>
-            <a:r>
-              <a:rPr lang="en-US" sz="1800" b="0" strike="noStrike" spc="-1">
-                <a:solidFill>
-                  <a:srgbClr val="000000"/>
-                </a:solidFill>
-                <a:latin typeface="Arial"/>
-                <a:ea typeface="DejaVu Sans"/>
-              </a:rPr>
-              <a:t>7</a:t>
-            </a:r>
-            <a:endParaRPr lang="en-US" sz="1800" b="0" strike="noStrike" spc="-1">
-              <a:latin typeface="Arial"/>
-            </a:endParaRPr>
-          </a:p>
-        </p:txBody>
-      </p:sp>
-      <p:sp>
-        <p:nvSpPr>
-          <p:cNvPr id="188" name="CustomShape 17"/>
-          <p:cNvSpPr/>
-          <p:nvPr/>
-        </p:nvSpPr>
-        <p:spPr>
-          <a:xfrm>
-            <a:off x="3840480" y="3017520"/>
-            <a:ext cx="363600" cy="363600"/>
-          </a:xfrm>
-          <a:prstGeom prst="rect">
-            <a:avLst/>
-          </a:prstGeom>
-          <a:noFill/>
-          <a:ln w="18360">
-            <a:solidFill>
-              <a:srgbClr val="000000"/>
-            </a:solidFill>
-            <a:round/>
-          </a:ln>
-        </p:spPr>
-        <p:style>
-          <a:lnRef idx="0">
-            <a:scrgbClr r="0" g="0" b="0"/>
-          </a:lnRef>
-          <a:fillRef idx="0">
-            <a:scrgbClr r="0" g="0" b="0"/>
-          </a:fillRef>
-          <a:effectRef idx="0">
-            <a:scrgbClr r="0" g="0" b="0"/>
-          </a:effectRef>
-          <a:fontRef idx="minor"/>
-        </p:style>
-        <p:txBody>
-          <a:bodyPr wrap="none" lIns="99360" tIns="54360" rIns="99360" bIns="54360" anchor="ctr"/>
-          <a:lstStyle/>
-          <a:p>
-            <a:pPr algn="ctr">
-              <a:lnSpc>
-                <a:spcPct val="100000"/>
-              </a:lnSpc>
-            </a:pPr>
-            <a:r>
-              <a:rPr lang="en-US" sz="1800" b="0" strike="noStrike" spc="-1">
-                <a:solidFill>
-                  <a:srgbClr val="000000"/>
-                </a:solidFill>
-                <a:latin typeface="Arial"/>
-                <a:ea typeface="DejaVu Sans"/>
-              </a:rPr>
-              <a:t>7</a:t>
-            </a:r>
-            <a:endParaRPr lang="en-US" sz="1800" b="0" strike="noStrike" spc="-1">
-              <a:latin typeface="Arial"/>
-            </a:endParaRPr>
-          </a:p>
-        </p:txBody>
-      </p:sp>
-      <p:sp>
-        <p:nvSpPr>
-          <p:cNvPr id="189" name="CustomShape 18"/>
-          <p:cNvSpPr/>
-          <p:nvPr/>
-        </p:nvSpPr>
-        <p:spPr>
-          <a:xfrm>
-            <a:off x="2743200" y="1737720"/>
-            <a:ext cx="1095480" cy="454680"/>
-          </a:xfrm>
-          <a:custGeom>
-            <a:avLst/>
-            <a:gdLst/>
-            <a:ahLst/>
-            <a:cxnLst/>
-            <a:rect l="l" t="t" r="r" b="b"/>
-            <a:pathLst>
-              <a:path w="3050" h="1271">
-                <a:moveTo>
-                  <a:pt x="0" y="0"/>
-                </a:moveTo>
-                <a:lnTo>
-                  <a:pt x="3049" y="0"/>
-                </a:lnTo>
-                <a:lnTo>
-                  <a:pt x="2018" y="1270"/>
-                </a:lnTo>
-                <a:lnTo>
-                  <a:pt x="1031" y="1270"/>
-                </a:lnTo>
-                <a:lnTo>
-                  <a:pt x="0" y="0"/>
-                </a:lnTo>
-              </a:path>
-            </a:pathLst>
-          </a:custGeom>
-          <a:noFill/>
-          <a:ln w="19050">
-            <a:solidFill>
-              <a:srgbClr val="808080"/>
-            </a:solidFill>
-            <a:round/>
-          </a:ln>
-        </p:spPr>
-        <p:style>
-          <a:lnRef idx="0">
-            <a:scrgbClr r="0" g="0" b="0"/>
-          </a:lnRef>
-          <a:fillRef idx="0">
-            <a:scrgbClr r="0" g="0" b="0"/>
-          </a:fillRef>
-          <a:effectRef idx="0">
-            <a:scrgbClr r="0" g="0" b="0"/>
-          </a:effectRef>
-          <a:fontRef idx="minor"/>
-        </p:style>
-        <p:txBody>
-          <a:bodyPr wrap="none" lIns="99000" tIns="54000" rIns="99000" bIns="54000" anchor="ctr"/>
-          <a:lstStyle/>
-          <a:p>
-            <a:pPr algn="ctr">
-              <a:lnSpc>
-                <a:spcPct val="100000"/>
-              </a:lnSpc>
-            </a:pPr>
-            <a:r>
-              <a:rPr lang="en-US" sz="1800" b="0" strike="noStrike" spc="-1">
-                <a:solidFill>
-                  <a:srgbClr val="000000"/>
-                </a:solidFill>
-                <a:latin typeface="Arial"/>
-                <a:ea typeface="DejaVu Sans"/>
-              </a:rPr>
-              <a:t>+</a:t>
-            </a:r>
-            <a:endParaRPr lang="en-US" sz="1800" b="0" strike="noStrike" spc="-1">
-              <a:latin typeface="Arial"/>
-            </a:endParaRPr>
-          </a:p>
-        </p:txBody>
-      </p:sp>
-      <p:sp>
-        <p:nvSpPr>
-          <p:cNvPr id="190" name="CustomShape 19"/>
-          <p:cNvSpPr/>
-          <p:nvPr/>
-        </p:nvSpPr>
-        <p:spPr>
-          <a:xfrm>
-            <a:off x="1645560" y="1737720"/>
-            <a:ext cx="1095480" cy="454680"/>
-          </a:xfrm>
-          <a:custGeom>
-            <a:avLst/>
-            <a:gdLst/>
-            <a:ahLst/>
-            <a:cxnLst/>
-            <a:rect l="l" t="t" r="r" b="b"/>
-            <a:pathLst>
-              <a:path w="3050" h="1271">
-                <a:moveTo>
-                  <a:pt x="0" y="0"/>
-                </a:moveTo>
-                <a:lnTo>
-                  <a:pt x="3049" y="0"/>
-                </a:lnTo>
-                <a:lnTo>
-                  <a:pt x="2018" y="1270"/>
-                </a:lnTo>
-                <a:lnTo>
-                  <a:pt x="1031" y="1270"/>
-                </a:lnTo>
-                <a:lnTo>
-                  <a:pt x="0" y="0"/>
-                </a:lnTo>
-              </a:path>
-            </a:pathLst>
-          </a:custGeom>
-          <a:noFill/>
-          <a:ln w="19050">
-            <a:solidFill>
-              <a:srgbClr val="808080"/>
-            </a:solidFill>
-            <a:round/>
-          </a:ln>
-        </p:spPr>
-        <p:style>
-          <a:lnRef idx="0">
-            <a:scrgbClr r="0" g="0" b="0"/>
-          </a:lnRef>
-          <a:fillRef idx="0">
-            <a:scrgbClr r="0" g="0" b="0"/>
-          </a:fillRef>
-          <a:effectRef idx="0">
-            <a:scrgbClr r="0" g="0" b="0"/>
-          </a:effectRef>
-          <a:fontRef idx="minor"/>
-        </p:style>
-        <p:txBody>
-          <a:bodyPr wrap="none" lIns="99000" tIns="54000" rIns="99000" bIns="54000" anchor="ctr"/>
-          <a:lstStyle/>
-          <a:p>
-            <a:pPr algn="ctr">
-              <a:lnSpc>
-                <a:spcPct val="100000"/>
-              </a:lnSpc>
-            </a:pPr>
-            <a:r>
-              <a:rPr lang="en-US" sz="1800" b="0" strike="noStrike" spc="-1">
-                <a:solidFill>
-                  <a:srgbClr val="000000"/>
-                </a:solidFill>
-                <a:latin typeface="Arial"/>
-                <a:ea typeface="DejaVu Sans"/>
-              </a:rPr>
-              <a:t>+</a:t>
-            </a:r>
-            <a:endParaRPr lang="en-US" sz="1800" b="0" strike="noStrike" spc="-1">
-              <a:latin typeface="Arial"/>
-            </a:endParaRPr>
-          </a:p>
-        </p:txBody>
-      </p:sp>
-      <p:sp>
-        <p:nvSpPr>
-          <p:cNvPr id="191" name="CustomShape 20"/>
-          <p:cNvSpPr/>
-          <p:nvPr/>
-        </p:nvSpPr>
-        <p:spPr>
-          <a:xfrm>
-            <a:off x="2011320" y="3474720"/>
-            <a:ext cx="1095480" cy="454680"/>
-          </a:xfrm>
-          <a:custGeom>
-            <a:avLst/>
-            <a:gdLst/>
-            <a:ahLst/>
-            <a:cxnLst/>
-            <a:rect l="l" t="t" r="r" b="b"/>
-            <a:pathLst>
-              <a:path w="3050" h="1271">
-                <a:moveTo>
-                  <a:pt x="0" y="0"/>
-                </a:moveTo>
-                <a:lnTo>
-                  <a:pt x="3049" y="0"/>
-                </a:lnTo>
-                <a:lnTo>
-                  <a:pt x="2018" y="1270"/>
-                </a:lnTo>
-                <a:lnTo>
-                  <a:pt x="1031" y="1270"/>
-                </a:lnTo>
-                <a:lnTo>
-                  <a:pt x="0" y="0"/>
-                </a:lnTo>
-              </a:path>
-            </a:pathLst>
-          </a:custGeom>
-          <a:noFill/>
-          <a:ln w="19050">
-            <a:solidFill>
-              <a:srgbClr val="808080"/>
-            </a:solidFill>
-            <a:round/>
-          </a:ln>
-        </p:spPr>
-        <p:style>
-          <a:lnRef idx="0">
-            <a:scrgbClr r="0" g="0" b="0"/>
-          </a:lnRef>
-          <a:fillRef idx="0">
-            <a:scrgbClr r="0" g="0" b="0"/>
-          </a:fillRef>
-          <a:effectRef idx="0">
-            <a:scrgbClr r="0" g="0" b="0"/>
-          </a:effectRef>
-          <a:fontRef idx="minor"/>
-        </p:style>
-        <p:txBody>
-          <a:bodyPr wrap="none" lIns="99000" tIns="54000" rIns="99000" bIns="54000" anchor="ctr"/>
-          <a:lstStyle/>
-          <a:p>
-            <a:pPr algn="ctr">
-              <a:lnSpc>
-                <a:spcPct val="100000"/>
-              </a:lnSpc>
-            </a:pPr>
-            <a:r>
-              <a:rPr lang="en-US" sz="1800" b="0" strike="noStrike" spc="-1">
-                <a:solidFill>
-                  <a:srgbClr val="000000"/>
-                </a:solidFill>
-                <a:latin typeface="Arial"/>
-                <a:ea typeface="DejaVu Sans"/>
-              </a:rPr>
-              <a:t>+</a:t>
-            </a:r>
-            <a:endParaRPr lang="en-US" sz="1800" b="0" strike="noStrike" spc="-1">
-              <a:latin typeface="Arial"/>
-            </a:endParaRPr>
-          </a:p>
-        </p:txBody>
-      </p:sp>
-      <p:sp>
-        <p:nvSpPr>
-          <p:cNvPr id="192" name="CustomShape 21"/>
-          <p:cNvSpPr/>
-          <p:nvPr/>
-        </p:nvSpPr>
-        <p:spPr>
-          <a:xfrm>
-            <a:off x="3108960" y="3474720"/>
-            <a:ext cx="1095480" cy="454680"/>
-          </a:xfrm>
-          <a:custGeom>
-            <a:avLst/>
-            <a:gdLst/>
-            <a:ahLst/>
-            <a:cxnLst/>
-            <a:rect l="l" t="t" r="r" b="b"/>
-            <a:pathLst>
-              <a:path w="3050" h="1271">
-                <a:moveTo>
-                  <a:pt x="0" y="0"/>
-                </a:moveTo>
-                <a:lnTo>
-                  <a:pt x="3049" y="0"/>
-                </a:lnTo>
-                <a:lnTo>
-                  <a:pt x="2018" y="1270"/>
-                </a:lnTo>
-                <a:lnTo>
-                  <a:pt x="1031" y="1270"/>
-                </a:lnTo>
-                <a:lnTo>
-                  <a:pt x="0" y="0"/>
-                </a:lnTo>
-              </a:path>
-            </a:pathLst>
-          </a:custGeom>
-          <a:noFill/>
-          <a:ln w="19050">
-            <a:solidFill>
-              <a:srgbClr val="808080"/>
-            </a:solidFill>
-            <a:round/>
-          </a:ln>
-        </p:spPr>
-        <p:style>
-          <a:lnRef idx="0">
-            <a:scrgbClr r="0" g="0" b="0"/>
-          </a:lnRef>
-          <a:fillRef idx="0">
-            <a:scrgbClr r="0" g="0" b="0"/>
-          </a:fillRef>
-          <a:effectRef idx="0">
-            <a:scrgbClr r="0" g="0" b="0"/>
-          </a:effectRef>
-          <a:fontRef idx="minor"/>
-        </p:style>
-        <p:txBody>
-          <a:bodyPr wrap="none" lIns="99000" tIns="54000" rIns="99000" bIns="54000" anchor="ctr"/>
-          <a:lstStyle/>
-          <a:p>
-            <a:pPr algn="ctr">
-              <a:lnSpc>
-                <a:spcPct val="100000"/>
-              </a:lnSpc>
-            </a:pPr>
-            <a:r>
-              <a:rPr lang="en-US" sz="1800" b="0" strike="noStrike" spc="-1">
-                <a:solidFill>
-                  <a:srgbClr val="000000"/>
-                </a:solidFill>
-                <a:latin typeface="Arial"/>
-                <a:ea typeface="DejaVu Sans"/>
-              </a:rPr>
-              <a:t>+</a:t>
-            </a:r>
-            <a:endParaRPr lang="en-US" sz="1800" b="0" strike="noStrike" spc="-1">
-              <a:latin typeface="Arial"/>
-            </a:endParaRPr>
-          </a:p>
-        </p:txBody>
-      </p:sp>
-      <p:sp>
-        <p:nvSpPr>
-          <p:cNvPr id="193" name="Line 22"/>
-          <p:cNvSpPr/>
-          <p:nvPr/>
-        </p:nvSpPr>
-        <p:spPr>
-          <a:xfrm>
-            <a:off x="1646280" y="1554480"/>
-            <a:ext cx="360" cy="1097280"/>
-          </a:xfrm>
-          <a:prstGeom prst="line">
-            <a:avLst/>
-          </a:prstGeom>
-          <a:ln w="18360" cap="rnd">
-            <a:solidFill>
-              <a:srgbClr val="000000"/>
-            </a:solidFill>
-            <a:custDash>
-              <a:ds d="300000" sp="300000"/>
-            </a:custDash>
-            <a:round/>
-          </a:ln>
-        </p:spPr>
-        <p:style>
-          <a:lnRef idx="0">
-            <a:scrgbClr r="0" g="0" b="0"/>
-          </a:lnRef>
-          <a:fillRef idx="0">
-            <a:scrgbClr r="0" g="0" b="0"/>
-          </a:fillRef>
-          <a:effectRef idx="0">
-            <a:scrgbClr r="0" g="0" b="0"/>
-          </a:effectRef>
-          <a:fontRef idx="minor"/>
-        </p:style>
-      </p:sp>
-      <p:sp>
-        <p:nvSpPr>
-          <p:cNvPr id="194" name="CustomShape 23"/>
-          <p:cNvSpPr/>
-          <p:nvPr/>
-        </p:nvSpPr>
-        <p:spPr>
-          <a:xfrm rot="16251000">
-            <a:off x="1000800" y="2021040"/>
-            <a:ext cx="911880" cy="344160"/>
-          </a:xfrm>
-          <a:prstGeom prst="rect">
-            <a:avLst/>
-          </a:prstGeom>
-          <a:noFill/>
+      <p:pic>
+        <p:nvPicPr>
+          <p:cNvPr id="58" name="Picture 2">
+            <a:extLst>
+              <a:ext uri="{FF2B5EF4-FFF2-40B4-BE49-F238E27FC236}">
+                <a16:creationId xmlns:a16="http://schemas.microsoft.com/office/drawing/2014/main" id="{EB06F401-D348-084D-9C48-599A9F88E8B6}"/>
+              </a:ext>
+            </a:extLst>
+          </p:cNvPr>
+          <p:cNvPicPr/>
+          <p:nvPr/>
+        </p:nvPicPr>
+        <p:blipFill>
+          <a:blip r:embed="rId2"/>
+          <a:srcRect t="2095" r="1571" b="22935"/>
+          <a:stretch/>
+        </p:blipFill>
+        <p:spPr>
+          <a:xfrm>
+            <a:off x="1107206" y="1046261"/>
+            <a:ext cx="9694115" cy="6493464"/>
+          </a:xfrm>
+          <a:prstGeom prst="rect">
+            <a:avLst/>
+          </a:prstGeom>
           <a:ln>
             <a:noFill/>
           </a:ln>
         </p:spPr>
-        <p:style>
-          <a:lnRef idx="0">
-            <a:scrgbClr r="0" g="0" b="0"/>
-          </a:lnRef>
-          <a:fillRef idx="0">
-            <a:scrgbClr r="0" g="0" b="0"/>
-          </a:fillRef>
-          <a:effectRef idx="0">
-            <a:scrgbClr r="0" g="0" b="0"/>
-          </a:effectRef>
-          <a:fontRef idx="minor"/>
-        </p:style>
-        <p:txBody>
-          <a:bodyPr lIns="90000" tIns="45000" rIns="90000" bIns="45000" anchor="ctr"/>
-          <a:lstStyle/>
-          <a:p>
-            <a:pPr>
-              <a:lnSpc>
-                <a:spcPct val="100000"/>
-              </a:lnSpc>
-            </a:pPr>
-            <a:r>
-              <a:rPr lang="en-US" sz="1800" b="0" strike="noStrike" spc="-1">
-                <a:solidFill>
-                  <a:srgbClr val="000000"/>
-                </a:solidFill>
-                <a:latin typeface="Arial"/>
-                <a:ea typeface="DejaVu Sans"/>
-              </a:rPr>
-              <a:t>Start</a:t>
-            </a:r>
-            <a:endParaRPr lang="en-US" sz="1800" b="0" strike="noStrike" spc="-1">
-              <a:latin typeface="Arial"/>
-            </a:endParaRPr>
-          </a:p>
-        </p:txBody>
-      </p:sp>
-      <p:sp>
-        <p:nvSpPr>
-          <p:cNvPr id="195" name="Line 24"/>
-          <p:cNvSpPr/>
-          <p:nvPr/>
-        </p:nvSpPr>
-        <p:spPr>
-          <a:xfrm>
-            <a:off x="2011680" y="3291840"/>
-            <a:ext cx="360" cy="1097280"/>
-          </a:xfrm>
-          <a:prstGeom prst="line">
-            <a:avLst/>
-          </a:prstGeom>
-          <a:ln w="18360" cap="rnd">
-            <a:solidFill>
-              <a:srgbClr val="000000"/>
-            </a:solidFill>
-            <a:custDash>
-              <a:ds d="300000" sp="300000"/>
-            </a:custDash>
-            <a:round/>
-          </a:ln>
-        </p:spPr>
-        <p:style>
-          <a:lnRef idx="0">
-            <a:scrgbClr r="0" g="0" b="0"/>
-          </a:lnRef>
-          <a:fillRef idx="0">
-            <a:scrgbClr r="0" g="0" b="0"/>
-          </a:fillRef>
-          <a:effectRef idx="0">
-            <a:scrgbClr r="0" g="0" b="0"/>
-          </a:effectRef>
-          <a:fontRef idx="minor"/>
-        </p:style>
-      </p:sp>
-      <p:sp>
-        <p:nvSpPr>
-          <p:cNvPr id="196" name="CustomShape 25"/>
-          <p:cNvSpPr/>
-          <p:nvPr/>
-        </p:nvSpPr>
-        <p:spPr>
-          <a:xfrm rot="16251000">
-            <a:off x="1411560" y="3804120"/>
-            <a:ext cx="820440" cy="344160"/>
-          </a:xfrm>
-          <a:prstGeom prst="rect">
-            <a:avLst/>
-          </a:prstGeom>
-          <a:noFill/>
+      </p:pic>
+      <p:sp>
+        <p:nvSpPr>
+          <p:cNvPr id="150" name="CustomShape 13"/>
+          <p:cNvSpPr/>
+          <p:nvPr/>
+        </p:nvSpPr>
+        <p:spPr>
+          <a:xfrm>
+            <a:off x="4357108" y="1052508"/>
+            <a:ext cx="3200400" cy="3200400"/>
+          </a:xfrm>
+          <a:prstGeom prst="rect">
+            <a:avLst/>
+          </a:prstGeom>
+          <a:noFill/>
+          <a:ln w="36720">
+            <a:solidFill>
+              <a:srgbClr val="F37B70"/>
+            </a:solidFill>
+            <a:round/>
+          </a:ln>
+        </p:spPr>
+        <p:style>
+          <a:lnRef idx="2">
+            <a:schemeClr val="accent1">
+              <a:shade val="50000"/>
+            </a:schemeClr>
+          </a:lnRef>
+          <a:fillRef idx="1">
+            <a:schemeClr val="accent1"/>
+          </a:fillRef>
+          <a:effectRef idx="0">
+            <a:schemeClr val="accent1"/>
+          </a:effectRef>
+          <a:fontRef idx="minor"/>
+        </p:style>
+      </p:sp>
+      <p:sp>
+        <p:nvSpPr>
+          <p:cNvPr id="152" name="CustomShape 15"/>
+          <p:cNvSpPr/>
+          <p:nvPr/>
+        </p:nvSpPr>
+        <p:spPr>
+          <a:xfrm>
+            <a:off x="3901193" y="1046763"/>
+            <a:ext cx="457200" cy="3657600"/>
+          </a:xfrm>
+          <a:prstGeom prst="rect">
+            <a:avLst/>
+          </a:prstGeom>
+          <a:solidFill>
+            <a:srgbClr val="F37B70">
+              <a:alpha val="20000"/>
+            </a:srgbClr>
+          </a:solidFill>
           <a:ln>
             <a:noFill/>
           </a:ln>
         </p:spPr>
         <p:style>
-          <a:lnRef idx="0">
-            <a:scrgbClr r="0" g="0" b="0"/>
-          </a:lnRef>
-          <a:fillRef idx="0">
-            <a:scrgbClr r="0" g="0" b="0"/>
-          </a:fillRef>
-          <a:effectRef idx="0">
-            <a:scrgbClr r="0" g="0" b="0"/>
-          </a:effectRef>
-          <a:fontRef idx="minor"/>
-        </p:style>
-        <p:txBody>
-          <a:bodyPr lIns="90000" tIns="45000" rIns="90000" bIns="45000" anchor="ctr"/>
-          <a:lstStyle/>
-          <a:p>
-            <a:pPr>
-              <a:lnSpc>
-                <a:spcPct val="100000"/>
-              </a:lnSpc>
-            </a:pPr>
-            <a:r>
-              <a:rPr lang="en-US" sz="1800" b="0" strike="noStrike" spc="-1">
-                <a:solidFill>
-                  <a:srgbClr val="000000"/>
-                </a:solidFill>
-                <a:latin typeface="Arial"/>
-                <a:ea typeface="DejaVu Sans"/>
-              </a:rPr>
-              <a:t>Start</a:t>
-            </a:r>
-            <a:endParaRPr lang="en-US" sz="1800" b="0" strike="noStrike" spc="-1">
-              <a:latin typeface="Arial"/>
-            </a:endParaRPr>
-          </a:p>
-        </p:txBody>
-      </p:sp>
-      <p:sp>
-        <p:nvSpPr>
-          <p:cNvPr id="197" name="CustomShape 26"/>
-          <p:cNvSpPr/>
-          <p:nvPr/>
-        </p:nvSpPr>
-        <p:spPr>
-          <a:xfrm>
-            <a:off x="3108960" y="2286000"/>
-            <a:ext cx="363600" cy="363600"/>
-          </a:xfrm>
-          <a:prstGeom prst="rect">
-            <a:avLst/>
-          </a:prstGeom>
-          <a:noFill/>
-          <a:ln w="18360">
-            <a:solidFill>
-              <a:srgbClr val="000000"/>
-            </a:solidFill>
-            <a:round/>
-          </a:ln>
-        </p:spPr>
-        <p:style>
-          <a:lnRef idx="0">
-            <a:scrgbClr r="0" g="0" b="0"/>
-          </a:lnRef>
-          <a:fillRef idx="0">
-            <a:scrgbClr r="0" g="0" b="0"/>
-          </a:fillRef>
-          <a:effectRef idx="0">
-            <a:scrgbClr r="0" g="0" b="0"/>
-          </a:effectRef>
-          <a:fontRef idx="minor"/>
-        </p:style>
-        <p:txBody>
-          <a:bodyPr wrap="none" lIns="99360" tIns="54360" rIns="99360" bIns="54360" anchor="ctr"/>
-          <a:lstStyle/>
-          <a:p>
-            <a:pPr algn="ctr">
-              <a:lnSpc>
-                <a:spcPct val="100000"/>
-              </a:lnSpc>
-            </a:pPr>
-            <a:r>
-              <a:rPr lang="en-US" sz="1800" b="0" strike="noStrike" spc="-1" dirty="0">
-                <a:solidFill>
-                  <a:srgbClr val="000000"/>
-                </a:solidFill>
-                <a:latin typeface="Arial"/>
-                <a:ea typeface="DejaVu Sans"/>
-              </a:rPr>
-              <a:t>15</a:t>
-            </a:r>
-            <a:endParaRPr lang="en-US" sz="1800" b="0" strike="noStrike" spc="-1" dirty="0">
-              <a:latin typeface="Arial"/>
-            </a:endParaRPr>
-          </a:p>
-        </p:txBody>
-      </p:sp>
-      <p:sp>
-        <p:nvSpPr>
-          <p:cNvPr id="198" name="CustomShape 27"/>
-          <p:cNvSpPr/>
-          <p:nvPr/>
-        </p:nvSpPr>
-        <p:spPr>
-          <a:xfrm>
-            <a:off x="1244160" y="3017520"/>
-            <a:ext cx="363600" cy="363600"/>
-          </a:xfrm>
-          <a:prstGeom prst="rect">
-            <a:avLst/>
-          </a:prstGeom>
-          <a:noFill/>
-          <a:ln w="18360">
-            <a:solidFill>
-              <a:srgbClr val="FFFFFF">
-                <a:alpha val="0"/>
-              </a:srgbClr>
-            </a:solidFill>
-            <a:round/>
-          </a:ln>
-        </p:spPr>
-        <p:style>
-          <a:lnRef idx="0">
-            <a:scrgbClr r="0" g="0" b="0"/>
-          </a:lnRef>
-          <a:fillRef idx="0">
-            <a:scrgbClr r="0" g="0" b="0"/>
-          </a:fillRef>
-          <a:effectRef idx="0">
-            <a:scrgbClr r="0" g="0" b="0"/>
-          </a:effectRef>
-          <a:fontRef idx="minor"/>
-        </p:style>
-      </p:sp>
-      <p:sp>
-        <p:nvSpPr>
-          <p:cNvPr id="199" name="CustomShape 28"/>
-          <p:cNvSpPr/>
-          <p:nvPr/>
-        </p:nvSpPr>
-        <p:spPr>
-          <a:xfrm>
-            <a:off x="4242240" y="3017520"/>
-            <a:ext cx="363600" cy="363600"/>
-          </a:xfrm>
-          <a:prstGeom prst="rect">
-            <a:avLst/>
-          </a:prstGeom>
-          <a:noFill/>
-          <a:ln w="18360">
-            <a:solidFill>
-              <a:srgbClr val="FFFFFF">
-                <a:alpha val="0"/>
-              </a:srgbClr>
-            </a:solidFill>
-            <a:round/>
-          </a:ln>
-        </p:spPr>
-        <p:style>
-          <a:lnRef idx="0">
-            <a:scrgbClr r="0" g="0" b="0"/>
-          </a:lnRef>
-          <a:fillRef idx="0">
-            <a:scrgbClr r="0" g="0" b="0"/>
-          </a:fillRef>
-          <a:effectRef idx="0">
-            <a:scrgbClr r="0" g="0" b="0"/>
-          </a:effectRef>
-          <a:fontRef idx="minor"/>
-        </p:style>
-      </p:sp>
-      <p:sp>
-        <p:nvSpPr>
-          <p:cNvPr id="200" name="CustomShape 29"/>
-          <p:cNvSpPr/>
-          <p:nvPr/>
-        </p:nvSpPr>
-        <p:spPr>
-          <a:xfrm>
-            <a:off x="4572000" y="3017520"/>
-            <a:ext cx="363600" cy="363600"/>
-          </a:xfrm>
-          <a:prstGeom prst="rect">
-            <a:avLst/>
-          </a:prstGeom>
-          <a:noFill/>
-          <a:ln w="18360">
-            <a:solidFill>
-              <a:srgbClr val="FFFFFF">
-                <a:alpha val="0"/>
-              </a:srgbClr>
-            </a:solidFill>
-            <a:round/>
-          </a:ln>
-        </p:spPr>
-        <p:style>
-          <a:lnRef idx="0">
-            <a:scrgbClr r="0" g="0" b="0"/>
-          </a:lnRef>
-          <a:fillRef idx="0">
-            <a:scrgbClr r="0" g="0" b="0"/>
-          </a:fillRef>
-          <a:effectRef idx="0">
-            <a:scrgbClr r="0" g="0" b="0"/>
-          </a:effectRef>
-          <a:fontRef idx="minor"/>
-        </p:style>
-      </p:sp>
-      <p:sp>
-        <p:nvSpPr>
-          <p:cNvPr id="201" name="CustomShape 30"/>
-          <p:cNvSpPr/>
-          <p:nvPr/>
-        </p:nvSpPr>
-        <p:spPr>
-          <a:xfrm>
-            <a:off x="548640" y="3017520"/>
-            <a:ext cx="363600" cy="363600"/>
-          </a:xfrm>
-          <a:prstGeom prst="rect">
-            <a:avLst/>
-          </a:prstGeom>
-          <a:noFill/>
-          <a:ln w="18360">
-            <a:solidFill>
-              <a:srgbClr val="FFFFFF">
-                <a:alpha val="0"/>
-              </a:srgbClr>
-            </a:solidFill>
-            <a:round/>
-          </a:ln>
-        </p:spPr>
-        <p:style>
-          <a:lnRef idx="0">
-            <a:scrgbClr r="0" g="0" b="0"/>
-          </a:lnRef>
-          <a:fillRef idx="0">
-            <a:scrgbClr r="0" g="0" b="0"/>
-          </a:fillRef>
-          <a:effectRef idx="0">
-            <a:scrgbClr r="0" g="0" b="0"/>
-          </a:effectRef>
-          <a:fontRef idx="minor"/>
-        </p:style>
-      </p:sp>
-      <p:sp>
-        <p:nvSpPr>
-          <p:cNvPr id="202" name="CustomShape 31"/>
-          <p:cNvSpPr/>
-          <p:nvPr/>
-        </p:nvSpPr>
-        <p:spPr>
-          <a:xfrm>
-            <a:off x="914400" y="3017520"/>
-            <a:ext cx="363600" cy="363600"/>
-          </a:xfrm>
-          <a:prstGeom prst="rect">
-            <a:avLst/>
-          </a:prstGeom>
-          <a:noFill/>
-          <a:ln w="18360">
-            <a:solidFill>
-              <a:srgbClr val="FFFFFF">
-                <a:alpha val="0"/>
-              </a:srgbClr>
-            </a:solidFill>
-            <a:round/>
-          </a:ln>
-        </p:spPr>
-        <p:style>
-          <a:lnRef idx="0">
-            <a:scrgbClr r="0" g="0" b="0"/>
-          </a:lnRef>
-          <a:fillRef idx="0">
-            <a:scrgbClr r="0" g="0" b="0"/>
-          </a:fillRef>
-          <a:effectRef idx="0">
-            <a:scrgbClr r="0" g="0" b="0"/>
+          <a:lnRef idx="2">
+            <a:schemeClr val="accent1">
+              <a:shade val="50000"/>
+            </a:schemeClr>
+          </a:lnRef>
+          <a:fillRef idx="1">
+            <a:schemeClr val="accent1"/>
+          </a:fillRef>
+          <a:effectRef idx="0">
+            <a:schemeClr val="accent1"/>
+          </a:effectRef>
+          <a:fontRef idx="minor"/>
+        </p:style>
+      </p:sp>
+      <p:sp>
+        <p:nvSpPr>
+          <p:cNvPr id="155" name="CustomShape 18"/>
+          <p:cNvSpPr/>
+          <p:nvPr/>
+        </p:nvSpPr>
+        <p:spPr>
+          <a:xfrm>
+            <a:off x="4356954" y="4250091"/>
+            <a:ext cx="3200400" cy="457200"/>
+          </a:xfrm>
+          <a:prstGeom prst="rect">
+            <a:avLst/>
+          </a:prstGeom>
+          <a:solidFill>
+            <a:srgbClr val="F37B70">
+              <a:alpha val="20000"/>
+            </a:srgbClr>
+          </a:solidFill>
+          <a:ln>
+            <a:noFill/>
+          </a:ln>
+        </p:spPr>
+        <p:style>
+          <a:lnRef idx="2">
+            <a:schemeClr val="accent1">
+              <a:shade val="50000"/>
+            </a:schemeClr>
+          </a:lnRef>
+          <a:fillRef idx="1">
+            <a:schemeClr val="accent1"/>
+          </a:fillRef>
+          <a:effectRef idx="0">
+            <a:schemeClr val="accent1"/>
+          </a:effectRef>
+          <a:fontRef idx="minor"/>
+        </p:style>
+      </p:sp>
+      <p:sp>
+        <p:nvSpPr>
+          <p:cNvPr id="29" name="CustomShape 18">
+            <a:extLst>
+              <a:ext uri="{FF2B5EF4-FFF2-40B4-BE49-F238E27FC236}">
+                <a16:creationId xmlns:a16="http://schemas.microsoft.com/office/drawing/2014/main" id="{F7F41300-7194-0549-91C1-684BE8345ECA}"/>
+              </a:ext>
+            </a:extLst>
+          </p:cNvPr>
+          <p:cNvSpPr/>
+          <p:nvPr/>
+        </p:nvSpPr>
+        <p:spPr>
+          <a:xfrm>
+            <a:off x="3901192" y="591463"/>
+            <a:ext cx="4113361" cy="457200"/>
+          </a:xfrm>
+          <a:prstGeom prst="rect">
+            <a:avLst/>
+          </a:prstGeom>
+          <a:solidFill>
+            <a:srgbClr val="F37B70">
+              <a:alpha val="20000"/>
+            </a:srgbClr>
+          </a:solidFill>
+          <a:ln>
+            <a:noFill/>
+          </a:ln>
+        </p:spPr>
+        <p:style>
+          <a:lnRef idx="2">
+            <a:schemeClr val="accent1">
+              <a:shade val="50000"/>
+            </a:schemeClr>
+          </a:lnRef>
+          <a:fillRef idx="1">
+            <a:schemeClr val="accent1"/>
+          </a:fillRef>
+          <a:effectRef idx="0">
+            <a:schemeClr val="accent1"/>
+          </a:effectRef>
+          <a:fontRef idx="minor"/>
+        </p:style>
+      </p:sp>
+      <p:sp>
+        <p:nvSpPr>
+          <p:cNvPr id="30" name="CustomShape 15">
+            <a:extLst>
+              <a:ext uri="{FF2B5EF4-FFF2-40B4-BE49-F238E27FC236}">
+                <a16:creationId xmlns:a16="http://schemas.microsoft.com/office/drawing/2014/main" id="{9D5A0733-3041-3A42-94C5-5ADA5919C467}"/>
+              </a:ext>
+            </a:extLst>
+          </p:cNvPr>
+          <p:cNvSpPr/>
+          <p:nvPr/>
+        </p:nvSpPr>
+        <p:spPr>
+          <a:xfrm>
+            <a:off x="7557354" y="1048663"/>
+            <a:ext cx="457200" cy="3657600"/>
+          </a:xfrm>
+          <a:prstGeom prst="rect">
+            <a:avLst/>
+          </a:prstGeom>
+          <a:solidFill>
+            <a:srgbClr val="F37B70">
+              <a:alpha val="20000"/>
+            </a:srgbClr>
+          </a:solidFill>
+          <a:ln>
+            <a:noFill/>
+          </a:ln>
+        </p:spPr>
+        <p:style>
+          <a:lnRef idx="2">
+            <a:schemeClr val="accent1">
+              <a:shade val="50000"/>
+            </a:schemeClr>
+          </a:lnRef>
+          <a:fillRef idx="1">
+            <a:schemeClr val="accent1"/>
+          </a:fillRef>
+          <a:effectRef idx="0">
+            <a:schemeClr val="accent1"/>
+          </a:effectRef>
+          <a:fontRef idx="minor"/>
+        </p:style>
+      </p:sp>
+      <p:sp>
+        <p:nvSpPr>
+          <p:cNvPr id="31" name="CustomShape 13">
+            <a:extLst>
+              <a:ext uri="{FF2B5EF4-FFF2-40B4-BE49-F238E27FC236}">
+                <a16:creationId xmlns:a16="http://schemas.microsoft.com/office/drawing/2014/main" id="{1D956FE9-F1AA-E643-BCA8-B2D86607409E}"/>
+              </a:ext>
+            </a:extLst>
+          </p:cNvPr>
+          <p:cNvSpPr/>
+          <p:nvPr/>
+        </p:nvSpPr>
+        <p:spPr>
+          <a:xfrm>
+            <a:off x="1119490" y="1055183"/>
+            <a:ext cx="3200400" cy="3200400"/>
+          </a:xfrm>
+          <a:prstGeom prst="rect">
+            <a:avLst/>
+          </a:prstGeom>
+          <a:noFill/>
+          <a:ln w="36720">
+            <a:solidFill>
+              <a:schemeClr val="accent1">
+                <a:lumMod val="60000"/>
+                <a:lumOff val="40000"/>
+              </a:schemeClr>
+            </a:solidFill>
+            <a:round/>
+          </a:ln>
+        </p:spPr>
+        <p:style>
+          <a:lnRef idx="2">
+            <a:schemeClr val="accent1">
+              <a:shade val="50000"/>
+            </a:schemeClr>
+          </a:lnRef>
+          <a:fillRef idx="1">
+            <a:schemeClr val="accent1"/>
+          </a:fillRef>
+          <a:effectRef idx="0">
+            <a:schemeClr val="accent1"/>
+          </a:effectRef>
+          <a:fontRef idx="minor"/>
+        </p:style>
+      </p:sp>
+      <p:sp>
+        <p:nvSpPr>
+          <p:cNvPr id="32" name="CustomShape 15">
+            <a:extLst>
+              <a:ext uri="{FF2B5EF4-FFF2-40B4-BE49-F238E27FC236}">
+                <a16:creationId xmlns:a16="http://schemas.microsoft.com/office/drawing/2014/main" id="{B8CDEC77-74B9-4342-83CC-09E45FAB4FA8}"/>
+              </a:ext>
+            </a:extLst>
+          </p:cNvPr>
+          <p:cNvSpPr/>
+          <p:nvPr/>
+        </p:nvSpPr>
+        <p:spPr>
+          <a:xfrm>
+            <a:off x="663575" y="1059486"/>
+            <a:ext cx="457200" cy="3657600"/>
+          </a:xfrm>
+          <a:prstGeom prst="rect">
+            <a:avLst/>
+          </a:prstGeom>
+          <a:solidFill>
+            <a:schemeClr val="accent1">
+              <a:lumMod val="60000"/>
+              <a:lumOff val="40000"/>
+              <a:alpha val="20000"/>
+            </a:schemeClr>
+          </a:solidFill>
+          <a:ln>
+            <a:noFill/>
+          </a:ln>
+        </p:spPr>
+        <p:style>
+          <a:lnRef idx="2">
+            <a:schemeClr val="accent1">
+              <a:shade val="50000"/>
+            </a:schemeClr>
+          </a:lnRef>
+          <a:fillRef idx="1">
+            <a:schemeClr val="accent1"/>
+          </a:fillRef>
+          <a:effectRef idx="0">
+            <a:schemeClr val="accent1"/>
+          </a:effectRef>
+          <a:fontRef idx="minor"/>
+        </p:style>
+      </p:sp>
+      <p:sp>
+        <p:nvSpPr>
+          <p:cNvPr id="33" name="CustomShape 18">
+            <a:extLst>
+              <a:ext uri="{FF2B5EF4-FFF2-40B4-BE49-F238E27FC236}">
+                <a16:creationId xmlns:a16="http://schemas.microsoft.com/office/drawing/2014/main" id="{C996D42B-8D4A-AC40-935A-859B6BD1511B}"/>
+              </a:ext>
+            </a:extLst>
+          </p:cNvPr>
+          <p:cNvSpPr/>
+          <p:nvPr/>
+        </p:nvSpPr>
+        <p:spPr>
+          <a:xfrm>
+            <a:off x="1119336" y="4252766"/>
+            <a:ext cx="3200400" cy="457200"/>
+          </a:xfrm>
+          <a:prstGeom prst="rect">
+            <a:avLst/>
+          </a:prstGeom>
+          <a:solidFill>
+            <a:schemeClr val="accent1">
+              <a:lumMod val="60000"/>
+              <a:lumOff val="40000"/>
+              <a:alpha val="20000"/>
+            </a:schemeClr>
+          </a:solidFill>
+          <a:ln>
+            <a:noFill/>
+          </a:ln>
+        </p:spPr>
+        <p:style>
+          <a:lnRef idx="2">
+            <a:schemeClr val="accent1">
+              <a:shade val="50000"/>
+            </a:schemeClr>
+          </a:lnRef>
+          <a:fillRef idx="1">
+            <a:schemeClr val="accent1"/>
+          </a:fillRef>
+          <a:effectRef idx="0">
+            <a:schemeClr val="accent1"/>
+          </a:effectRef>
+          <a:fontRef idx="minor"/>
+        </p:style>
+      </p:sp>
+      <p:sp>
+        <p:nvSpPr>
+          <p:cNvPr id="34" name="CustomShape 18">
+            <a:extLst>
+              <a:ext uri="{FF2B5EF4-FFF2-40B4-BE49-F238E27FC236}">
+                <a16:creationId xmlns:a16="http://schemas.microsoft.com/office/drawing/2014/main" id="{9D5C7B2F-6822-3E48-8AD7-782976E3BC97}"/>
+              </a:ext>
+            </a:extLst>
+          </p:cNvPr>
+          <p:cNvSpPr/>
+          <p:nvPr/>
+        </p:nvSpPr>
+        <p:spPr>
+          <a:xfrm>
+            <a:off x="663574" y="594138"/>
+            <a:ext cx="4113361" cy="457200"/>
+          </a:xfrm>
+          <a:prstGeom prst="rect">
+            <a:avLst/>
+          </a:prstGeom>
+          <a:solidFill>
+            <a:schemeClr val="accent1">
+              <a:lumMod val="60000"/>
+              <a:lumOff val="40000"/>
+              <a:alpha val="20000"/>
+            </a:schemeClr>
+          </a:solidFill>
+          <a:ln>
+            <a:noFill/>
+          </a:ln>
+        </p:spPr>
+        <p:style>
+          <a:lnRef idx="2">
+            <a:schemeClr val="accent1">
+              <a:shade val="50000"/>
+            </a:schemeClr>
+          </a:lnRef>
+          <a:fillRef idx="1">
+            <a:schemeClr val="accent1"/>
+          </a:fillRef>
+          <a:effectRef idx="0">
+            <a:schemeClr val="accent1"/>
+          </a:effectRef>
+          <a:fontRef idx="minor"/>
+        </p:style>
+      </p:sp>
+      <p:sp>
+        <p:nvSpPr>
+          <p:cNvPr id="35" name="CustomShape 15">
+            <a:extLst>
+              <a:ext uri="{FF2B5EF4-FFF2-40B4-BE49-F238E27FC236}">
+                <a16:creationId xmlns:a16="http://schemas.microsoft.com/office/drawing/2014/main" id="{1E587E13-35C3-FD45-9620-845A251E400E}"/>
+              </a:ext>
+            </a:extLst>
+          </p:cNvPr>
+          <p:cNvSpPr/>
+          <p:nvPr/>
+        </p:nvSpPr>
+        <p:spPr>
+          <a:xfrm>
+            <a:off x="4319736" y="1051338"/>
+            <a:ext cx="457200" cy="3657600"/>
+          </a:xfrm>
+          <a:prstGeom prst="rect">
+            <a:avLst/>
+          </a:prstGeom>
+          <a:solidFill>
+            <a:schemeClr val="accent1">
+              <a:lumMod val="60000"/>
+              <a:lumOff val="40000"/>
+              <a:alpha val="20000"/>
+            </a:schemeClr>
+          </a:solidFill>
+          <a:ln>
+            <a:noFill/>
+          </a:ln>
+        </p:spPr>
+        <p:style>
+          <a:lnRef idx="2">
+            <a:schemeClr val="accent1">
+              <a:shade val="50000"/>
+            </a:schemeClr>
+          </a:lnRef>
+          <a:fillRef idx="1">
+            <a:schemeClr val="accent1"/>
+          </a:fillRef>
+          <a:effectRef idx="0">
+            <a:schemeClr val="accent1"/>
+          </a:effectRef>
+          <a:fontRef idx="minor"/>
+        </p:style>
+      </p:sp>
+      <p:sp>
+        <p:nvSpPr>
+          <p:cNvPr id="36" name="CustomShape 13">
+            <a:extLst>
+              <a:ext uri="{FF2B5EF4-FFF2-40B4-BE49-F238E27FC236}">
+                <a16:creationId xmlns:a16="http://schemas.microsoft.com/office/drawing/2014/main" id="{FF0E7B72-008F-4F4C-81F3-C301EC6A4DA2}"/>
+              </a:ext>
+            </a:extLst>
+          </p:cNvPr>
+          <p:cNvSpPr/>
+          <p:nvPr/>
+        </p:nvSpPr>
+        <p:spPr>
+          <a:xfrm>
+            <a:off x="4354533" y="4302302"/>
+            <a:ext cx="3200400" cy="3200400"/>
+          </a:xfrm>
+          <a:prstGeom prst="rect">
+            <a:avLst/>
+          </a:prstGeom>
+          <a:noFill/>
+          <a:ln w="36720">
+            <a:solidFill>
+              <a:schemeClr val="accent1">
+                <a:lumMod val="60000"/>
+                <a:lumOff val="40000"/>
+              </a:schemeClr>
+            </a:solidFill>
+            <a:round/>
+          </a:ln>
+        </p:spPr>
+        <p:style>
+          <a:lnRef idx="2">
+            <a:schemeClr val="accent1">
+              <a:shade val="50000"/>
+            </a:schemeClr>
+          </a:lnRef>
+          <a:fillRef idx="1">
+            <a:schemeClr val="accent1"/>
+          </a:fillRef>
+          <a:effectRef idx="0">
+            <a:schemeClr val="accent1"/>
+          </a:effectRef>
+          <a:fontRef idx="minor"/>
+        </p:style>
+      </p:sp>
+      <p:sp>
+        <p:nvSpPr>
+          <p:cNvPr id="37" name="CustomShape 15">
+            <a:extLst>
+              <a:ext uri="{FF2B5EF4-FFF2-40B4-BE49-F238E27FC236}">
+                <a16:creationId xmlns:a16="http://schemas.microsoft.com/office/drawing/2014/main" id="{66CE3EA8-3CEA-3D45-AF63-398D05C78974}"/>
+              </a:ext>
+            </a:extLst>
+          </p:cNvPr>
+          <p:cNvSpPr/>
+          <p:nvPr/>
+        </p:nvSpPr>
+        <p:spPr>
+          <a:xfrm>
+            <a:off x="3891992" y="4299979"/>
+            <a:ext cx="457200" cy="3657600"/>
+          </a:xfrm>
+          <a:prstGeom prst="rect">
+            <a:avLst/>
+          </a:prstGeom>
+          <a:solidFill>
+            <a:schemeClr val="accent1">
+              <a:lumMod val="60000"/>
+              <a:lumOff val="40000"/>
+              <a:alpha val="20000"/>
+            </a:schemeClr>
+          </a:solidFill>
+          <a:ln>
+            <a:noFill/>
+          </a:ln>
+        </p:spPr>
+        <p:style>
+          <a:lnRef idx="2">
+            <a:schemeClr val="accent1">
+              <a:shade val="50000"/>
+            </a:schemeClr>
+          </a:lnRef>
+          <a:fillRef idx="1">
+            <a:schemeClr val="accent1"/>
+          </a:fillRef>
+          <a:effectRef idx="0">
+            <a:schemeClr val="accent1"/>
+          </a:effectRef>
+          <a:fontRef idx="minor"/>
+        </p:style>
+      </p:sp>
+      <p:sp>
+        <p:nvSpPr>
+          <p:cNvPr id="38" name="CustomShape 18">
+            <a:extLst>
+              <a:ext uri="{FF2B5EF4-FFF2-40B4-BE49-F238E27FC236}">
+                <a16:creationId xmlns:a16="http://schemas.microsoft.com/office/drawing/2014/main" id="{9AA15FDB-9749-7B4D-8BAF-4EA8F1A0B03E}"/>
+              </a:ext>
+            </a:extLst>
+          </p:cNvPr>
+          <p:cNvSpPr/>
+          <p:nvPr/>
+        </p:nvSpPr>
+        <p:spPr>
+          <a:xfrm>
+            <a:off x="4347753" y="7493259"/>
+            <a:ext cx="3200400" cy="457200"/>
+          </a:xfrm>
+          <a:prstGeom prst="rect">
+            <a:avLst/>
+          </a:prstGeom>
+          <a:solidFill>
+            <a:schemeClr val="accent1">
+              <a:lumMod val="60000"/>
+              <a:lumOff val="40000"/>
+              <a:alpha val="20000"/>
+            </a:schemeClr>
+          </a:solidFill>
+          <a:ln>
+            <a:noFill/>
+          </a:ln>
+        </p:spPr>
+        <p:style>
+          <a:lnRef idx="2">
+            <a:schemeClr val="accent1">
+              <a:shade val="50000"/>
+            </a:schemeClr>
+          </a:lnRef>
+          <a:fillRef idx="1">
+            <a:schemeClr val="accent1"/>
+          </a:fillRef>
+          <a:effectRef idx="0">
+            <a:schemeClr val="accent1"/>
+          </a:effectRef>
+          <a:fontRef idx="minor"/>
+        </p:style>
+      </p:sp>
+      <p:sp>
+        <p:nvSpPr>
+          <p:cNvPr id="39" name="CustomShape 18">
+            <a:extLst>
+              <a:ext uri="{FF2B5EF4-FFF2-40B4-BE49-F238E27FC236}">
+                <a16:creationId xmlns:a16="http://schemas.microsoft.com/office/drawing/2014/main" id="{95831441-2950-AF40-9AB7-3F7725F0592C}"/>
+              </a:ext>
+            </a:extLst>
+          </p:cNvPr>
+          <p:cNvSpPr/>
+          <p:nvPr/>
+        </p:nvSpPr>
+        <p:spPr>
+          <a:xfrm>
+            <a:off x="3891991" y="3834631"/>
+            <a:ext cx="4113361" cy="457200"/>
+          </a:xfrm>
+          <a:prstGeom prst="rect">
+            <a:avLst/>
+          </a:prstGeom>
+          <a:solidFill>
+            <a:schemeClr val="accent1">
+              <a:lumMod val="60000"/>
+              <a:lumOff val="40000"/>
+              <a:alpha val="20000"/>
+            </a:schemeClr>
+          </a:solidFill>
+          <a:ln>
+            <a:noFill/>
+          </a:ln>
+        </p:spPr>
+        <p:style>
+          <a:lnRef idx="2">
+            <a:schemeClr val="accent1">
+              <a:shade val="50000"/>
+            </a:schemeClr>
+          </a:lnRef>
+          <a:fillRef idx="1">
+            <a:schemeClr val="accent1"/>
+          </a:fillRef>
+          <a:effectRef idx="0">
+            <a:schemeClr val="accent1"/>
+          </a:effectRef>
+          <a:fontRef idx="minor"/>
+        </p:style>
+      </p:sp>
+      <p:sp>
+        <p:nvSpPr>
+          <p:cNvPr id="40" name="CustomShape 15">
+            <a:extLst>
+              <a:ext uri="{FF2B5EF4-FFF2-40B4-BE49-F238E27FC236}">
+                <a16:creationId xmlns:a16="http://schemas.microsoft.com/office/drawing/2014/main" id="{24AB155B-C692-F447-83E1-87D57B43024B}"/>
+              </a:ext>
+            </a:extLst>
+          </p:cNvPr>
+          <p:cNvSpPr/>
+          <p:nvPr/>
+        </p:nvSpPr>
+        <p:spPr>
+          <a:xfrm>
+            <a:off x="7548153" y="4291831"/>
+            <a:ext cx="457200" cy="3657600"/>
+          </a:xfrm>
+          <a:prstGeom prst="rect">
+            <a:avLst/>
+          </a:prstGeom>
+          <a:solidFill>
+            <a:schemeClr val="accent1">
+              <a:lumMod val="60000"/>
+              <a:lumOff val="40000"/>
+              <a:alpha val="20000"/>
+            </a:schemeClr>
+          </a:solidFill>
+          <a:ln>
+            <a:noFill/>
+          </a:ln>
+        </p:spPr>
+        <p:style>
+          <a:lnRef idx="2">
+            <a:schemeClr val="accent1">
+              <a:shade val="50000"/>
+            </a:schemeClr>
+          </a:lnRef>
+          <a:fillRef idx="1">
+            <a:schemeClr val="accent1"/>
+          </a:fillRef>
+          <a:effectRef idx="0">
+            <a:schemeClr val="accent1"/>
+          </a:effectRef>
+          <a:fontRef idx="minor"/>
+        </p:style>
+      </p:sp>
+      <p:sp>
+        <p:nvSpPr>
+          <p:cNvPr id="42" name="CustomShape 13">
+            <a:extLst>
+              <a:ext uri="{FF2B5EF4-FFF2-40B4-BE49-F238E27FC236}">
+                <a16:creationId xmlns:a16="http://schemas.microsoft.com/office/drawing/2014/main" id="{CED41D2A-B79D-5747-A35F-64EE342BCC36}"/>
+              </a:ext>
+            </a:extLst>
+          </p:cNvPr>
+          <p:cNvSpPr/>
+          <p:nvPr/>
+        </p:nvSpPr>
+        <p:spPr>
+          <a:xfrm>
+            <a:off x="7601076" y="4295676"/>
+            <a:ext cx="3200400" cy="3200400"/>
+          </a:xfrm>
+          <a:prstGeom prst="rect">
+            <a:avLst/>
+          </a:prstGeom>
+          <a:noFill/>
+          <a:ln w="36720">
+            <a:solidFill>
+              <a:srgbClr val="F37B70"/>
+            </a:solidFill>
+            <a:round/>
+          </a:ln>
+        </p:spPr>
+        <p:style>
+          <a:lnRef idx="2">
+            <a:schemeClr val="accent1">
+              <a:shade val="50000"/>
+            </a:schemeClr>
+          </a:lnRef>
+          <a:fillRef idx="1">
+            <a:schemeClr val="accent1"/>
+          </a:fillRef>
+          <a:effectRef idx="0">
+            <a:schemeClr val="accent1"/>
+          </a:effectRef>
+          <a:fontRef idx="minor"/>
+        </p:style>
+      </p:sp>
+      <p:sp>
+        <p:nvSpPr>
+          <p:cNvPr id="43" name="CustomShape 15">
+            <a:extLst>
+              <a:ext uri="{FF2B5EF4-FFF2-40B4-BE49-F238E27FC236}">
+                <a16:creationId xmlns:a16="http://schemas.microsoft.com/office/drawing/2014/main" id="{4AB25969-7AA2-7941-97D8-E8908B70CEDB}"/>
+              </a:ext>
+            </a:extLst>
+          </p:cNvPr>
+          <p:cNvSpPr/>
+          <p:nvPr/>
+        </p:nvSpPr>
+        <p:spPr>
+          <a:xfrm>
+            <a:off x="7145161" y="4289931"/>
+            <a:ext cx="457200" cy="3657600"/>
+          </a:xfrm>
+          <a:prstGeom prst="rect">
+            <a:avLst/>
+          </a:prstGeom>
+          <a:solidFill>
+            <a:srgbClr val="F37B70">
+              <a:alpha val="20000"/>
+            </a:srgbClr>
+          </a:solidFill>
+          <a:ln>
+            <a:noFill/>
+          </a:ln>
+        </p:spPr>
+        <p:style>
+          <a:lnRef idx="2">
+            <a:schemeClr val="accent1">
+              <a:shade val="50000"/>
+            </a:schemeClr>
+          </a:lnRef>
+          <a:fillRef idx="1">
+            <a:schemeClr val="accent1"/>
+          </a:fillRef>
+          <a:effectRef idx="0">
+            <a:schemeClr val="accent1"/>
+          </a:effectRef>
+          <a:fontRef idx="minor"/>
+        </p:style>
+      </p:sp>
+      <p:sp>
+        <p:nvSpPr>
+          <p:cNvPr id="44" name="CustomShape 18">
+            <a:extLst>
+              <a:ext uri="{FF2B5EF4-FFF2-40B4-BE49-F238E27FC236}">
+                <a16:creationId xmlns:a16="http://schemas.microsoft.com/office/drawing/2014/main" id="{1EC46591-C1BD-764C-9E44-FD70AD94F593}"/>
+              </a:ext>
+            </a:extLst>
+          </p:cNvPr>
+          <p:cNvSpPr/>
+          <p:nvPr/>
+        </p:nvSpPr>
+        <p:spPr>
+          <a:xfrm>
+            <a:off x="7600922" y="7493259"/>
+            <a:ext cx="3200400" cy="457200"/>
+          </a:xfrm>
+          <a:prstGeom prst="rect">
+            <a:avLst/>
+          </a:prstGeom>
+          <a:solidFill>
+            <a:srgbClr val="F37B70">
+              <a:alpha val="20000"/>
+            </a:srgbClr>
+          </a:solidFill>
+          <a:ln>
+            <a:noFill/>
+          </a:ln>
+        </p:spPr>
+        <p:style>
+          <a:lnRef idx="2">
+            <a:schemeClr val="accent1">
+              <a:shade val="50000"/>
+            </a:schemeClr>
+          </a:lnRef>
+          <a:fillRef idx="1">
+            <a:schemeClr val="accent1"/>
+          </a:fillRef>
+          <a:effectRef idx="0">
+            <a:schemeClr val="accent1"/>
+          </a:effectRef>
+          <a:fontRef idx="minor"/>
+        </p:style>
+      </p:sp>
+      <p:sp>
+        <p:nvSpPr>
+          <p:cNvPr id="45" name="CustomShape 18">
+            <a:extLst>
+              <a:ext uri="{FF2B5EF4-FFF2-40B4-BE49-F238E27FC236}">
+                <a16:creationId xmlns:a16="http://schemas.microsoft.com/office/drawing/2014/main" id="{EA46CC43-2C46-D543-BC8F-4F51F5483641}"/>
+              </a:ext>
+            </a:extLst>
+          </p:cNvPr>
+          <p:cNvSpPr/>
+          <p:nvPr/>
+        </p:nvSpPr>
+        <p:spPr>
+          <a:xfrm>
+            <a:off x="7145160" y="3834631"/>
+            <a:ext cx="4113361" cy="457200"/>
+          </a:xfrm>
+          <a:prstGeom prst="rect">
+            <a:avLst/>
+          </a:prstGeom>
+          <a:solidFill>
+            <a:srgbClr val="F37B70">
+              <a:alpha val="20000"/>
+            </a:srgbClr>
+          </a:solidFill>
+          <a:ln>
+            <a:noFill/>
+          </a:ln>
+        </p:spPr>
+        <p:style>
+          <a:lnRef idx="2">
+            <a:schemeClr val="accent1">
+              <a:shade val="50000"/>
+            </a:schemeClr>
+          </a:lnRef>
+          <a:fillRef idx="1">
+            <a:schemeClr val="accent1"/>
+          </a:fillRef>
+          <a:effectRef idx="0">
+            <a:schemeClr val="accent1"/>
+          </a:effectRef>
+          <a:fontRef idx="minor"/>
+        </p:style>
+      </p:sp>
+      <p:sp>
+        <p:nvSpPr>
+          <p:cNvPr id="46" name="CustomShape 15">
+            <a:extLst>
+              <a:ext uri="{FF2B5EF4-FFF2-40B4-BE49-F238E27FC236}">
+                <a16:creationId xmlns:a16="http://schemas.microsoft.com/office/drawing/2014/main" id="{B5AF2042-FE36-A347-8330-B9A9BD883F03}"/>
+              </a:ext>
+            </a:extLst>
+          </p:cNvPr>
+          <p:cNvSpPr/>
+          <p:nvPr/>
+        </p:nvSpPr>
+        <p:spPr>
+          <a:xfrm>
+            <a:off x="10801322" y="4291831"/>
+            <a:ext cx="457200" cy="3657600"/>
+          </a:xfrm>
+          <a:prstGeom prst="rect">
+            <a:avLst/>
+          </a:prstGeom>
+          <a:solidFill>
+            <a:srgbClr val="F37B70">
+              <a:alpha val="20000"/>
+            </a:srgbClr>
+          </a:solidFill>
+          <a:ln>
+            <a:noFill/>
+          </a:ln>
+        </p:spPr>
+        <p:style>
+          <a:lnRef idx="2">
+            <a:schemeClr val="accent1">
+              <a:shade val="50000"/>
+            </a:schemeClr>
+          </a:lnRef>
+          <a:fillRef idx="1">
+            <a:schemeClr val="accent1"/>
+          </a:fillRef>
+          <a:effectRef idx="0">
+            <a:schemeClr val="accent1"/>
+          </a:effectRef>
+          <a:fontRef idx="minor"/>
+        </p:style>
+      </p:sp>
+      <p:sp>
+        <p:nvSpPr>
+          <p:cNvPr id="47" name="TextBox 46">
+            <a:extLst>
+              <a:ext uri="{FF2B5EF4-FFF2-40B4-BE49-F238E27FC236}">
+                <a16:creationId xmlns:a16="http://schemas.microsoft.com/office/drawing/2014/main" id="{7C351096-A796-F949-8387-5B854292A0B7}"/>
+              </a:ext>
+            </a:extLst>
+          </p:cNvPr>
+          <p:cNvSpPr txBox="1"/>
+          <p:nvPr/>
+        </p:nvSpPr>
+        <p:spPr>
+          <a:xfrm>
+            <a:off x="10520888" y="4586752"/>
+            <a:ext cx="184731" cy="369332"/>
+          </a:xfrm>
+          <a:prstGeom prst="rect">
+            <a:avLst/>
+          </a:prstGeom>
+          <a:noFill/>
+        </p:spPr>
+        <p:txBody>
+          <a:bodyPr wrap="none" rtlCol="0">
+            <a:spAutoFit/>
+          </a:bodyPr>
+          <a:lstStyle/>
+          <a:p>
+            <a:endParaRPr lang="en-US" dirty="0"/>
+          </a:p>
+        </p:txBody>
+      </p:sp>
+      <p:sp>
+        <p:nvSpPr>
+          <p:cNvPr id="48" name="CustomShape 13">
+            <a:extLst>
+              <a:ext uri="{FF2B5EF4-FFF2-40B4-BE49-F238E27FC236}">
+                <a16:creationId xmlns:a16="http://schemas.microsoft.com/office/drawing/2014/main" id="{F6C28F05-511D-4244-88CD-9F7573C660C2}"/>
+              </a:ext>
+            </a:extLst>
+          </p:cNvPr>
+          <p:cNvSpPr/>
+          <p:nvPr/>
+        </p:nvSpPr>
+        <p:spPr>
+          <a:xfrm>
+            <a:off x="7597655" y="1050106"/>
+            <a:ext cx="3200400" cy="3200400"/>
+          </a:xfrm>
+          <a:prstGeom prst="rect">
+            <a:avLst/>
+          </a:prstGeom>
+          <a:noFill/>
+          <a:ln w="36720">
+            <a:solidFill>
+              <a:schemeClr val="accent1">
+                <a:lumMod val="60000"/>
+                <a:lumOff val="40000"/>
+              </a:schemeClr>
+            </a:solidFill>
+            <a:round/>
+          </a:ln>
+        </p:spPr>
+        <p:style>
+          <a:lnRef idx="2">
+            <a:schemeClr val="accent1">
+              <a:shade val="50000"/>
+            </a:schemeClr>
+          </a:lnRef>
+          <a:fillRef idx="1">
+            <a:schemeClr val="accent1"/>
+          </a:fillRef>
+          <a:effectRef idx="0">
+            <a:schemeClr val="accent1"/>
+          </a:effectRef>
+          <a:fontRef idx="minor"/>
+        </p:style>
+      </p:sp>
+      <p:sp>
+        <p:nvSpPr>
+          <p:cNvPr id="49" name="CustomShape 15">
+            <a:extLst>
+              <a:ext uri="{FF2B5EF4-FFF2-40B4-BE49-F238E27FC236}">
+                <a16:creationId xmlns:a16="http://schemas.microsoft.com/office/drawing/2014/main" id="{B0CD4056-6B3F-024C-86C1-0BF6089E5ADD}"/>
+              </a:ext>
+            </a:extLst>
+          </p:cNvPr>
+          <p:cNvSpPr/>
+          <p:nvPr/>
+        </p:nvSpPr>
+        <p:spPr>
+          <a:xfrm>
+            <a:off x="7141740" y="1054409"/>
+            <a:ext cx="457200" cy="3657600"/>
+          </a:xfrm>
+          <a:prstGeom prst="rect">
+            <a:avLst/>
+          </a:prstGeom>
+          <a:solidFill>
+            <a:schemeClr val="accent1">
+              <a:lumMod val="60000"/>
+              <a:lumOff val="40000"/>
+              <a:alpha val="20000"/>
+            </a:schemeClr>
+          </a:solidFill>
+          <a:ln>
+            <a:noFill/>
+          </a:ln>
+        </p:spPr>
+        <p:style>
+          <a:lnRef idx="2">
+            <a:schemeClr val="accent1">
+              <a:shade val="50000"/>
+            </a:schemeClr>
+          </a:lnRef>
+          <a:fillRef idx="1">
+            <a:schemeClr val="accent1"/>
+          </a:fillRef>
+          <a:effectRef idx="0">
+            <a:schemeClr val="accent1"/>
+          </a:effectRef>
+          <a:fontRef idx="minor"/>
+        </p:style>
+      </p:sp>
+      <p:sp>
+        <p:nvSpPr>
+          <p:cNvPr id="50" name="CustomShape 18">
+            <a:extLst>
+              <a:ext uri="{FF2B5EF4-FFF2-40B4-BE49-F238E27FC236}">
+                <a16:creationId xmlns:a16="http://schemas.microsoft.com/office/drawing/2014/main" id="{6F1B822D-7B4D-6C44-9A15-812BFFCED776}"/>
+              </a:ext>
+            </a:extLst>
+          </p:cNvPr>
+          <p:cNvSpPr/>
+          <p:nvPr/>
+        </p:nvSpPr>
+        <p:spPr>
+          <a:xfrm>
+            <a:off x="7597501" y="4247689"/>
+            <a:ext cx="3200400" cy="457200"/>
+          </a:xfrm>
+          <a:prstGeom prst="rect">
+            <a:avLst/>
+          </a:prstGeom>
+          <a:solidFill>
+            <a:schemeClr val="accent1">
+              <a:lumMod val="60000"/>
+              <a:lumOff val="40000"/>
+              <a:alpha val="20000"/>
+            </a:schemeClr>
+          </a:solidFill>
+          <a:ln>
+            <a:noFill/>
+          </a:ln>
+        </p:spPr>
+        <p:style>
+          <a:lnRef idx="2">
+            <a:schemeClr val="accent1">
+              <a:shade val="50000"/>
+            </a:schemeClr>
+          </a:lnRef>
+          <a:fillRef idx="1">
+            <a:schemeClr val="accent1"/>
+          </a:fillRef>
+          <a:effectRef idx="0">
+            <a:schemeClr val="accent1"/>
+          </a:effectRef>
+          <a:fontRef idx="minor"/>
+        </p:style>
+      </p:sp>
+      <p:sp>
+        <p:nvSpPr>
+          <p:cNvPr id="51" name="CustomShape 18">
+            <a:extLst>
+              <a:ext uri="{FF2B5EF4-FFF2-40B4-BE49-F238E27FC236}">
+                <a16:creationId xmlns:a16="http://schemas.microsoft.com/office/drawing/2014/main" id="{01ACF60D-3D03-CE43-BB94-3A3A03EF89CF}"/>
+              </a:ext>
+            </a:extLst>
+          </p:cNvPr>
+          <p:cNvSpPr/>
+          <p:nvPr/>
+        </p:nvSpPr>
+        <p:spPr>
+          <a:xfrm>
+            <a:off x="7141739" y="589061"/>
+            <a:ext cx="4113361" cy="457200"/>
+          </a:xfrm>
+          <a:prstGeom prst="rect">
+            <a:avLst/>
+          </a:prstGeom>
+          <a:solidFill>
+            <a:schemeClr val="accent1">
+              <a:lumMod val="60000"/>
+              <a:lumOff val="40000"/>
+              <a:alpha val="20000"/>
+            </a:schemeClr>
+          </a:solidFill>
+          <a:ln>
+            <a:noFill/>
+          </a:ln>
+        </p:spPr>
+        <p:style>
+          <a:lnRef idx="2">
+            <a:schemeClr val="accent1">
+              <a:shade val="50000"/>
+            </a:schemeClr>
+          </a:lnRef>
+          <a:fillRef idx="1">
+            <a:schemeClr val="accent1"/>
+          </a:fillRef>
+          <a:effectRef idx="0">
+            <a:schemeClr val="accent1"/>
+          </a:effectRef>
+          <a:fontRef idx="minor"/>
+        </p:style>
+      </p:sp>
+      <p:sp>
+        <p:nvSpPr>
+          <p:cNvPr id="52" name="CustomShape 15">
+            <a:extLst>
+              <a:ext uri="{FF2B5EF4-FFF2-40B4-BE49-F238E27FC236}">
+                <a16:creationId xmlns:a16="http://schemas.microsoft.com/office/drawing/2014/main" id="{BC71B32C-F14D-D948-BEC6-30912107983A}"/>
+              </a:ext>
+            </a:extLst>
+          </p:cNvPr>
+          <p:cNvSpPr/>
+          <p:nvPr/>
+        </p:nvSpPr>
+        <p:spPr>
+          <a:xfrm>
+            <a:off x="10797901" y="1046261"/>
+            <a:ext cx="457200" cy="3657600"/>
+          </a:xfrm>
+          <a:prstGeom prst="rect">
+            <a:avLst/>
+          </a:prstGeom>
+          <a:solidFill>
+            <a:schemeClr val="accent1">
+              <a:lumMod val="60000"/>
+              <a:lumOff val="40000"/>
+              <a:alpha val="20000"/>
+            </a:schemeClr>
+          </a:solidFill>
+          <a:ln>
+            <a:noFill/>
+          </a:ln>
+        </p:spPr>
+        <p:style>
+          <a:lnRef idx="2">
+            <a:schemeClr val="accent1">
+              <a:shade val="50000"/>
+            </a:schemeClr>
+          </a:lnRef>
+          <a:fillRef idx="1">
+            <a:schemeClr val="accent1"/>
+          </a:fillRef>
+          <a:effectRef idx="0">
+            <a:schemeClr val="accent1"/>
+          </a:effectRef>
+          <a:fontRef idx="minor"/>
+        </p:style>
+      </p:sp>
+      <p:sp>
+        <p:nvSpPr>
+          <p:cNvPr id="53" name="CustomShape 13">
+            <a:extLst>
+              <a:ext uri="{FF2B5EF4-FFF2-40B4-BE49-F238E27FC236}">
+                <a16:creationId xmlns:a16="http://schemas.microsoft.com/office/drawing/2014/main" id="{B8AA3F0C-329E-AC4B-86BE-D48F330058B5}"/>
+              </a:ext>
+            </a:extLst>
+          </p:cNvPr>
+          <p:cNvSpPr/>
+          <p:nvPr/>
+        </p:nvSpPr>
+        <p:spPr>
+          <a:xfrm>
+            <a:off x="1107361" y="4303824"/>
+            <a:ext cx="3200400" cy="3200400"/>
+          </a:xfrm>
+          <a:prstGeom prst="rect">
+            <a:avLst/>
+          </a:prstGeom>
+          <a:noFill/>
+          <a:ln w="36720">
+            <a:solidFill>
+              <a:srgbClr val="F37B70"/>
+            </a:solidFill>
+            <a:round/>
+          </a:ln>
+        </p:spPr>
+        <p:style>
+          <a:lnRef idx="2">
+            <a:schemeClr val="accent1">
+              <a:shade val="50000"/>
+            </a:schemeClr>
+          </a:lnRef>
+          <a:fillRef idx="1">
+            <a:schemeClr val="accent1"/>
+          </a:fillRef>
+          <a:effectRef idx="0">
+            <a:schemeClr val="accent1"/>
+          </a:effectRef>
+          <a:fontRef idx="minor"/>
+        </p:style>
+      </p:sp>
+      <p:sp>
+        <p:nvSpPr>
+          <p:cNvPr id="54" name="CustomShape 15">
+            <a:extLst>
+              <a:ext uri="{FF2B5EF4-FFF2-40B4-BE49-F238E27FC236}">
+                <a16:creationId xmlns:a16="http://schemas.microsoft.com/office/drawing/2014/main" id="{65FAFF12-8930-2943-BE43-7FC1A7D0BACB}"/>
+              </a:ext>
+            </a:extLst>
+          </p:cNvPr>
+          <p:cNvSpPr/>
+          <p:nvPr/>
+        </p:nvSpPr>
+        <p:spPr>
+          <a:xfrm>
+            <a:off x="651446" y="4298079"/>
+            <a:ext cx="457200" cy="3657600"/>
+          </a:xfrm>
+          <a:prstGeom prst="rect">
+            <a:avLst/>
+          </a:prstGeom>
+          <a:solidFill>
+            <a:srgbClr val="F37B70">
+              <a:alpha val="20000"/>
+            </a:srgbClr>
+          </a:solidFill>
+          <a:ln>
+            <a:noFill/>
+          </a:ln>
+        </p:spPr>
+        <p:style>
+          <a:lnRef idx="2">
+            <a:schemeClr val="accent1">
+              <a:shade val="50000"/>
+            </a:schemeClr>
+          </a:lnRef>
+          <a:fillRef idx="1">
+            <a:schemeClr val="accent1"/>
+          </a:fillRef>
+          <a:effectRef idx="0">
+            <a:schemeClr val="accent1"/>
+          </a:effectRef>
+          <a:fontRef idx="minor"/>
+        </p:style>
+      </p:sp>
+      <p:sp>
+        <p:nvSpPr>
+          <p:cNvPr id="55" name="CustomShape 18">
+            <a:extLst>
+              <a:ext uri="{FF2B5EF4-FFF2-40B4-BE49-F238E27FC236}">
+                <a16:creationId xmlns:a16="http://schemas.microsoft.com/office/drawing/2014/main" id="{D75F8741-4BD7-4240-B319-23678B03B3E2}"/>
+              </a:ext>
+            </a:extLst>
+          </p:cNvPr>
+          <p:cNvSpPr/>
+          <p:nvPr/>
+        </p:nvSpPr>
+        <p:spPr>
+          <a:xfrm>
+            <a:off x="1107207" y="7501407"/>
+            <a:ext cx="3200400" cy="457200"/>
+          </a:xfrm>
+          <a:prstGeom prst="rect">
+            <a:avLst/>
+          </a:prstGeom>
+          <a:solidFill>
+            <a:srgbClr val="F37B70">
+              <a:alpha val="20000"/>
+            </a:srgbClr>
+          </a:solidFill>
+          <a:ln>
+            <a:noFill/>
+          </a:ln>
+        </p:spPr>
+        <p:style>
+          <a:lnRef idx="2">
+            <a:schemeClr val="accent1">
+              <a:shade val="50000"/>
+            </a:schemeClr>
+          </a:lnRef>
+          <a:fillRef idx="1">
+            <a:schemeClr val="accent1"/>
+          </a:fillRef>
+          <a:effectRef idx="0">
+            <a:schemeClr val="accent1"/>
+          </a:effectRef>
+          <a:fontRef idx="minor"/>
+        </p:style>
+      </p:sp>
+      <p:sp>
+        <p:nvSpPr>
+          <p:cNvPr id="56" name="CustomShape 18">
+            <a:extLst>
+              <a:ext uri="{FF2B5EF4-FFF2-40B4-BE49-F238E27FC236}">
+                <a16:creationId xmlns:a16="http://schemas.microsoft.com/office/drawing/2014/main" id="{642804C0-D8FD-894F-9009-F8C346F03DCF}"/>
+              </a:ext>
+            </a:extLst>
+          </p:cNvPr>
+          <p:cNvSpPr/>
+          <p:nvPr/>
+        </p:nvSpPr>
+        <p:spPr>
+          <a:xfrm>
+            <a:off x="651445" y="3842779"/>
+            <a:ext cx="4113361" cy="457200"/>
+          </a:xfrm>
+          <a:prstGeom prst="rect">
+            <a:avLst/>
+          </a:prstGeom>
+          <a:solidFill>
+            <a:srgbClr val="F37B70">
+              <a:alpha val="20000"/>
+            </a:srgbClr>
+          </a:solidFill>
+          <a:ln>
+            <a:noFill/>
+          </a:ln>
+        </p:spPr>
+        <p:style>
+          <a:lnRef idx="2">
+            <a:schemeClr val="accent1">
+              <a:shade val="50000"/>
+            </a:schemeClr>
+          </a:lnRef>
+          <a:fillRef idx="1">
+            <a:schemeClr val="accent1"/>
+          </a:fillRef>
+          <a:effectRef idx="0">
+            <a:schemeClr val="accent1"/>
+          </a:effectRef>
+          <a:fontRef idx="minor"/>
+        </p:style>
+      </p:sp>
+      <p:sp>
+        <p:nvSpPr>
+          <p:cNvPr id="57" name="CustomShape 15">
+            <a:extLst>
+              <a:ext uri="{FF2B5EF4-FFF2-40B4-BE49-F238E27FC236}">
+                <a16:creationId xmlns:a16="http://schemas.microsoft.com/office/drawing/2014/main" id="{2B14487F-8174-F345-B5E2-B9A80E445B48}"/>
+              </a:ext>
+            </a:extLst>
+          </p:cNvPr>
+          <p:cNvSpPr/>
+          <p:nvPr/>
+        </p:nvSpPr>
+        <p:spPr>
+          <a:xfrm>
+            <a:off x="4307607" y="4299979"/>
+            <a:ext cx="457200" cy="3657600"/>
+          </a:xfrm>
+          <a:prstGeom prst="rect">
+            <a:avLst/>
+          </a:prstGeom>
+          <a:solidFill>
+            <a:srgbClr val="F37B70">
+              <a:alpha val="20000"/>
+            </a:srgbClr>
+          </a:solidFill>
+          <a:ln>
+            <a:noFill/>
+          </a:ln>
+        </p:spPr>
+        <p:style>
+          <a:lnRef idx="2">
+            <a:schemeClr val="accent1">
+              <a:shade val="50000"/>
+            </a:schemeClr>
+          </a:lnRef>
+          <a:fillRef idx="1">
+            <a:schemeClr val="accent1"/>
+          </a:fillRef>
+          <a:effectRef idx="0">
+            <a:schemeClr val="accent1"/>
           </a:effectRef>
           <a:fontRef idx="minor"/>
         </p:style>
@@ -6107,7 +5140,7 @@
     </p:spTree>
     <p:extLst>
       <p:ext uri="{BB962C8B-B14F-4D97-AF65-F5344CB8AC3E}">
-        <p14:creationId xmlns:p14="http://schemas.microsoft.com/office/powerpoint/2010/main" val="3592204964"/>
+        <p14:creationId xmlns:p14="http://schemas.microsoft.com/office/powerpoint/2010/main" val="883058267"/>
       </p:ext>
     </p:extLst>
   </p:cSld>
@@ -6163,6 +5196,1824 @@
       </p:grpSpPr>
       <p:sp>
         <p:nvSpPr>
+          <p:cNvPr id="172" name="CustomShape 1"/>
+          <p:cNvSpPr/>
+          <p:nvPr/>
+        </p:nvSpPr>
+        <p:spPr>
+          <a:xfrm>
+            <a:off x="1646280" y="1280160"/>
+            <a:ext cx="363600" cy="363600"/>
+          </a:xfrm>
+          <a:prstGeom prst="rect">
+            <a:avLst/>
+          </a:prstGeom>
+          <a:noFill/>
+          <a:ln w="18360">
+            <a:solidFill>
+              <a:srgbClr val="000000"/>
+            </a:solidFill>
+            <a:round/>
+          </a:ln>
+        </p:spPr>
+        <p:style>
+          <a:lnRef idx="0">
+            <a:scrgbClr r="0" g="0" b="0"/>
+          </a:lnRef>
+          <a:fillRef idx="0">
+            <a:scrgbClr r="0" g="0" b="0"/>
+          </a:fillRef>
+          <a:effectRef idx="0">
+            <a:scrgbClr r="0" g="0" b="0"/>
+          </a:effectRef>
+          <a:fontRef idx="minor"/>
+        </p:style>
+        <p:txBody>
+          <a:bodyPr wrap="none" lIns="99360" tIns="54360" rIns="99360" bIns="54360" anchor="ctr"/>
+          <a:lstStyle/>
+          <a:p>
+            <a:pPr algn="ctr">
+              <a:lnSpc>
+                <a:spcPct val="100000"/>
+              </a:lnSpc>
+            </a:pPr>
+            <a:r>
+              <a:rPr lang="en-US" sz="1800" b="0" strike="noStrike" spc="-1">
+                <a:solidFill>
+                  <a:srgbClr val="000000"/>
+                </a:solidFill>
+                <a:latin typeface="Arial"/>
+                <a:ea typeface="DejaVu Sans"/>
+              </a:rPr>
+              <a:t>1</a:t>
+            </a:r>
+            <a:endParaRPr lang="en-US" sz="1800" b="0" strike="noStrike" spc="-1">
+              <a:latin typeface="Arial"/>
+            </a:endParaRPr>
+          </a:p>
+        </p:txBody>
+      </p:sp>
+      <p:sp>
+        <p:nvSpPr>
+          <p:cNvPr id="173" name="CustomShape 2"/>
+          <p:cNvSpPr/>
+          <p:nvPr/>
+        </p:nvSpPr>
+        <p:spPr>
+          <a:xfrm>
+            <a:off x="2012040" y="1280160"/>
+            <a:ext cx="363600" cy="363600"/>
+          </a:xfrm>
+          <a:prstGeom prst="rect">
+            <a:avLst/>
+          </a:prstGeom>
+          <a:noFill/>
+          <a:ln w="18360">
+            <a:solidFill>
+              <a:srgbClr val="000000"/>
+            </a:solidFill>
+            <a:round/>
+          </a:ln>
+        </p:spPr>
+        <p:style>
+          <a:lnRef idx="0">
+            <a:scrgbClr r="0" g="0" b="0"/>
+          </a:lnRef>
+          <a:fillRef idx="0">
+            <a:scrgbClr r="0" g="0" b="0"/>
+          </a:fillRef>
+          <a:effectRef idx="0">
+            <a:scrgbClr r="0" g="0" b="0"/>
+          </a:effectRef>
+          <a:fontRef idx="minor"/>
+        </p:style>
+        <p:txBody>
+          <a:bodyPr wrap="none" lIns="99360" tIns="54360" rIns="99360" bIns="54360" anchor="ctr"/>
+          <a:lstStyle/>
+          <a:p>
+            <a:pPr algn="ctr">
+              <a:lnSpc>
+                <a:spcPct val="100000"/>
+              </a:lnSpc>
+            </a:pPr>
+            <a:r>
+              <a:rPr lang="en-US" sz="1800" b="0" strike="noStrike" spc="-1">
+                <a:solidFill>
+                  <a:srgbClr val="000000"/>
+                </a:solidFill>
+                <a:latin typeface="Arial"/>
+                <a:ea typeface="DejaVu Sans"/>
+              </a:rPr>
+              <a:t>2</a:t>
+            </a:r>
+            <a:endParaRPr lang="en-US" sz="1800" b="0" strike="noStrike" spc="-1">
+              <a:latin typeface="Arial"/>
+            </a:endParaRPr>
+          </a:p>
+        </p:txBody>
+      </p:sp>
+      <p:sp>
+        <p:nvSpPr>
+          <p:cNvPr id="174" name="CustomShape 3"/>
+          <p:cNvSpPr/>
+          <p:nvPr/>
+        </p:nvSpPr>
+        <p:spPr>
+          <a:xfrm>
+            <a:off x="2377800" y="1280160"/>
+            <a:ext cx="363600" cy="363600"/>
+          </a:xfrm>
+          <a:prstGeom prst="rect">
+            <a:avLst/>
+          </a:prstGeom>
+          <a:noFill/>
+          <a:ln w="18360">
+            <a:solidFill>
+              <a:srgbClr val="000000"/>
+            </a:solidFill>
+            <a:round/>
+          </a:ln>
+        </p:spPr>
+        <p:style>
+          <a:lnRef idx="0">
+            <a:scrgbClr r="0" g="0" b="0"/>
+          </a:lnRef>
+          <a:fillRef idx="0">
+            <a:scrgbClr r="0" g="0" b="0"/>
+          </a:fillRef>
+          <a:effectRef idx="0">
+            <a:scrgbClr r="0" g="0" b="0"/>
+          </a:effectRef>
+          <a:fontRef idx="minor"/>
+        </p:style>
+        <p:txBody>
+          <a:bodyPr wrap="none" lIns="99360" tIns="54360" rIns="99360" bIns="54360" anchor="ctr"/>
+          <a:lstStyle/>
+          <a:p>
+            <a:pPr algn="ctr">
+              <a:lnSpc>
+                <a:spcPct val="100000"/>
+              </a:lnSpc>
+            </a:pPr>
+            <a:r>
+              <a:rPr lang="en-US" sz="1800" b="0" strike="noStrike" spc="-1">
+                <a:solidFill>
+                  <a:srgbClr val="000000"/>
+                </a:solidFill>
+                <a:latin typeface="Arial"/>
+                <a:ea typeface="DejaVu Sans"/>
+              </a:rPr>
+              <a:t>3</a:t>
+            </a:r>
+            <a:endParaRPr lang="en-US" sz="1800" b="0" strike="noStrike" spc="-1">
+              <a:latin typeface="Arial"/>
+            </a:endParaRPr>
+          </a:p>
+        </p:txBody>
+      </p:sp>
+      <p:sp>
+        <p:nvSpPr>
+          <p:cNvPr id="175" name="CustomShape 4"/>
+          <p:cNvSpPr/>
+          <p:nvPr/>
+        </p:nvSpPr>
+        <p:spPr>
+          <a:xfrm>
+            <a:off x="2743560" y="1280160"/>
+            <a:ext cx="363600" cy="363600"/>
+          </a:xfrm>
+          <a:prstGeom prst="rect">
+            <a:avLst/>
+          </a:prstGeom>
+          <a:noFill/>
+          <a:ln w="18360">
+            <a:solidFill>
+              <a:srgbClr val="000000"/>
+            </a:solidFill>
+            <a:round/>
+          </a:ln>
+        </p:spPr>
+        <p:style>
+          <a:lnRef idx="0">
+            <a:scrgbClr r="0" g="0" b="0"/>
+          </a:lnRef>
+          <a:fillRef idx="0">
+            <a:scrgbClr r="0" g="0" b="0"/>
+          </a:fillRef>
+          <a:effectRef idx="0">
+            <a:scrgbClr r="0" g="0" b="0"/>
+          </a:effectRef>
+          <a:fontRef idx="minor"/>
+        </p:style>
+        <p:txBody>
+          <a:bodyPr wrap="none" lIns="99360" tIns="54360" rIns="99360" bIns="54360" anchor="ctr"/>
+          <a:lstStyle/>
+          <a:p>
+            <a:pPr algn="ctr">
+              <a:lnSpc>
+                <a:spcPct val="100000"/>
+              </a:lnSpc>
+            </a:pPr>
+            <a:r>
+              <a:rPr lang="en-US" sz="1800" b="0" strike="noStrike" spc="-1">
+                <a:solidFill>
+                  <a:srgbClr val="000000"/>
+                </a:solidFill>
+                <a:latin typeface="Arial"/>
+                <a:ea typeface="DejaVu Sans"/>
+              </a:rPr>
+              <a:t>4</a:t>
+            </a:r>
+            <a:endParaRPr lang="en-US" sz="1800" b="0" strike="noStrike" spc="-1">
+              <a:latin typeface="Arial"/>
+            </a:endParaRPr>
+          </a:p>
+        </p:txBody>
+      </p:sp>
+      <p:sp>
+        <p:nvSpPr>
+          <p:cNvPr id="176" name="CustomShape 5"/>
+          <p:cNvSpPr/>
+          <p:nvPr/>
+        </p:nvSpPr>
+        <p:spPr>
+          <a:xfrm>
+            <a:off x="3109320" y="1280160"/>
+            <a:ext cx="363600" cy="363600"/>
+          </a:xfrm>
+          <a:prstGeom prst="rect">
+            <a:avLst/>
+          </a:prstGeom>
+          <a:noFill/>
+          <a:ln w="18360">
+            <a:solidFill>
+              <a:srgbClr val="000000"/>
+            </a:solidFill>
+            <a:round/>
+          </a:ln>
+        </p:spPr>
+        <p:style>
+          <a:lnRef idx="0">
+            <a:scrgbClr r="0" g="0" b="0"/>
+          </a:lnRef>
+          <a:fillRef idx="0">
+            <a:scrgbClr r="0" g="0" b="0"/>
+          </a:fillRef>
+          <a:effectRef idx="0">
+            <a:scrgbClr r="0" g="0" b="0"/>
+          </a:effectRef>
+          <a:fontRef idx="minor"/>
+        </p:style>
+        <p:txBody>
+          <a:bodyPr wrap="none" lIns="99360" tIns="54360" rIns="99360" bIns="54360" anchor="ctr"/>
+          <a:lstStyle/>
+          <a:p>
+            <a:pPr algn="ctr">
+              <a:lnSpc>
+                <a:spcPct val="100000"/>
+              </a:lnSpc>
+            </a:pPr>
+            <a:r>
+              <a:rPr lang="en-US" sz="1800" b="0" strike="noStrike" spc="-1">
+                <a:solidFill>
+                  <a:srgbClr val="000000"/>
+                </a:solidFill>
+                <a:latin typeface="Arial"/>
+                <a:ea typeface="DejaVu Sans"/>
+              </a:rPr>
+              <a:t>5</a:t>
+            </a:r>
+            <a:endParaRPr lang="en-US" sz="1800" b="0" strike="noStrike" spc="-1">
+              <a:latin typeface="Arial"/>
+            </a:endParaRPr>
+          </a:p>
+        </p:txBody>
+      </p:sp>
+      <p:sp>
+        <p:nvSpPr>
+          <p:cNvPr id="177" name="CustomShape 6"/>
+          <p:cNvSpPr/>
+          <p:nvPr/>
+        </p:nvSpPr>
+        <p:spPr>
+          <a:xfrm>
+            <a:off x="3475080" y="1280160"/>
+            <a:ext cx="363600" cy="363600"/>
+          </a:xfrm>
+          <a:prstGeom prst="rect">
+            <a:avLst/>
+          </a:prstGeom>
+          <a:noFill/>
+          <a:ln w="18360">
+            <a:solidFill>
+              <a:srgbClr val="000000"/>
+            </a:solidFill>
+            <a:round/>
+          </a:ln>
+        </p:spPr>
+        <p:style>
+          <a:lnRef idx="0">
+            <a:scrgbClr r="0" g="0" b="0"/>
+          </a:lnRef>
+          <a:fillRef idx="0">
+            <a:scrgbClr r="0" g="0" b="0"/>
+          </a:fillRef>
+          <a:effectRef idx="0">
+            <a:scrgbClr r="0" g="0" b="0"/>
+          </a:effectRef>
+          <a:fontRef idx="minor"/>
+        </p:style>
+        <p:txBody>
+          <a:bodyPr wrap="none" lIns="99360" tIns="54360" rIns="99360" bIns="54360" anchor="ctr"/>
+          <a:lstStyle/>
+          <a:p>
+            <a:pPr algn="ctr">
+              <a:lnSpc>
+                <a:spcPct val="100000"/>
+              </a:lnSpc>
+            </a:pPr>
+            <a:r>
+              <a:rPr lang="en-US" sz="1800" b="0" strike="noStrike" spc="-1">
+                <a:solidFill>
+                  <a:srgbClr val="000000"/>
+                </a:solidFill>
+                <a:latin typeface="Arial"/>
+                <a:ea typeface="DejaVu Sans"/>
+              </a:rPr>
+              <a:t>6</a:t>
+            </a:r>
+            <a:endParaRPr lang="en-US" sz="1800" b="0" strike="noStrike" spc="-1">
+              <a:latin typeface="Arial"/>
+            </a:endParaRPr>
+          </a:p>
+        </p:txBody>
+      </p:sp>
+      <p:sp>
+        <p:nvSpPr>
+          <p:cNvPr id="178" name="CustomShape 7"/>
+          <p:cNvSpPr/>
+          <p:nvPr/>
+        </p:nvSpPr>
+        <p:spPr>
+          <a:xfrm>
+            <a:off x="2012040" y="2286000"/>
+            <a:ext cx="363600" cy="363600"/>
+          </a:xfrm>
+          <a:prstGeom prst="rect">
+            <a:avLst/>
+          </a:prstGeom>
+          <a:noFill/>
+          <a:ln w="18360">
+            <a:solidFill>
+              <a:srgbClr val="000000"/>
+            </a:solidFill>
+            <a:round/>
+          </a:ln>
+        </p:spPr>
+        <p:style>
+          <a:lnRef idx="0">
+            <a:scrgbClr r="0" g="0" b="0"/>
+          </a:lnRef>
+          <a:fillRef idx="0">
+            <a:scrgbClr r="0" g="0" b="0"/>
+          </a:fillRef>
+          <a:effectRef idx="0">
+            <a:scrgbClr r="0" g="0" b="0"/>
+          </a:effectRef>
+          <a:fontRef idx="minor"/>
+        </p:style>
+        <p:txBody>
+          <a:bodyPr wrap="none" lIns="99360" tIns="54360" rIns="99360" bIns="54360" anchor="ctr"/>
+          <a:lstStyle/>
+          <a:p>
+            <a:pPr algn="ctr">
+              <a:lnSpc>
+                <a:spcPct val="100000"/>
+              </a:lnSpc>
+            </a:pPr>
+            <a:r>
+              <a:rPr lang="en-US" sz="1800" b="0" strike="noStrike" spc="-1">
+                <a:solidFill>
+                  <a:srgbClr val="000000"/>
+                </a:solidFill>
+                <a:latin typeface="Arial"/>
+                <a:ea typeface="DejaVu Sans"/>
+              </a:rPr>
+              <a:t>6</a:t>
+            </a:r>
+            <a:endParaRPr lang="en-US" sz="1800" b="0" strike="noStrike" spc="-1">
+              <a:latin typeface="Arial"/>
+            </a:endParaRPr>
+          </a:p>
+        </p:txBody>
+      </p:sp>
+      <p:sp>
+        <p:nvSpPr>
+          <p:cNvPr id="179" name="CustomShape 8"/>
+          <p:cNvSpPr/>
+          <p:nvPr/>
+        </p:nvSpPr>
+        <p:spPr>
+          <a:xfrm>
+            <a:off x="1645920" y="3017520"/>
+            <a:ext cx="363600" cy="363600"/>
+          </a:xfrm>
+          <a:prstGeom prst="rect">
+            <a:avLst/>
+          </a:prstGeom>
+          <a:noFill/>
+          <a:ln w="18360">
+            <a:solidFill>
+              <a:srgbClr val="000000"/>
+            </a:solidFill>
+            <a:round/>
+          </a:ln>
+        </p:spPr>
+        <p:style>
+          <a:lnRef idx="0">
+            <a:scrgbClr r="0" g="0" b="0"/>
+          </a:lnRef>
+          <a:fillRef idx="0">
+            <a:scrgbClr r="0" g="0" b="0"/>
+          </a:fillRef>
+          <a:effectRef idx="0">
+            <a:scrgbClr r="0" g="0" b="0"/>
+          </a:effectRef>
+          <a:fontRef idx="minor"/>
+        </p:style>
+        <p:txBody>
+          <a:bodyPr wrap="none" lIns="99360" tIns="54360" rIns="99360" bIns="54360" anchor="ctr"/>
+          <a:lstStyle/>
+          <a:p>
+            <a:pPr algn="ctr">
+              <a:lnSpc>
+                <a:spcPct val="100000"/>
+              </a:lnSpc>
+            </a:pPr>
+            <a:r>
+              <a:rPr lang="en-US" sz="1800" b="0" strike="noStrike" spc="-1">
+                <a:solidFill>
+                  <a:srgbClr val="000000"/>
+                </a:solidFill>
+                <a:latin typeface="Arial"/>
+                <a:ea typeface="DejaVu Sans"/>
+              </a:rPr>
+              <a:t>1</a:t>
+            </a:r>
+            <a:endParaRPr lang="en-US" sz="1800" b="0" strike="noStrike" spc="-1">
+              <a:latin typeface="Arial"/>
+            </a:endParaRPr>
+          </a:p>
+        </p:txBody>
+      </p:sp>
+      <p:sp>
+        <p:nvSpPr>
+          <p:cNvPr id="180" name="CustomShape 9"/>
+          <p:cNvSpPr/>
+          <p:nvPr/>
+        </p:nvSpPr>
+        <p:spPr>
+          <a:xfrm>
+            <a:off x="2011680" y="3017520"/>
+            <a:ext cx="363600" cy="363600"/>
+          </a:xfrm>
+          <a:prstGeom prst="rect">
+            <a:avLst/>
+          </a:prstGeom>
+          <a:noFill/>
+          <a:ln w="18360">
+            <a:solidFill>
+              <a:srgbClr val="000000"/>
+            </a:solidFill>
+            <a:round/>
+          </a:ln>
+        </p:spPr>
+        <p:style>
+          <a:lnRef idx="0">
+            <a:scrgbClr r="0" g="0" b="0"/>
+          </a:lnRef>
+          <a:fillRef idx="0">
+            <a:scrgbClr r="0" g="0" b="0"/>
+          </a:fillRef>
+          <a:effectRef idx="0">
+            <a:scrgbClr r="0" g="0" b="0"/>
+          </a:effectRef>
+          <a:fontRef idx="minor"/>
+        </p:style>
+        <p:txBody>
+          <a:bodyPr wrap="none" lIns="99360" tIns="54360" rIns="99360" bIns="54360" anchor="ctr"/>
+          <a:lstStyle/>
+          <a:p>
+            <a:pPr algn="ctr">
+              <a:lnSpc>
+                <a:spcPct val="100000"/>
+              </a:lnSpc>
+            </a:pPr>
+            <a:r>
+              <a:rPr lang="en-US" sz="1800" b="0" strike="noStrike" spc="-1">
+                <a:solidFill>
+                  <a:srgbClr val="000000"/>
+                </a:solidFill>
+                <a:latin typeface="Arial"/>
+                <a:ea typeface="DejaVu Sans"/>
+              </a:rPr>
+              <a:t>2</a:t>
+            </a:r>
+            <a:endParaRPr lang="en-US" sz="1800" b="0" strike="noStrike" spc="-1">
+              <a:latin typeface="Arial"/>
+            </a:endParaRPr>
+          </a:p>
+        </p:txBody>
+      </p:sp>
+      <p:sp>
+        <p:nvSpPr>
+          <p:cNvPr id="181" name="CustomShape 10"/>
+          <p:cNvSpPr/>
+          <p:nvPr/>
+        </p:nvSpPr>
+        <p:spPr>
+          <a:xfrm>
+            <a:off x="2377440" y="3017520"/>
+            <a:ext cx="363600" cy="363600"/>
+          </a:xfrm>
+          <a:prstGeom prst="rect">
+            <a:avLst/>
+          </a:prstGeom>
+          <a:noFill/>
+          <a:ln w="18360">
+            <a:solidFill>
+              <a:srgbClr val="000000"/>
+            </a:solidFill>
+            <a:round/>
+          </a:ln>
+        </p:spPr>
+        <p:style>
+          <a:lnRef idx="0">
+            <a:scrgbClr r="0" g="0" b="0"/>
+          </a:lnRef>
+          <a:fillRef idx="0">
+            <a:scrgbClr r="0" g="0" b="0"/>
+          </a:fillRef>
+          <a:effectRef idx="0">
+            <a:scrgbClr r="0" g="0" b="0"/>
+          </a:effectRef>
+          <a:fontRef idx="minor"/>
+        </p:style>
+        <p:txBody>
+          <a:bodyPr wrap="none" lIns="99360" tIns="54360" rIns="99360" bIns="54360" anchor="ctr"/>
+          <a:lstStyle/>
+          <a:p>
+            <a:pPr algn="ctr">
+              <a:lnSpc>
+                <a:spcPct val="100000"/>
+              </a:lnSpc>
+            </a:pPr>
+            <a:r>
+              <a:rPr lang="en-US" sz="1800" b="0" strike="noStrike" spc="-1">
+                <a:solidFill>
+                  <a:srgbClr val="000000"/>
+                </a:solidFill>
+                <a:latin typeface="Arial"/>
+                <a:ea typeface="DejaVu Sans"/>
+              </a:rPr>
+              <a:t>3</a:t>
+            </a:r>
+            <a:endParaRPr lang="en-US" sz="1800" b="0" strike="noStrike" spc="-1">
+              <a:latin typeface="Arial"/>
+            </a:endParaRPr>
+          </a:p>
+        </p:txBody>
+      </p:sp>
+      <p:sp>
+        <p:nvSpPr>
+          <p:cNvPr id="182" name="CustomShape 11"/>
+          <p:cNvSpPr/>
+          <p:nvPr/>
+        </p:nvSpPr>
+        <p:spPr>
+          <a:xfrm>
+            <a:off x="2743200" y="3017520"/>
+            <a:ext cx="363600" cy="363600"/>
+          </a:xfrm>
+          <a:prstGeom prst="rect">
+            <a:avLst/>
+          </a:prstGeom>
+          <a:noFill/>
+          <a:ln w="18360">
+            <a:solidFill>
+              <a:srgbClr val="000000"/>
+            </a:solidFill>
+            <a:round/>
+          </a:ln>
+        </p:spPr>
+        <p:style>
+          <a:lnRef idx="0">
+            <a:scrgbClr r="0" g="0" b="0"/>
+          </a:lnRef>
+          <a:fillRef idx="0">
+            <a:scrgbClr r="0" g="0" b="0"/>
+          </a:fillRef>
+          <a:effectRef idx="0">
+            <a:scrgbClr r="0" g="0" b="0"/>
+          </a:effectRef>
+          <a:fontRef idx="minor"/>
+        </p:style>
+        <p:txBody>
+          <a:bodyPr wrap="none" lIns="99360" tIns="54360" rIns="99360" bIns="54360" anchor="ctr"/>
+          <a:lstStyle/>
+          <a:p>
+            <a:pPr algn="ctr">
+              <a:lnSpc>
+                <a:spcPct val="100000"/>
+              </a:lnSpc>
+            </a:pPr>
+            <a:r>
+              <a:rPr lang="en-US" sz="1800" b="0" strike="noStrike" spc="-1">
+                <a:solidFill>
+                  <a:srgbClr val="000000"/>
+                </a:solidFill>
+                <a:latin typeface="Arial"/>
+                <a:ea typeface="DejaVu Sans"/>
+              </a:rPr>
+              <a:t>4</a:t>
+            </a:r>
+            <a:endParaRPr lang="en-US" sz="1800" b="0" strike="noStrike" spc="-1">
+              <a:latin typeface="Arial"/>
+            </a:endParaRPr>
+          </a:p>
+        </p:txBody>
+      </p:sp>
+      <p:sp>
+        <p:nvSpPr>
+          <p:cNvPr id="183" name="CustomShape 12"/>
+          <p:cNvSpPr/>
+          <p:nvPr/>
+        </p:nvSpPr>
+        <p:spPr>
+          <a:xfrm>
+            <a:off x="3108960" y="3017520"/>
+            <a:ext cx="363600" cy="363600"/>
+          </a:xfrm>
+          <a:prstGeom prst="rect">
+            <a:avLst/>
+          </a:prstGeom>
+          <a:noFill/>
+          <a:ln w="18360">
+            <a:solidFill>
+              <a:srgbClr val="000000"/>
+            </a:solidFill>
+            <a:round/>
+          </a:ln>
+        </p:spPr>
+        <p:style>
+          <a:lnRef idx="0">
+            <a:scrgbClr r="0" g="0" b="0"/>
+          </a:lnRef>
+          <a:fillRef idx="0">
+            <a:scrgbClr r="0" g="0" b="0"/>
+          </a:fillRef>
+          <a:effectRef idx="0">
+            <a:scrgbClr r="0" g="0" b="0"/>
+          </a:effectRef>
+          <a:fontRef idx="minor"/>
+        </p:style>
+        <p:txBody>
+          <a:bodyPr wrap="none" lIns="99360" tIns="54360" rIns="99360" bIns="54360" anchor="ctr"/>
+          <a:lstStyle/>
+          <a:p>
+            <a:pPr algn="ctr">
+              <a:lnSpc>
+                <a:spcPct val="100000"/>
+              </a:lnSpc>
+            </a:pPr>
+            <a:r>
+              <a:rPr lang="en-US" sz="1800" b="0" strike="noStrike" spc="-1">
+                <a:solidFill>
+                  <a:srgbClr val="000000"/>
+                </a:solidFill>
+                <a:latin typeface="Arial"/>
+                <a:ea typeface="DejaVu Sans"/>
+              </a:rPr>
+              <a:t>5</a:t>
+            </a:r>
+            <a:endParaRPr lang="en-US" sz="1800" b="0" strike="noStrike" spc="-1">
+              <a:latin typeface="Arial"/>
+            </a:endParaRPr>
+          </a:p>
+        </p:txBody>
+      </p:sp>
+      <p:sp>
+        <p:nvSpPr>
+          <p:cNvPr id="184" name="CustomShape 13"/>
+          <p:cNvSpPr/>
+          <p:nvPr/>
+        </p:nvSpPr>
+        <p:spPr>
+          <a:xfrm>
+            <a:off x="3474720" y="3017520"/>
+            <a:ext cx="363600" cy="363600"/>
+          </a:xfrm>
+          <a:prstGeom prst="rect">
+            <a:avLst/>
+          </a:prstGeom>
+          <a:noFill/>
+          <a:ln w="18360">
+            <a:solidFill>
+              <a:srgbClr val="000000"/>
+            </a:solidFill>
+            <a:round/>
+          </a:ln>
+        </p:spPr>
+        <p:style>
+          <a:lnRef idx="0">
+            <a:scrgbClr r="0" g="0" b="0"/>
+          </a:lnRef>
+          <a:fillRef idx="0">
+            <a:scrgbClr r="0" g="0" b="0"/>
+          </a:fillRef>
+          <a:effectRef idx="0">
+            <a:scrgbClr r="0" g="0" b="0"/>
+          </a:effectRef>
+          <a:fontRef idx="minor"/>
+        </p:style>
+        <p:txBody>
+          <a:bodyPr wrap="none" lIns="99360" tIns="54360" rIns="99360" bIns="54360" anchor="ctr"/>
+          <a:lstStyle/>
+          <a:p>
+            <a:pPr algn="ctr">
+              <a:lnSpc>
+                <a:spcPct val="100000"/>
+              </a:lnSpc>
+            </a:pPr>
+            <a:r>
+              <a:rPr lang="en-US" sz="1800" b="0" strike="noStrike" spc="-1">
+                <a:solidFill>
+                  <a:srgbClr val="000000"/>
+                </a:solidFill>
+                <a:latin typeface="Arial"/>
+                <a:ea typeface="DejaVu Sans"/>
+              </a:rPr>
+              <a:t>6</a:t>
+            </a:r>
+            <a:endParaRPr lang="en-US" sz="1800" b="0" strike="noStrike" spc="-1">
+              <a:latin typeface="Arial"/>
+            </a:endParaRPr>
+          </a:p>
+        </p:txBody>
+      </p:sp>
+      <p:sp>
+        <p:nvSpPr>
+          <p:cNvPr id="185" name="CustomShape 14"/>
+          <p:cNvSpPr/>
+          <p:nvPr/>
+        </p:nvSpPr>
+        <p:spPr>
+          <a:xfrm>
+            <a:off x="2377440" y="4023360"/>
+            <a:ext cx="363600" cy="363600"/>
+          </a:xfrm>
+          <a:prstGeom prst="rect">
+            <a:avLst/>
+          </a:prstGeom>
+          <a:noFill/>
+          <a:ln w="18360">
+            <a:solidFill>
+              <a:srgbClr val="000000"/>
+            </a:solidFill>
+            <a:round/>
+          </a:ln>
+        </p:spPr>
+        <p:style>
+          <a:lnRef idx="0">
+            <a:scrgbClr r="0" g="0" b="0"/>
+          </a:lnRef>
+          <a:fillRef idx="0">
+            <a:scrgbClr r="0" g="0" b="0"/>
+          </a:fillRef>
+          <a:effectRef idx="0">
+            <a:scrgbClr r="0" g="0" b="0"/>
+          </a:effectRef>
+          <a:fontRef idx="minor"/>
+        </p:style>
+        <p:txBody>
+          <a:bodyPr wrap="none" lIns="99360" tIns="54360" rIns="99360" bIns="54360" anchor="ctr"/>
+          <a:lstStyle/>
+          <a:p>
+            <a:pPr algn="ctr">
+              <a:lnSpc>
+                <a:spcPct val="100000"/>
+              </a:lnSpc>
+            </a:pPr>
+            <a:r>
+              <a:rPr lang="en-US" sz="1800" b="0" strike="noStrike" spc="-1">
+                <a:solidFill>
+                  <a:srgbClr val="000000"/>
+                </a:solidFill>
+                <a:latin typeface="Arial"/>
+                <a:ea typeface="DejaVu Sans"/>
+              </a:rPr>
+              <a:t>9</a:t>
+            </a:r>
+            <a:endParaRPr lang="en-US" sz="1800" b="0" strike="noStrike" spc="-1">
+              <a:latin typeface="Arial"/>
+            </a:endParaRPr>
+          </a:p>
+        </p:txBody>
+      </p:sp>
+      <p:sp>
+        <p:nvSpPr>
+          <p:cNvPr id="186" name="CustomShape 15"/>
+          <p:cNvSpPr/>
+          <p:nvPr/>
+        </p:nvSpPr>
+        <p:spPr>
+          <a:xfrm>
+            <a:off x="3474720" y="4023360"/>
+            <a:ext cx="363600" cy="363600"/>
+          </a:xfrm>
+          <a:prstGeom prst="rect">
+            <a:avLst/>
+          </a:prstGeom>
+          <a:noFill/>
+          <a:ln w="18360">
+            <a:solidFill>
+              <a:srgbClr val="000000"/>
+            </a:solidFill>
+            <a:round/>
+          </a:ln>
+        </p:spPr>
+        <p:style>
+          <a:lnRef idx="0">
+            <a:scrgbClr r="0" g="0" b="0"/>
+          </a:lnRef>
+          <a:fillRef idx="0">
+            <a:scrgbClr r="0" g="0" b="0"/>
+          </a:fillRef>
+          <a:effectRef idx="0">
+            <a:scrgbClr r="0" g="0" b="0"/>
+          </a:effectRef>
+          <a:fontRef idx="minor"/>
+        </p:style>
+        <p:txBody>
+          <a:bodyPr wrap="none" lIns="99360" tIns="54360" rIns="99360" bIns="54360" anchor="ctr"/>
+          <a:lstStyle/>
+          <a:p>
+            <a:pPr algn="ctr">
+              <a:lnSpc>
+                <a:spcPct val="100000"/>
+              </a:lnSpc>
+            </a:pPr>
+            <a:r>
+              <a:rPr lang="en-US" sz="1800" b="0" strike="noStrike" spc="-1" dirty="0">
+                <a:solidFill>
+                  <a:srgbClr val="000000"/>
+                </a:solidFill>
+                <a:latin typeface="Arial"/>
+                <a:ea typeface="DejaVu Sans"/>
+              </a:rPr>
+              <a:t>18</a:t>
+            </a:r>
+            <a:endParaRPr lang="en-US" sz="1800" b="0" strike="noStrike" spc="-1" dirty="0">
+              <a:latin typeface="Arial"/>
+            </a:endParaRPr>
+          </a:p>
+        </p:txBody>
+      </p:sp>
+      <p:sp>
+        <p:nvSpPr>
+          <p:cNvPr id="187" name="CustomShape 16"/>
+          <p:cNvSpPr/>
+          <p:nvPr/>
+        </p:nvSpPr>
+        <p:spPr>
+          <a:xfrm>
+            <a:off x="3840840" y="1280160"/>
+            <a:ext cx="363600" cy="363600"/>
+          </a:xfrm>
+          <a:prstGeom prst="rect">
+            <a:avLst/>
+          </a:prstGeom>
+          <a:noFill/>
+          <a:ln w="18360">
+            <a:solidFill>
+              <a:srgbClr val="000000"/>
+            </a:solidFill>
+            <a:round/>
+          </a:ln>
+        </p:spPr>
+        <p:style>
+          <a:lnRef idx="0">
+            <a:scrgbClr r="0" g="0" b="0"/>
+          </a:lnRef>
+          <a:fillRef idx="0">
+            <a:scrgbClr r="0" g="0" b="0"/>
+          </a:fillRef>
+          <a:effectRef idx="0">
+            <a:scrgbClr r="0" g="0" b="0"/>
+          </a:effectRef>
+          <a:fontRef idx="minor"/>
+        </p:style>
+        <p:txBody>
+          <a:bodyPr wrap="none" lIns="99360" tIns="54360" rIns="99360" bIns="54360" anchor="ctr"/>
+          <a:lstStyle/>
+          <a:p>
+            <a:pPr algn="ctr">
+              <a:lnSpc>
+                <a:spcPct val="100000"/>
+              </a:lnSpc>
+            </a:pPr>
+            <a:r>
+              <a:rPr lang="en-US" sz="1800" b="0" strike="noStrike" spc="-1">
+                <a:solidFill>
+                  <a:srgbClr val="000000"/>
+                </a:solidFill>
+                <a:latin typeface="Arial"/>
+                <a:ea typeface="DejaVu Sans"/>
+              </a:rPr>
+              <a:t>7</a:t>
+            </a:r>
+            <a:endParaRPr lang="en-US" sz="1800" b="0" strike="noStrike" spc="-1">
+              <a:latin typeface="Arial"/>
+            </a:endParaRPr>
+          </a:p>
+        </p:txBody>
+      </p:sp>
+      <p:sp>
+        <p:nvSpPr>
+          <p:cNvPr id="188" name="CustomShape 17"/>
+          <p:cNvSpPr/>
+          <p:nvPr/>
+        </p:nvSpPr>
+        <p:spPr>
+          <a:xfrm>
+            <a:off x="3840480" y="3017520"/>
+            <a:ext cx="363600" cy="363600"/>
+          </a:xfrm>
+          <a:prstGeom prst="rect">
+            <a:avLst/>
+          </a:prstGeom>
+          <a:noFill/>
+          <a:ln w="18360">
+            <a:solidFill>
+              <a:srgbClr val="000000"/>
+            </a:solidFill>
+            <a:round/>
+          </a:ln>
+        </p:spPr>
+        <p:style>
+          <a:lnRef idx="0">
+            <a:scrgbClr r="0" g="0" b="0"/>
+          </a:lnRef>
+          <a:fillRef idx="0">
+            <a:scrgbClr r="0" g="0" b="0"/>
+          </a:fillRef>
+          <a:effectRef idx="0">
+            <a:scrgbClr r="0" g="0" b="0"/>
+          </a:effectRef>
+          <a:fontRef idx="minor"/>
+        </p:style>
+        <p:txBody>
+          <a:bodyPr wrap="none" lIns="99360" tIns="54360" rIns="99360" bIns="54360" anchor="ctr"/>
+          <a:lstStyle/>
+          <a:p>
+            <a:pPr algn="ctr">
+              <a:lnSpc>
+                <a:spcPct val="100000"/>
+              </a:lnSpc>
+            </a:pPr>
+            <a:r>
+              <a:rPr lang="en-US" sz="1800" b="0" strike="noStrike" spc="-1">
+                <a:solidFill>
+                  <a:srgbClr val="000000"/>
+                </a:solidFill>
+                <a:latin typeface="Arial"/>
+                <a:ea typeface="DejaVu Sans"/>
+              </a:rPr>
+              <a:t>7</a:t>
+            </a:r>
+            <a:endParaRPr lang="en-US" sz="1800" b="0" strike="noStrike" spc="-1">
+              <a:latin typeface="Arial"/>
+            </a:endParaRPr>
+          </a:p>
+        </p:txBody>
+      </p:sp>
+      <p:sp>
+        <p:nvSpPr>
+          <p:cNvPr id="189" name="CustomShape 18"/>
+          <p:cNvSpPr/>
+          <p:nvPr/>
+        </p:nvSpPr>
+        <p:spPr>
+          <a:xfrm>
+            <a:off x="2743200" y="1737720"/>
+            <a:ext cx="1095480" cy="454680"/>
+          </a:xfrm>
+          <a:custGeom>
+            <a:avLst/>
+            <a:gdLst/>
+            <a:ahLst/>
+            <a:cxnLst/>
+            <a:rect l="l" t="t" r="r" b="b"/>
+            <a:pathLst>
+              <a:path w="3050" h="1271">
+                <a:moveTo>
+                  <a:pt x="0" y="0"/>
+                </a:moveTo>
+                <a:lnTo>
+                  <a:pt x="3049" y="0"/>
+                </a:lnTo>
+                <a:lnTo>
+                  <a:pt x="2018" y="1270"/>
+                </a:lnTo>
+                <a:lnTo>
+                  <a:pt x="1031" y="1270"/>
+                </a:lnTo>
+                <a:lnTo>
+                  <a:pt x="0" y="0"/>
+                </a:lnTo>
+              </a:path>
+            </a:pathLst>
+          </a:custGeom>
+          <a:noFill/>
+          <a:ln w="19050">
+            <a:solidFill>
+              <a:srgbClr val="808080"/>
+            </a:solidFill>
+            <a:round/>
+          </a:ln>
+        </p:spPr>
+        <p:style>
+          <a:lnRef idx="0">
+            <a:scrgbClr r="0" g="0" b="0"/>
+          </a:lnRef>
+          <a:fillRef idx="0">
+            <a:scrgbClr r="0" g="0" b="0"/>
+          </a:fillRef>
+          <a:effectRef idx="0">
+            <a:scrgbClr r="0" g="0" b="0"/>
+          </a:effectRef>
+          <a:fontRef idx="minor"/>
+        </p:style>
+        <p:txBody>
+          <a:bodyPr wrap="none" lIns="99000" tIns="54000" rIns="99000" bIns="54000" anchor="ctr"/>
+          <a:lstStyle/>
+          <a:p>
+            <a:pPr algn="ctr">
+              <a:lnSpc>
+                <a:spcPct val="100000"/>
+              </a:lnSpc>
+            </a:pPr>
+            <a:r>
+              <a:rPr lang="en-US" sz="1800" b="0" strike="noStrike" spc="-1">
+                <a:solidFill>
+                  <a:srgbClr val="000000"/>
+                </a:solidFill>
+                <a:latin typeface="Arial"/>
+                <a:ea typeface="DejaVu Sans"/>
+              </a:rPr>
+              <a:t>+</a:t>
+            </a:r>
+            <a:endParaRPr lang="en-US" sz="1800" b="0" strike="noStrike" spc="-1">
+              <a:latin typeface="Arial"/>
+            </a:endParaRPr>
+          </a:p>
+        </p:txBody>
+      </p:sp>
+      <p:sp>
+        <p:nvSpPr>
+          <p:cNvPr id="190" name="CustomShape 19"/>
+          <p:cNvSpPr/>
+          <p:nvPr/>
+        </p:nvSpPr>
+        <p:spPr>
+          <a:xfrm>
+            <a:off x="1645560" y="1737720"/>
+            <a:ext cx="1095480" cy="454680"/>
+          </a:xfrm>
+          <a:custGeom>
+            <a:avLst/>
+            <a:gdLst/>
+            <a:ahLst/>
+            <a:cxnLst/>
+            <a:rect l="l" t="t" r="r" b="b"/>
+            <a:pathLst>
+              <a:path w="3050" h="1271">
+                <a:moveTo>
+                  <a:pt x="0" y="0"/>
+                </a:moveTo>
+                <a:lnTo>
+                  <a:pt x="3049" y="0"/>
+                </a:lnTo>
+                <a:lnTo>
+                  <a:pt x="2018" y="1270"/>
+                </a:lnTo>
+                <a:lnTo>
+                  <a:pt x="1031" y="1270"/>
+                </a:lnTo>
+                <a:lnTo>
+                  <a:pt x="0" y="0"/>
+                </a:lnTo>
+              </a:path>
+            </a:pathLst>
+          </a:custGeom>
+          <a:noFill/>
+          <a:ln w="19050">
+            <a:solidFill>
+              <a:srgbClr val="808080"/>
+            </a:solidFill>
+            <a:round/>
+          </a:ln>
+        </p:spPr>
+        <p:style>
+          <a:lnRef idx="0">
+            <a:scrgbClr r="0" g="0" b="0"/>
+          </a:lnRef>
+          <a:fillRef idx="0">
+            <a:scrgbClr r="0" g="0" b="0"/>
+          </a:fillRef>
+          <a:effectRef idx="0">
+            <a:scrgbClr r="0" g="0" b="0"/>
+          </a:effectRef>
+          <a:fontRef idx="minor"/>
+        </p:style>
+        <p:txBody>
+          <a:bodyPr wrap="none" lIns="99000" tIns="54000" rIns="99000" bIns="54000" anchor="ctr"/>
+          <a:lstStyle/>
+          <a:p>
+            <a:pPr algn="ctr">
+              <a:lnSpc>
+                <a:spcPct val="100000"/>
+              </a:lnSpc>
+            </a:pPr>
+            <a:r>
+              <a:rPr lang="en-US" sz="1800" b="0" strike="noStrike" spc="-1">
+                <a:solidFill>
+                  <a:srgbClr val="000000"/>
+                </a:solidFill>
+                <a:latin typeface="Arial"/>
+                <a:ea typeface="DejaVu Sans"/>
+              </a:rPr>
+              <a:t>+</a:t>
+            </a:r>
+            <a:endParaRPr lang="en-US" sz="1800" b="0" strike="noStrike" spc="-1">
+              <a:latin typeface="Arial"/>
+            </a:endParaRPr>
+          </a:p>
+        </p:txBody>
+      </p:sp>
+      <p:sp>
+        <p:nvSpPr>
+          <p:cNvPr id="191" name="CustomShape 20"/>
+          <p:cNvSpPr/>
+          <p:nvPr/>
+        </p:nvSpPr>
+        <p:spPr>
+          <a:xfrm>
+            <a:off x="2011320" y="3474720"/>
+            <a:ext cx="1095480" cy="454680"/>
+          </a:xfrm>
+          <a:custGeom>
+            <a:avLst/>
+            <a:gdLst/>
+            <a:ahLst/>
+            <a:cxnLst/>
+            <a:rect l="l" t="t" r="r" b="b"/>
+            <a:pathLst>
+              <a:path w="3050" h="1271">
+                <a:moveTo>
+                  <a:pt x="0" y="0"/>
+                </a:moveTo>
+                <a:lnTo>
+                  <a:pt x="3049" y="0"/>
+                </a:lnTo>
+                <a:lnTo>
+                  <a:pt x="2018" y="1270"/>
+                </a:lnTo>
+                <a:lnTo>
+                  <a:pt x="1031" y="1270"/>
+                </a:lnTo>
+                <a:lnTo>
+                  <a:pt x="0" y="0"/>
+                </a:lnTo>
+              </a:path>
+            </a:pathLst>
+          </a:custGeom>
+          <a:noFill/>
+          <a:ln w="19050">
+            <a:solidFill>
+              <a:srgbClr val="808080"/>
+            </a:solidFill>
+            <a:round/>
+          </a:ln>
+        </p:spPr>
+        <p:style>
+          <a:lnRef idx="0">
+            <a:scrgbClr r="0" g="0" b="0"/>
+          </a:lnRef>
+          <a:fillRef idx="0">
+            <a:scrgbClr r="0" g="0" b="0"/>
+          </a:fillRef>
+          <a:effectRef idx="0">
+            <a:scrgbClr r="0" g="0" b="0"/>
+          </a:effectRef>
+          <a:fontRef idx="minor"/>
+        </p:style>
+        <p:txBody>
+          <a:bodyPr wrap="none" lIns="99000" tIns="54000" rIns="99000" bIns="54000" anchor="ctr"/>
+          <a:lstStyle/>
+          <a:p>
+            <a:pPr algn="ctr">
+              <a:lnSpc>
+                <a:spcPct val="100000"/>
+              </a:lnSpc>
+            </a:pPr>
+            <a:r>
+              <a:rPr lang="en-US" sz="1800" b="0" strike="noStrike" spc="-1">
+                <a:solidFill>
+                  <a:srgbClr val="000000"/>
+                </a:solidFill>
+                <a:latin typeface="Arial"/>
+                <a:ea typeface="DejaVu Sans"/>
+              </a:rPr>
+              <a:t>+</a:t>
+            </a:r>
+            <a:endParaRPr lang="en-US" sz="1800" b="0" strike="noStrike" spc="-1">
+              <a:latin typeface="Arial"/>
+            </a:endParaRPr>
+          </a:p>
+        </p:txBody>
+      </p:sp>
+      <p:sp>
+        <p:nvSpPr>
+          <p:cNvPr id="192" name="CustomShape 21"/>
+          <p:cNvSpPr/>
+          <p:nvPr/>
+        </p:nvSpPr>
+        <p:spPr>
+          <a:xfrm>
+            <a:off x="3108960" y="3474720"/>
+            <a:ext cx="1095480" cy="454680"/>
+          </a:xfrm>
+          <a:custGeom>
+            <a:avLst/>
+            <a:gdLst/>
+            <a:ahLst/>
+            <a:cxnLst/>
+            <a:rect l="l" t="t" r="r" b="b"/>
+            <a:pathLst>
+              <a:path w="3050" h="1271">
+                <a:moveTo>
+                  <a:pt x="0" y="0"/>
+                </a:moveTo>
+                <a:lnTo>
+                  <a:pt x="3049" y="0"/>
+                </a:lnTo>
+                <a:lnTo>
+                  <a:pt x="2018" y="1270"/>
+                </a:lnTo>
+                <a:lnTo>
+                  <a:pt x="1031" y="1270"/>
+                </a:lnTo>
+                <a:lnTo>
+                  <a:pt x="0" y="0"/>
+                </a:lnTo>
+              </a:path>
+            </a:pathLst>
+          </a:custGeom>
+          <a:noFill/>
+          <a:ln w="19050">
+            <a:solidFill>
+              <a:srgbClr val="808080"/>
+            </a:solidFill>
+            <a:round/>
+          </a:ln>
+        </p:spPr>
+        <p:style>
+          <a:lnRef idx="0">
+            <a:scrgbClr r="0" g="0" b="0"/>
+          </a:lnRef>
+          <a:fillRef idx="0">
+            <a:scrgbClr r="0" g="0" b="0"/>
+          </a:fillRef>
+          <a:effectRef idx="0">
+            <a:scrgbClr r="0" g="0" b="0"/>
+          </a:effectRef>
+          <a:fontRef idx="minor"/>
+        </p:style>
+        <p:txBody>
+          <a:bodyPr wrap="none" lIns="99000" tIns="54000" rIns="99000" bIns="54000" anchor="ctr"/>
+          <a:lstStyle/>
+          <a:p>
+            <a:pPr algn="ctr">
+              <a:lnSpc>
+                <a:spcPct val="100000"/>
+              </a:lnSpc>
+            </a:pPr>
+            <a:r>
+              <a:rPr lang="en-US" sz="1800" b="0" strike="noStrike" spc="-1">
+                <a:solidFill>
+                  <a:srgbClr val="000000"/>
+                </a:solidFill>
+                <a:latin typeface="Arial"/>
+                <a:ea typeface="DejaVu Sans"/>
+              </a:rPr>
+              <a:t>+</a:t>
+            </a:r>
+            <a:endParaRPr lang="en-US" sz="1800" b="0" strike="noStrike" spc="-1">
+              <a:latin typeface="Arial"/>
+            </a:endParaRPr>
+          </a:p>
+        </p:txBody>
+      </p:sp>
+      <p:sp>
+        <p:nvSpPr>
+          <p:cNvPr id="193" name="Line 22"/>
+          <p:cNvSpPr/>
+          <p:nvPr/>
+        </p:nvSpPr>
+        <p:spPr>
+          <a:xfrm>
+            <a:off x="1646280" y="1554480"/>
+            <a:ext cx="360" cy="1097280"/>
+          </a:xfrm>
+          <a:prstGeom prst="line">
+            <a:avLst/>
+          </a:prstGeom>
+          <a:ln w="18360" cap="rnd">
+            <a:solidFill>
+              <a:srgbClr val="000000"/>
+            </a:solidFill>
+            <a:custDash>
+              <a:ds d="300000" sp="300000"/>
+            </a:custDash>
+            <a:round/>
+          </a:ln>
+        </p:spPr>
+        <p:style>
+          <a:lnRef idx="0">
+            <a:scrgbClr r="0" g="0" b="0"/>
+          </a:lnRef>
+          <a:fillRef idx="0">
+            <a:scrgbClr r="0" g="0" b="0"/>
+          </a:fillRef>
+          <a:effectRef idx="0">
+            <a:scrgbClr r="0" g="0" b="0"/>
+          </a:effectRef>
+          <a:fontRef idx="minor"/>
+        </p:style>
+      </p:sp>
+      <p:sp>
+        <p:nvSpPr>
+          <p:cNvPr id="194" name="CustomShape 23"/>
+          <p:cNvSpPr/>
+          <p:nvPr/>
+        </p:nvSpPr>
+        <p:spPr>
+          <a:xfrm rot="16251000">
+            <a:off x="1000800" y="2021040"/>
+            <a:ext cx="911880" cy="344160"/>
+          </a:xfrm>
+          <a:prstGeom prst="rect">
+            <a:avLst/>
+          </a:prstGeom>
+          <a:noFill/>
+          <a:ln>
+            <a:noFill/>
+          </a:ln>
+        </p:spPr>
+        <p:style>
+          <a:lnRef idx="0">
+            <a:scrgbClr r="0" g="0" b="0"/>
+          </a:lnRef>
+          <a:fillRef idx="0">
+            <a:scrgbClr r="0" g="0" b="0"/>
+          </a:fillRef>
+          <a:effectRef idx="0">
+            <a:scrgbClr r="0" g="0" b="0"/>
+          </a:effectRef>
+          <a:fontRef idx="minor"/>
+        </p:style>
+        <p:txBody>
+          <a:bodyPr lIns="90000" tIns="45000" rIns="90000" bIns="45000" anchor="ctr"/>
+          <a:lstStyle/>
+          <a:p>
+            <a:pPr>
+              <a:lnSpc>
+                <a:spcPct val="100000"/>
+              </a:lnSpc>
+            </a:pPr>
+            <a:r>
+              <a:rPr lang="en-US" sz="1800" b="0" strike="noStrike" spc="-1">
+                <a:solidFill>
+                  <a:srgbClr val="000000"/>
+                </a:solidFill>
+                <a:latin typeface="Arial"/>
+                <a:ea typeface="DejaVu Sans"/>
+              </a:rPr>
+              <a:t>Start</a:t>
+            </a:r>
+            <a:endParaRPr lang="en-US" sz="1800" b="0" strike="noStrike" spc="-1">
+              <a:latin typeface="Arial"/>
+            </a:endParaRPr>
+          </a:p>
+        </p:txBody>
+      </p:sp>
+      <p:sp>
+        <p:nvSpPr>
+          <p:cNvPr id="195" name="Line 24"/>
+          <p:cNvSpPr/>
+          <p:nvPr/>
+        </p:nvSpPr>
+        <p:spPr>
+          <a:xfrm>
+            <a:off x="2011680" y="3291840"/>
+            <a:ext cx="360" cy="1097280"/>
+          </a:xfrm>
+          <a:prstGeom prst="line">
+            <a:avLst/>
+          </a:prstGeom>
+          <a:ln w="18360" cap="rnd">
+            <a:solidFill>
+              <a:srgbClr val="000000"/>
+            </a:solidFill>
+            <a:custDash>
+              <a:ds d="300000" sp="300000"/>
+            </a:custDash>
+            <a:round/>
+          </a:ln>
+        </p:spPr>
+        <p:style>
+          <a:lnRef idx="0">
+            <a:scrgbClr r="0" g="0" b="0"/>
+          </a:lnRef>
+          <a:fillRef idx="0">
+            <a:scrgbClr r="0" g="0" b="0"/>
+          </a:fillRef>
+          <a:effectRef idx="0">
+            <a:scrgbClr r="0" g="0" b="0"/>
+          </a:effectRef>
+          <a:fontRef idx="minor"/>
+        </p:style>
+      </p:sp>
+      <p:sp>
+        <p:nvSpPr>
+          <p:cNvPr id="196" name="CustomShape 25"/>
+          <p:cNvSpPr/>
+          <p:nvPr/>
+        </p:nvSpPr>
+        <p:spPr>
+          <a:xfrm rot="16251000">
+            <a:off x="1411560" y="3804120"/>
+            <a:ext cx="820440" cy="344160"/>
+          </a:xfrm>
+          <a:prstGeom prst="rect">
+            <a:avLst/>
+          </a:prstGeom>
+          <a:noFill/>
+          <a:ln>
+            <a:noFill/>
+          </a:ln>
+        </p:spPr>
+        <p:style>
+          <a:lnRef idx="0">
+            <a:scrgbClr r="0" g="0" b="0"/>
+          </a:lnRef>
+          <a:fillRef idx="0">
+            <a:scrgbClr r="0" g="0" b="0"/>
+          </a:fillRef>
+          <a:effectRef idx="0">
+            <a:scrgbClr r="0" g="0" b="0"/>
+          </a:effectRef>
+          <a:fontRef idx="minor"/>
+        </p:style>
+        <p:txBody>
+          <a:bodyPr lIns="90000" tIns="45000" rIns="90000" bIns="45000" anchor="ctr"/>
+          <a:lstStyle/>
+          <a:p>
+            <a:pPr>
+              <a:lnSpc>
+                <a:spcPct val="100000"/>
+              </a:lnSpc>
+            </a:pPr>
+            <a:r>
+              <a:rPr lang="en-US" sz="1800" b="0" strike="noStrike" spc="-1">
+                <a:solidFill>
+                  <a:srgbClr val="000000"/>
+                </a:solidFill>
+                <a:latin typeface="Arial"/>
+                <a:ea typeface="DejaVu Sans"/>
+              </a:rPr>
+              <a:t>Start</a:t>
+            </a:r>
+            <a:endParaRPr lang="en-US" sz="1800" b="0" strike="noStrike" spc="-1">
+              <a:latin typeface="Arial"/>
+            </a:endParaRPr>
+          </a:p>
+        </p:txBody>
+      </p:sp>
+      <p:sp>
+        <p:nvSpPr>
+          <p:cNvPr id="197" name="CustomShape 26"/>
+          <p:cNvSpPr/>
+          <p:nvPr/>
+        </p:nvSpPr>
+        <p:spPr>
+          <a:xfrm>
+            <a:off x="3108960" y="2286000"/>
+            <a:ext cx="363600" cy="363600"/>
+          </a:xfrm>
+          <a:prstGeom prst="rect">
+            <a:avLst/>
+          </a:prstGeom>
+          <a:noFill/>
+          <a:ln w="18360">
+            <a:solidFill>
+              <a:srgbClr val="000000"/>
+            </a:solidFill>
+            <a:round/>
+          </a:ln>
+        </p:spPr>
+        <p:style>
+          <a:lnRef idx="0">
+            <a:scrgbClr r="0" g="0" b="0"/>
+          </a:lnRef>
+          <a:fillRef idx="0">
+            <a:scrgbClr r="0" g="0" b="0"/>
+          </a:fillRef>
+          <a:effectRef idx="0">
+            <a:scrgbClr r="0" g="0" b="0"/>
+          </a:effectRef>
+          <a:fontRef idx="minor"/>
+        </p:style>
+        <p:txBody>
+          <a:bodyPr wrap="none" lIns="99360" tIns="54360" rIns="99360" bIns="54360" anchor="ctr"/>
+          <a:lstStyle/>
+          <a:p>
+            <a:pPr algn="ctr">
+              <a:lnSpc>
+                <a:spcPct val="100000"/>
+              </a:lnSpc>
+            </a:pPr>
+            <a:r>
+              <a:rPr lang="en-US" sz="1800" b="0" strike="noStrike" spc="-1" dirty="0">
+                <a:solidFill>
+                  <a:srgbClr val="000000"/>
+                </a:solidFill>
+                <a:latin typeface="Arial"/>
+                <a:ea typeface="DejaVu Sans"/>
+              </a:rPr>
+              <a:t>15</a:t>
+            </a:r>
+            <a:endParaRPr lang="en-US" sz="1800" b="0" strike="noStrike" spc="-1" dirty="0">
+              <a:latin typeface="Arial"/>
+            </a:endParaRPr>
+          </a:p>
+        </p:txBody>
+      </p:sp>
+      <p:sp>
+        <p:nvSpPr>
+          <p:cNvPr id="198" name="CustomShape 27"/>
+          <p:cNvSpPr/>
+          <p:nvPr/>
+        </p:nvSpPr>
+        <p:spPr>
+          <a:xfrm>
+            <a:off x="1244160" y="3017520"/>
+            <a:ext cx="363600" cy="363600"/>
+          </a:xfrm>
+          <a:prstGeom prst="rect">
+            <a:avLst/>
+          </a:prstGeom>
+          <a:noFill/>
+          <a:ln w="18360">
+            <a:solidFill>
+              <a:srgbClr val="FFFFFF">
+                <a:alpha val="0"/>
+              </a:srgbClr>
+            </a:solidFill>
+            <a:round/>
+          </a:ln>
+        </p:spPr>
+        <p:style>
+          <a:lnRef idx="0">
+            <a:scrgbClr r="0" g="0" b="0"/>
+          </a:lnRef>
+          <a:fillRef idx="0">
+            <a:scrgbClr r="0" g="0" b="0"/>
+          </a:fillRef>
+          <a:effectRef idx="0">
+            <a:scrgbClr r="0" g="0" b="0"/>
+          </a:effectRef>
+          <a:fontRef idx="minor"/>
+        </p:style>
+      </p:sp>
+      <p:sp>
+        <p:nvSpPr>
+          <p:cNvPr id="199" name="CustomShape 28"/>
+          <p:cNvSpPr/>
+          <p:nvPr/>
+        </p:nvSpPr>
+        <p:spPr>
+          <a:xfrm>
+            <a:off x="4242240" y="3017520"/>
+            <a:ext cx="363600" cy="363600"/>
+          </a:xfrm>
+          <a:prstGeom prst="rect">
+            <a:avLst/>
+          </a:prstGeom>
+          <a:noFill/>
+          <a:ln w="18360">
+            <a:solidFill>
+              <a:srgbClr val="FFFFFF">
+                <a:alpha val="0"/>
+              </a:srgbClr>
+            </a:solidFill>
+            <a:round/>
+          </a:ln>
+        </p:spPr>
+        <p:style>
+          <a:lnRef idx="0">
+            <a:scrgbClr r="0" g="0" b="0"/>
+          </a:lnRef>
+          <a:fillRef idx="0">
+            <a:scrgbClr r="0" g="0" b="0"/>
+          </a:fillRef>
+          <a:effectRef idx="0">
+            <a:scrgbClr r="0" g="0" b="0"/>
+          </a:effectRef>
+          <a:fontRef idx="minor"/>
+        </p:style>
+      </p:sp>
+      <p:sp>
+        <p:nvSpPr>
+          <p:cNvPr id="200" name="CustomShape 29"/>
+          <p:cNvSpPr/>
+          <p:nvPr/>
+        </p:nvSpPr>
+        <p:spPr>
+          <a:xfrm>
+            <a:off x="4572000" y="3017520"/>
+            <a:ext cx="363600" cy="363600"/>
+          </a:xfrm>
+          <a:prstGeom prst="rect">
+            <a:avLst/>
+          </a:prstGeom>
+          <a:noFill/>
+          <a:ln w="18360">
+            <a:solidFill>
+              <a:srgbClr val="FFFFFF">
+                <a:alpha val="0"/>
+              </a:srgbClr>
+            </a:solidFill>
+            <a:round/>
+          </a:ln>
+        </p:spPr>
+        <p:style>
+          <a:lnRef idx="0">
+            <a:scrgbClr r="0" g="0" b="0"/>
+          </a:lnRef>
+          <a:fillRef idx="0">
+            <a:scrgbClr r="0" g="0" b="0"/>
+          </a:fillRef>
+          <a:effectRef idx="0">
+            <a:scrgbClr r="0" g="0" b="0"/>
+          </a:effectRef>
+          <a:fontRef idx="minor"/>
+        </p:style>
+      </p:sp>
+      <p:sp>
+        <p:nvSpPr>
+          <p:cNvPr id="201" name="CustomShape 30"/>
+          <p:cNvSpPr/>
+          <p:nvPr/>
+        </p:nvSpPr>
+        <p:spPr>
+          <a:xfrm>
+            <a:off x="548640" y="3017520"/>
+            <a:ext cx="363600" cy="363600"/>
+          </a:xfrm>
+          <a:prstGeom prst="rect">
+            <a:avLst/>
+          </a:prstGeom>
+          <a:noFill/>
+          <a:ln w="18360">
+            <a:solidFill>
+              <a:srgbClr val="FFFFFF">
+                <a:alpha val="0"/>
+              </a:srgbClr>
+            </a:solidFill>
+            <a:round/>
+          </a:ln>
+        </p:spPr>
+        <p:style>
+          <a:lnRef idx="0">
+            <a:scrgbClr r="0" g="0" b="0"/>
+          </a:lnRef>
+          <a:fillRef idx="0">
+            <a:scrgbClr r="0" g="0" b="0"/>
+          </a:fillRef>
+          <a:effectRef idx="0">
+            <a:scrgbClr r="0" g="0" b="0"/>
+          </a:effectRef>
+          <a:fontRef idx="minor"/>
+        </p:style>
+      </p:sp>
+      <p:sp>
+        <p:nvSpPr>
+          <p:cNvPr id="202" name="CustomShape 31"/>
+          <p:cNvSpPr/>
+          <p:nvPr/>
+        </p:nvSpPr>
+        <p:spPr>
+          <a:xfrm>
+            <a:off x="914400" y="3017520"/>
+            <a:ext cx="363600" cy="363600"/>
+          </a:xfrm>
+          <a:prstGeom prst="rect">
+            <a:avLst/>
+          </a:prstGeom>
+          <a:noFill/>
+          <a:ln w="18360">
+            <a:solidFill>
+              <a:srgbClr val="FFFFFF">
+                <a:alpha val="0"/>
+              </a:srgbClr>
+            </a:solidFill>
+            <a:round/>
+          </a:ln>
+        </p:spPr>
+        <p:style>
+          <a:lnRef idx="0">
+            <a:scrgbClr r="0" g="0" b="0"/>
+          </a:lnRef>
+          <a:fillRef idx="0">
+            <a:scrgbClr r="0" g="0" b="0"/>
+          </a:fillRef>
+          <a:effectRef idx="0">
+            <a:scrgbClr r="0" g="0" b="0"/>
+          </a:effectRef>
+          <a:fontRef idx="minor"/>
+        </p:style>
+      </p:sp>
+    </p:spTree>
+    <p:extLst>
+      <p:ext uri="{BB962C8B-B14F-4D97-AF65-F5344CB8AC3E}">
+        <p14:creationId xmlns:p14="http://schemas.microsoft.com/office/powerpoint/2010/main" val="3592204964"/>
+      </p:ext>
+    </p:extLst>
+  </p:cSld>
+  <p:clrMapOvr>
+    <a:masterClrMapping/>
+  </p:clrMapOvr>
+  <p:timing>
+    <p:tnLst>
+      <p:par>
+        <p:cTn id="1" dur="indefinite" restart="never" nodeType="tmRoot">
+          <p:childTnLst>
+            <p:seq>
+              <p:cTn id="2" dur="indefinite" nodeType="mainSeq"/>
+              <p:prevCondLst>
+                <p:cond evt="onPrev" delay="0">
+                  <p:tgtEl>
+                    <p:sldTgt/>
+                  </p:tgtEl>
+                </p:cond>
+              </p:prevCondLst>
+              <p:nextCondLst>
+                <p:cond evt="onNext" delay="0">
+                  <p:tgtEl>
+                    <p:sldTgt/>
+                  </p:tgtEl>
+                </p:cond>
+              </p:nextCondLst>
+            </p:seq>
+          </p:childTnLst>
+        </p:cTn>
+      </p:par>
+    </p:tnLst>
+  </p:timing>
+</p:sld>
+</file>
+
+<file path=ppt/slides/slide5.xml><?xml version="1.0" encoding="utf-8"?>
+<p:sld xmlns:a="http://schemas.openxmlformats.org/drawingml/2006/main" xmlns:r="http://schemas.openxmlformats.org/officeDocument/2006/relationships" xmlns:p="http://schemas.openxmlformats.org/presentationml/2006/main">
+  <p:cSld>
+    <p:spTree>
+      <p:nvGrpSpPr>
+        <p:cNvPr id="1" name=""/>
+        <p:cNvGrpSpPr/>
+        <p:nvPr/>
+      </p:nvGrpSpPr>
+      <p:grpSpPr>
+        <a:xfrm>
+          <a:off x="0" y="0"/>
+          <a:ext cx="0" cy="0"/>
+          <a:chOff x="0" y="0"/>
+          <a:chExt cx="0" cy="0"/>
+        </a:xfrm>
+      </p:grpSpPr>
+      <p:sp>
+        <p:nvSpPr>
           <p:cNvPr id="203" name="CustomShape 1"/>
           <p:cNvSpPr/>
           <p:nvPr/>
@@ -8501,7 +9352,7 @@
 </p:sld>
 </file>
 
-<file path=ppt/slides/slide5.xml><?xml version="1.0" encoding="utf-8"?>
+<file path=ppt/slides/slide6.xml><?xml version="1.0" encoding="utf-8"?>
 <p:sld xmlns:a="http://schemas.openxmlformats.org/drawingml/2006/main" xmlns:r="http://schemas.openxmlformats.org/officeDocument/2006/relationships" xmlns:p="http://schemas.openxmlformats.org/presentationml/2006/main">
   <p:cSld>
     <p:spTree>
